--- a/Proposal TecWeb - Poli Vincenzo, 0124001487 .pptx
+++ b/Proposal TecWeb - Poli Vincenzo, 0124001487 .pptx
@@ -40,7 +40,7 @@
             <a:spLocks noGrp="1"/>
           </p:cNvSpPr>
           <p:nvPr>
-            <p:ph type="ftr" idx="2"/>
+            <p:ph type="ftr" idx="1"/>
           </p:nvPr>
         </p:nvSpPr>
         <p:spPr/>
@@ -60,14 +60,14 @@
             <a:spLocks noGrp="1"/>
           </p:cNvSpPr>
           <p:nvPr>
-            <p:ph type="sldNum" idx="3"/>
+            <p:ph type="sldNum" idx="2"/>
           </p:nvPr>
         </p:nvSpPr>
         <p:spPr/>
         <p:txBody>
           <a:bodyPr/>
           <a:p>
-            <a:fld id="{763A1FC3-D5F4-4129-8CBD-76EB82AF3170}" type="slidenum">
+            <a:fld id="{F81A95CE-9BA7-4ABE-AA81-6662BF9F9E1F}" type="slidenum">
               <a:t>&lt;#&gt;</a:t>
             </a:fld>
           </a:p>
@@ -80,7 +80,7 @@
             <a:spLocks noGrp="1"/>
           </p:cNvSpPr>
           <p:nvPr>
-            <p:ph type="dt" idx="1"/>
+            <p:ph type="dt" idx="3"/>
           </p:nvPr>
         </p:nvSpPr>
         <p:spPr/>
@@ -129,7 +129,7 @@
         <p:spPr>
           <a:xfrm>
             <a:off x="540000" y="270000"/>
-            <a:ext cx="9000000" cy="990000"/>
+            <a:ext cx="8999640" cy="989640"/>
           </a:xfrm>
           <a:prstGeom prst="rect">
             <a:avLst/>
@@ -147,9 +147,9 @@
             <a:pPr indent="0" algn="ctr">
               <a:buNone/>
             </a:pPr>
-            <a:endParaRPr b="0" lang="it-IT" sz="3300" spc="-1" strike="noStrike">
-              <a:solidFill>
-                <a:srgbClr val="ffffff"/>
+            <a:endParaRPr b="0" lang="it-IT" sz="4400" spc="-1" strike="noStrike">
+              <a:solidFill>
+                <a:srgbClr val="000000"/>
               </a:solidFill>
               <a:latin typeface="Arial"/>
             </a:endParaRPr>
@@ -168,8 +168,8 @@
         </p:nvSpPr>
         <p:spPr>
           <a:xfrm>
-            <a:off x="540000" y="1440000"/>
-            <a:ext cx="9000000" cy="1716840"/>
+            <a:off x="504000" y="1326600"/>
+            <a:ext cx="9072000" cy="1568520"/>
           </a:xfrm>
           <a:prstGeom prst="rect">
             <a:avLst/>
@@ -185,12 +185,12 @@
           </a:bodyPr>
           <a:p>
             <a:pPr indent="0">
-              <a:spcAft>
-                <a:spcPts val="1060"/>
-              </a:spcAft>
-              <a:buNone/>
-            </a:pPr>
-            <a:endParaRPr b="0" lang="it-IT" sz="2400" spc="-1" strike="noStrike">
+              <a:spcBef>
+                <a:spcPts val="1417"/>
+              </a:spcBef>
+              <a:buNone/>
+            </a:pPr>
+            <a:endParaRPr b="0" lang="it-IT" sz="3200" spc="-1" strike="noStrike">
               <a:solidFill>
                 <a:srgbClr val="000000"/>
               </a:solidFill>
@@ -211,8 +211,8 @@
         </p:nvSpPr>
         <p:spPr>
           <a:xfrm>
-            <a:off x="540000" y="3320280"/>
-            <a:ext cx="9000000" cy="1716840"/>
+            <a:off x="504000" y="3044520"/>
+            <a:ext cx="9072000" cy="1568520"/>
           </a:xfrm>
           <a:prstGeom prst="rect">
             <a:avLst/>
@@ -228,12 +228,12 @@
           </a:bodyPr>
           <a:p>
             <a:pPr indent="0">
-              <a:spcAft>
-                <a:spcPts val="1060"/>
-              </a:spcAft>
-              <a:buNone/>
-            </a:pPr>
-            <a:endParaRPr b="0" lang="it-IT" sz="2400" spc="-1" strike="noStrike">
+              <a:spcBef>
+                <a:spcPts val="1417"/>
+              </a:spcBef>
+              <a:buNone/>
+            </a:pPr>
+            <a:endParaRPr b="0" lang="it-IT" sz="3200" spc="-1" strike="noStrike">
               <a:solidFill>
                 <a:srgbClr val="000000"/>
               </a:solidFill>
@@ -249,7 +249,7 @@
             <a:spLocks noGrp="1"/>
           </p:cNvSpPr>
           <p:nvPr>
-            <p:ph type="ftr" idx="2"/>
+            <p:ph type="ftr" idx="1"/>
           </p:nvPr>
         </p:nvSpPr>
         <p:spPr/>
@@ -269,14 +269,14 @@
             <a:spLocks noGrp="1"/>
           </p:cNvSpPr>
           <p:nvPr>
-            <p:ph type="sldNum" idx="3"/>
+            <p:ph type="sldNum" idx="2"/>
           </p:nvPr>
         </p:nvSpPr>
         <p:spPr/>
         <p:txBody>
           <a:bodyPr/>
           <a:p>
-            <a:fld id="{653D2A7E-2931-409A-8C82-3993DD63DBA4}" type="slidenum">
+            <a:fld id="{4349E5EF-5328-4284-B5F8-041BC02B4CF1}" type="slidenum">
               <a:t>&lt;#&gt;</a:t>
             </a:fld>
           </a:p>
@@ -289,7 +289,7 @@
             <a:spLocks noGrp="1"/>
           </p:cNvSpPr>
           <p:nvPr>
-            <p:ph type="dt" idx="1"/>
+            <p:ph type="dt" idx="3"/>
           </p:nvPr>
         </p:nvSpPr>
         <p:spPr/>
@@ -338,7 +338,7 @@
         <p:spPr>
           <a:xfrm>
             <a:off x="540000" y="270000"/>
-            <a:ext cx="9000000" cy="990000"/>
+            <a:ext cx="8999640" cy="989640"/>
           </a:xfrm>
           <a:prstGeom prst="rect">
             <a:avLst/>
@@ -356,9 +356,9 @@
             <a:pPr indent="0" algn="ctr">
               <a:buNone/>
             </a:pPr>
-            <a:endParaRPr b="0" lang="it-IT" sz="3300" spc="-1" strike="noStrike">
-              <a:solidFill>
-                <a:srgbClr val="ffffff"/>
+            <a:endParaRPr b="0" lang="it-IT" sz="4400" spc="-1" strike="noStrike">
+              <a:solidFill>
+                <a:srgbClr val="000000"/>
               </a:solidFill>
               <a:latin typeface="Arial"/>
             </a:endParaRPr>
@@ -377,8 +377,8 @@
         </p:nvSpPr>
         <p:spPr>
           <a:xfrm>
-            <a:off x="540000" y="1440000"/>
-            <a:ext cx="4391640" cy="1716840"/>
+            <a:off x="504000" y="1326600"/>
+            <a:ext cx="4426920" cy="1568520"/>
           </a:xfrm>
           <a:prstGeom prst="rect">
             <a:avLst/>
@@ -394,12 +394,12 @@
           </a:bodyPr>
           <a:p>
             <a:pPr indent="0">
-              <a:spcAft>
-                <a:spcPts val="1060"/>
-              </a:spcAft>
-              <a:buNone/>
-            </a:pPr>
-            <a:endParaRPr b="0" lang="it-IT" sz="2400" spc="-1" strike="noStrike">
+              <a:spcBef>
+                <a:spcPts val="1417"/>
+              </a:spcBef>
+              <a:buNone/>
+            </a:pPr>
+            <a:endParaRPr b="0" lang="it-IT" sz="3200" spc="-1" strike="noStrike">
               <a:solidFill>
                 <a:srgbClr val="000000"/>
               </a:solidFill>
@@ -420,8 +420,8 @@
         </p:nvSpPr>
         <p:spPr>
           <a:xfrm>
-            <a:off x="5151600" y="1440000"/>
-            <a:ext cx="4391640" cy="1716840"/>
+            <a:off x="5152680" y="1326600"/>
+            <a:ext cx="4426920" cy="1568520"/>
           </a:xfrm>
           <a:prstGeom prst="rect">
             <a:avLst/>
@@ -437,12 +437,12 @@
           </a:bodyPr>
           <a:p>
             <a:pPr indent="0">
-              <a:spcAft>
-                <a:spcPts val="1060"/>
-              </a:spcAft>
-              <a:buNone/>
-            </a:pPr>
-            <a:endParaRPr b="0" lang="it-IT" sz="2400" spc="-1" strike="noStrike">
+              <a:spcBef>
+                <a:spcPts val="1417"/>
+              </a:spcBef>
+              <a:buNone/>
+            </a:pPr>
+            <a:endParaRPr b="0" lang="it-IT" sz="3200" spc="-1" strike="noStrike">
               <a:solidFill>
                 <a:srgbClr val="000000"/>
               </a:solidFill>
@@ -463,8 +463,8 @@
         </p:nvSpPr>
         <p:spPr>
           <a:xfrm>
-            <a:off x="540000" y="3320280"/>
-            <a:ext cx="4391640" cy="1716840"/>
+            <a:off x="504000" y="3044520"/>
+            <a:ext cx="4426920" cy="1568520"/>
           </a:xfrm>
           <a:prstGeom prst="rect">
             <a:avLst/>
@@ -480,12 +480,12 @@
           </a:bodyPr>
           <a:p>
             <a:pPr indent="0">
-              <a:spcAft>
-                <a:spcPts val="1060"/>
-              </a:spcAft>
-              <a:buNone/>
-            </a:pPr>
-            <a:endParaRPr b="0" lang="it-IT" sz="2400" spc="-1" strike="noStrike">
+              <a:spcBef>
+                <a:spcPts val="1417"/>
+              </a:spcBef>
+              <a:buNone/>
+            </a:pPr>
+            <a:endParaRPr b="0" lang="it-IT" sz="3200" spc="-1" strike="noStrike">
               <a:solidFill>
                 <a:srgbClr val="000000"/>
               </a:solidFill>
@@ -506,8 +506,8 @@
         </p:nvSpPr>
         <p:spPr>
           <a:xfrm>
-            <a:off x="5151600" y="3320280"/>
-            <a:ext cx="4391640" cy="1716840"/>
+            <a:off x="5152680" y="3044520"/>
+            <a:ext cx="4426920" cy="1568520"/>
           </a:xfrm>
           <a:prstGeom prst="rect">
             <a:avLst/>
@@ -523,12 +523,12 @@
           </a:bodyPr>
           <a:p>
             <a:pPr indent="0">
-              <a:spcAft>
-                <a:spcPts val="1060"/>
-              </a:spcAft>
-              <a:buNone/>
-            </a:pPr>
-            <a:endParaRPr b="0" lang="it-IT" sz="2400" spc="-1" strike="noStrike">
+              <a:spcBef>
+                <a:spcPts val="1417"/>
+              </a:spcBef>
+              <a:buNone/>
+            </a:pPr>
+            <a:endParaRPr b="0" lang="it-IT" sz="3200" spc="-1" strike="noStrike">
               <a:solidFill>
                 <a:srgbClr val="000000"/>
               </a:solidFill>
@@ -544,7 +544,7 @@
             <a:spLocks noGrp="1"/>
           </p:cNvSpPr>
           <p:nvPr>
-            <p:ph type="ftr" idx="2"/>
+            <p:ph type="ftr" idx="1"/>
           </p:nvPr>
         </p:nvSpPr>
         <p:spPr/>
@@ -564,14 +564,14 @@
             <a:spLocks noGrp="1"/>
           </p:cNvSpPr>
           <p:nvPr>
-            <p:ph type="sldNum" idx="3"/>
+            <p:ph type="sldNum" idx="2"/>
           </p:nvPr>
         </p:nvSpPr>
         <p:spPr/>
         <p:txBody>
           <a:bodyPr/>
           <a:p>
-            <a:fld id="{3A59E8CB-E52D-4A3B-9C15-E48510DBCFD8}" type="slidenum">
+            <a:fld id="{D578C724-90B3-4D16-95EB-DF2948A74F49}" type="slidenum">
               <a:t>&lt;#&gt;</a:t>
             </a:fld>
           </a:p>
@@ -584,7 +584,7 @@
             <a:spLocks noGrp="1"/>
           </p:cNvSpPr>
           <p:nvPr>
-            <p:ph type="dt" idx="1"/>
+            <p:ph type="dt" idx="3"/>
           </p:nvPr>
         </p:nvSpPr>
         <p:spPr/>
@@ -633,7 +633,7 @@
         <p:spPr>
           <a:xfrm>
             <a:off x="540000" y="270000"/>
-            <a:ext cx="9000000" cy="990000"/>
+            <a:ext cx="8999640" cy="989640"/>
           </a:xfrm>
           <a:prstGeom prst="rect">
             <a:avLst/>
@@ -651,9 +651,9 @@
             <a:pPr indent="0" algn="ctr">
               <a:buNone/>
             </a:pPr>
-            <a:endParaRPr b="0" lang="it-IT" sz="3300" spc="-1" strike="noStrike">
-              <a:solidFill>
-                <a:srgbClr val="ffffff"/>
+            <a:endParaRPr b="0" lang="it-IT" sz="4400" spc="-1" strike="noStrike">
+              <a:solidFill>
+                <a:srgbClr val="000000"/>
               </a:solidFill>
               <a:latin typeface="Arial"/>
             </a:endParaRPr>
@@ -672,8 +672,8 @@
         </p:nvSpPr>
         <p:spPr>
           <a:xfrm>
-            <a:off x="540000" y="1440000"/>
-            <a:ext cx="2897640" cy="1716840"/>
+            <a:off x="504000" y="1326600"/>
+            <a:ext cx="2921040" cy="1568520"/>
           </a:xfrm>
           <a:prstGeom prst="rect">
             <a:avLst/>
@@ -689,12 +689,12 @@
           </a:bodyPr>
           <a:p>
             <a:pPr indent="0">
-              <a:spcAft>
-                <a:spcPts val="1060"/>
-              </a:spcAft>
-              <a:buNone/>
-            </a:pPr>
-            <a:endParaRPr b="0" lang="it-IT" sz="2400" spc="-1" strike="noStrike">
+              <a:spcBef>
+                <a:spcPts val="1417"/>
+              </a:spcBef>
+              <a:buNone/>
+            </a:pPr>
+            <a:endParaRPr b="0" lang="it-IT" sz="3200" spc="-1" strike="noStrike">
               <a:solidFill>
                 <a:srgbClr val="000000"/>
               </a:solidFill>
@@ -715,8 +715,8 @@
         </p:nvSpPr>
         <p:spPr>
           <a:xfrm>
-            <a:off x="3583080" y="1440000"/>
-            <a:ext cx="2897640" cy="1716840"/>
+            <a:off x="3571560" y="1326600"/>
+            <a:ext cx="2921040" cy="1568520"/>
           </a:xfrm>
           <a:prstGeom prst="rect">
             <a:avLst/>
@@ -732,12 +732,12 @@
           </a:bodyPr>
           <a:p>
             <a:pPr indent="0">
-              <a:spcAft>
-                <a:spcPts val="1060"/>
-              </a:spcAft>
-              <a:buNone/>
-            </a:pPr>
-            <a:endParaRPr b="0" lang="it-IT" sz="2400" spc="-1" strike="noStrike">
+              <a:spcBef>
+                <a:spcPts val="1417"/>
+              </a:spcBef>
+              <a:buNone/>
+            </a:pPr>
+            <a:endParaRPr b="0" lang="it-IT" sz="3200" spc="-1" strike="noStrike">
               <a:solidFill>
                 <a:srgbClr val="000000"/>
               </a:solidFill>
@@ -758,8 +758,8 @@
         </p:nvSpPr>
         <p:spPr>
           <a:xfrm>
-            <a:off x="6625800" y="1440000"/>
-            <a:ext cx="2897640" cy="1716840"/>
+            <a:off x="6639120" y="1326600"/>
+            <a:ext cx="2921040" cy="1568520"/>
           </a:xfrm>
           <a:prstGeom prst="rect">
             <a:avLst/>
@@ -775,12 +775,12 @@
           </a:bodyPr>
           <a:p>
             <a:pPr indent="0">
-              <a:spcAft>
-                <a:spcPts val="1060"/>
-              </a:spcAft>
-              <a:buNone/>
-            </a:pPr>
-            <a:endParaRPr b="0" lang="it-IT" sz="2400" spc="-1" strike="noStrike">
+              <a:spcBef>
+                <a:spcPts val="1417"/>
+              </a:spcBef>
+              <a:buNone/>
+            </a:pPr>
+            <a:endParaRPr b="0" lang="it-IT" sz="3200" spc="-1" strike="noStrike">
               <a:solidFill>
                 <a:srgbClr val="000000"/>
               </a:solidFill>
@@ -801,8 +801,8 @@
         </p:nvSpPr>
         <p:spPr>
           <a:xfrm>
-            <a:off x="540000" y="3320280"/>
-            <a:ext cx="2897640" cy="1716840"/>
+            <a:off x="504000" y="3044520"/>
+            <a:ext cx="2921040" cy="1568520"/>
           </a:xfrm>
           <a:prstGeom prst="rect">
             <a:avLst/>
@@ -818,12 +818,12 @@
           </a:bodyPr>
           <a:p>
             <a:pPr indent="0">
-              <a:spcAft>
-                <a:spcPts val="1060"/>
-              </a:spcAft>
-              <a:buNone/>
-            </a:pPr>
-            <a:endParaRPr b="0" lang="it-IT" sz="2400" spc="-1" strike="noStrike">
+              <a:spcBef>
+                <a:spcPts val="1417"/>
+              </a:spcBef>
+              <a:buNone/>
+            </a:pPr>
+            <a:endParaRPr b="0" lang="it-IT" sz="3200" spc="-1" strike="noStrike">
               <a:solidFill>
                 <a:srgbClr val="000000"/>
               </a:solidFill>
@@ -844,8 +844,8 @@
         </p:nvSpPr>
         <p:spPr>
           <a:xfrm>
-            <a:off x="3583080" y="3320280"/>
-            <a:ext cx="2897640" cy="1716840"/>
+            <a:off x="3571560" y="3044520"/>
+            <a:ext cx="2921040" cy="1568520"/>
           </a:xfrm>
           <a:prstGeom prst="rect">
             <a:avLst/>
@@ -861,12 +861,12 @@
           </a:bodyPr>
           <a:p>
             <a:pPr indent="0">
-              <a:spcAft>
-                <a:spcPts val="1060"/>
-              </a:spcAft>
-              <a:buNone/>
-            </a:pPr>
-            <a:endParaRPr b="0" lang="it-IT" sz="2400" spc="-1" strike="noStrike">
+              <a:spcBef>
+                <a:spcPts val="1417"/>
+              </a:spcBef>
+              <a:buNone/>
+            </a:pPr>
+            <a:endParaRPr b="0" lang="it-IT" sz="3200" spc="-1" strike="noStrike">
               <a:solidFill>
                 <a:srgbClr val="000000"/>
               </a:solidFill>
@@ -887,8 +887,8 @@
         </p:nvSpPr>
         <p:spPr>
           <a:xfrm>
-            <a:off x="6625800" y="3320280"/>
-            <a:ext cx="2897640" cy="1716840"/>
+            <a:off x="6639120" y="3044520"/>
+            <a:ext cx="2921040" cy="1568520"/>
           </a:xfrm>
           <a:prstGeom prst="rect">
             <a:avLst/>
@@ -904,12 +904,12 @@
           </a:bodyPr>
           <a:p>
             <a:pPr indent="0">
-              <a:spcAft>
-                <a:spcPts val="1060"/>
-              </a:spcAft>
-              <a:buNone/>
-            </a:pPr>
-            <a:endParaRPr b="0" lang="it-IT" sz="2400" spc="-1" strike="noStrike">
+              <a:spcBef>
+                <a:spcPts val="1417"/>
+              </a:spcBef>
+              <a:buNone/>
+            </a:pPr>
+            <a:endParaRPr b="0" lang="it-IT" sz="3200" spc="-1" strike="noStrike">
               <a:solidFill>
                 <a:srgbClr val="000000"/>
               </a:solidFill>
@@ -925,7 +925,7 @@
             <a:spLocks noGrp="1"/>
           </p:cNvSpPr>
           <p:nvPr>
-            <p:ph type="ftr" idx="2"/>
+            <p:ph type="ftr" idx="1"/>
           </p:nvPr>
         </p:nvSpPr>
         <p:spPr/>
@@ -945,14 +945,14 @@
             <a:spLocks noGrp="1"/>
           </p:cNvSpPr>
           <p:nvPr>
-            <p:ph type="sldNum" idx="3"/>
+            <p:ph type="sldNum" idx="2"/>
           </p:nvPr>
         </p:nvSpPr>
         <p:spPr/>
         <p:txBody>
           <a:bodyPr/>
           <a:p>
-            <a:fld id="{1F8285C7-8C8F-4577-969F-6BD74B37FAC0}" type="slidenum">
+            <a:fld id="{C15B8C58-BC5A-429A-8ECA-73B30272FF10}" type="slidenum">
               <a:t>&lt;#&gt;</a:t>
             </a:fld>
           </a:p>
@@ -965,7 +965,7 @@
             <a:spLocks noGrp="1"/>
           </p:cNvSpPr>
           <p:nvPr>
-            <p:ph type="dt" idx="1"/>
+            <p:ph type="dt" idx="3"/>
           </p:nvPr>
         </p:nvSpPr>
         <p:spPr/>
@@ -1008,7 +1008,7 @@
             <a:spLocks noGrp="1"/>
           </p:cNvSpPr>
           <p:nvPr>
-            <p:ph type="ftr" idx="5"/>
+            <p:ph type="ftr" idx="4"/>
           </p:nvPr>
         </p:nvSpPr>
         <p:spPr/>
@@ -1028,14 +1028,14 @@
             <a:spLocks noGrp="1"/>
           </p:cNvSpPr>
           <p:nvPr>
-            <p:ph type="sldNum" idx="6"/>
+            <p:ph type="sldNum" idx="5"/>
           </p:nvPr>
         </p:nvSpPr>
         <p:spPr/>
         <p:txBody>
           <a:bodyPr/>
           <a:p>
-            <a:fld id="{2F11CAE0-EDF1-47E0-B6BD-5E6F8B7F30CF}" type="slidenum">
+            <a:fld id="{1C452C52-D4D6-4931-A91C-4487A1492006}" type="slidenum">
               <a:t>&lt;#&gt;</a:t>
             </a:fld>
           </a:p>
@@ -1048,7 +1048,7 @@
             <a:spLocks noGrp="1"/>
           </p:cNvSpPr>
           <p:nvPr>
-            <p:ph type="dt" idx="4"/>
+            <p:ph type="dt" idx="6"/>
           </p:nvPr>
         </p:nvSpPr>
         <p:spPr/>
@@ -1097,7 +1097,7 @@
         <p:spPr>
           <a:xfrm>
             <a:off x="540000" y="270000"/>
-            <a:ext cx="9000000" cy="990000"/>
+            <a:ext cx="8999640" cy="989640"/>
           </a:xfrm>
           <a:prstGeom prst="rect">
             <a:avLst/>
@@ -1115,9 +1115,9 @@
             <a:pPr indent="0" algn="ctr">
               <a:buNone/>
             </a:pPr>
-            <a:endParaRPr b="0" lang="it-IT" sz="3300" spc="-1" strike="noStrike">
-              <a:solidFill>
-                <a:srgbClr val="ffffff"/>
+            <a:endParaRPr b="0" lang="it-IT" sz="4400" spc="-1" strike="noStrike">
+              <a:solidFill>
+                <a:srgbClr val="000000"/>
               </a:solidFill>
               <a:latin typeface="Arial"/>
             </a:endParaRPr>
@@ -1136,8 +1136,8 @@
         </p:nvSpPr>
         <p:spPr>
           <a:xfrm>
-            <a:off x="540000" y="1440000"/>
-            <a:ext cx="9000000" cy="3600000"/>
+            <a:off x="504000" y="1326600"/>
+            <a:ext cx="9072000" cy="3288600"/>
           </a:xfrm>
           <a:prstGeom prst="rect">
             <a:avLst/>
@@ -1171,7 +1171,7 @@
             <a:spLocks noGrp="1"/>
           </p:cNvSpPr>
           <p:nvPr>
-            <p:ph type="ftr" idx="5"/>
+            <p:ph type="ftr" idx="4"/>
           </p:nvPr>
         </p:nvSpPr>
         <p:spPr/>
@@ -1191,14 +1191,14 @@
             <a:spLocks noGrp="1"/>
           </p:cNvSpPr>
           <p:nvPr>
-            <p:ph type="sldNum" idx="6"/>
+            <p:ph type="sldNum" idx="5"/>
           </p:nvPr>
         </p:nvSpPr>
         <p:spPr/>
         <p:txBody>
           <a:bodyPr/>
           <a:p>
-            <a:fld id="{8CDBC1CF-6BE3-4624-BA15-7F2EA971C9FA}" type="slidenum">
+            <a:fld id="{59CA4C48-4A04-42FA-9826-8B86F654129E}" type="slidenum">
               <a:t>&lt;#&gt;</a:t>
             </a:fld>
           </a:p>
@@ -1211,7 +1211,7 @@
             <a:spLocks noGrp="1"/>
           </p:cNvSpPr>
           <p:nvPr>
-            <p:ph type="dt" idx="4"/>
+            <p:ph type="dt" idx="6"/>
           </p:nvPr>
         </p:nvSpPr>
         <p:spPr/>
@@ -1260,7 +1260,7 @@
         <p:spPr>
           <a:xfrm>
             <a:off x="540000" y="270000"/>
-            <a:ext cx="9000000" cy="990000"/>
+            <a:ext cx="8999640" cy="989640"/>
           </a:xfrm>
           <a:prstGeom prst="rect">
             <a:avLst/>
@@ -1278,9 +1278,9 @@
             <a:pPr indent="0" algn="ctr">
               <a:buNone/>
             </a:pPr>
-            <a:endParaRPr b="0" lang="it-IT" sz="3300" spc="-1" strike="noStrike">
-              <a:solidFill>
-                <a:srgbClr val="ffffff"/>
+            <a:endParaRPr b="0" lang="it-IT" sz="4400" spc="-1" strike="noStrike">
+              <a:solidFill>
+                <a:srgbClr val="000000"/>
               </a:solidFill>
               <a:latin typeface="Arial"/>
             </a:endParaRPr>
@@ -1299,8 +1299,8 @@
         </p:nvSpPr>
         <p:spPr>
           <a:xfrm>
-            <a:off x="540000" y="1440000"/>
-            <a:ext cx="9000000" cy="3600000"/>
+            <a:off x="504000" y="1326600"/>
+            <a:ext cx="9072000" cy="3288600"/>
           </a:xfrm>
           <a:prstGeom prst="rect">
             <a:avLst/>
@@ -1316,12 +1316,12 @@
           </a:bodyPr>
           <a:p>
             <a:pPr indent="0">
-              <a:spcAft>
-                <a:spcPts val="1060"/>
-              </a:spcAft>
-              <a:buNone/>
-            </a:pPr>
-            <a:endParaRPr b="0" lang="it-IT" sz="2400" spc="-1" strike="noStrike">
+              <a:spcBef>
+                <a:spcPts val="1417"/>
+              </a:spcBef>
+              <a:buNone/>
+            </a:pPr>
+            <a:endParaRPr b="0" lang="it-IT" sz="3200" spc="-1" strike="noStrike">
               <a:solidFill>
                 <a:srgbClr val="000000"/>
               </a:solidFill>
@@ -1337,7 +1337,7 @@
             <a:spLocks noGrp="1"/>
           </p:cNvSpPr>
           <p:nvPr>
-            <p:ph type="ftr" idx="5"/>
+            <p:ph type="ftr" idx="4"/>
           </p:nvPr>
         </p:nvSpPr>
         <p:spPr/>
@@ -1357,14 +1357,14 @@
             <a:spLocks noGrp="1"/>
           </p:cNvSpPr>
           <p:nvPr>
-            <p:ph type="sldNum" idx="6"/>
+            <p:ph type="sldNum" idx="5"/>
           </p:nvPr>
         </p:nvSpPr>
         <p:spPr/>
         <p:txBody>
           <a:bodyPr/>
           <a:p>
-            <a:fld id="{E6442BF7-7997-4282-857A-E8B8BA996632}" type="slidenum">
+            <a:fld id="{52DFDE38-7ECD-4DCA-8229-0BD6C1129E4C}" type="slidenum">
               <a:t>&lt;#&gt;</a:t>
             </a:fld>
           </a:p>
@@ -1377,7 +1377,7 @@
             <a:spLocks noGrp="1"/>
           </p:cNvSpPr>
           <p:nvPr>
-            <p:ph type="dt" idx="4"/>
+            <p:ph type="dt" idx="6"/>
           </p:nvPr>
         </p:nvSpPr>
         <p:spPr/>
@@ -1426,7 +1426,7 @@
         <p:spPr>
           <a:xfrm>
             <a:off x="540000" y="270000"/>
-            <a:ext cx="9000000" cy="990000"/>
+            <a:ext cx="8999640" cy="989640"/>
           </a:xfrm>
           <a:prstGeom prst="rect">
             <a:avLst/>
@@ -1444,9 +1444,9 @@
             <a:pPr indent="0" algn="ctr">
               <a:buNone/>
             </a:pPr>
-            <a:endParaRPr b="0" lang="it-IT" sz="3300" spc="-1" strike="noStrike">
-              <a:solidFill>
-                <a:srgbClr val="ffffff"/>
+            <a:endParaRPr b="0" lang="it-IT" sz="4400" spc="-1" strike="noStrike">
+              <a:solidFill>
+                <a:srgbClr val="000000"/>
               </a:solidFill>
               <a:latin typeface="Arial"/>
             </a:endParaRPr>
@@ -1465,8 +1465,8 @@
         </p:nvSpPr>
         <p:spPr>
           <a:xfrm>
-            <a:off x="540000" y="1440000"/>
-            <a:ext cx="4391640" cy="3600000"/>
+            <a:off x="504000" y="1326600"/>
+            <a:ext cx="4426920" cy="3288600"/>
           </a:xfrm>
           <a:prstGeom prst="rect">
             <a:avLst/>
@@ -1482,12 +1482,12 @@
           </a:bodyPr>
           <a:p>
             <a:pPr indent="0">
-              <a:spcAft>
-                <a:spcPts val="1060"/>
-              </a:spcAft>
-              <a:buNone/>
-            </a:pPr>
-            <a:endParaRPr b="0" lang="it-IT" sz="2400" spc="-1" strike="noStrike">
+              <a:spcBef>
+                <a:spcPts val="1417"/>
+              </a:spcBef>
+              <a:buNone/>
+            </a:pPr>
+            <a:endParaRPr b="0" lang="it-IT" sz="3200" spc="-1" strike="noStrike">
               <a:solidFill>
                 <a:srgbClr val="000000"/>
               </a:solidFill>
@@ -1508,8 +1508,8 @@
         </p:nvSpPr>
         <p:spPr>
           <a:xfrm>
-            <a:off x="5151600" y="1440000"/>
-            <a:ext cx="4391640" cy="3600000"/>
+            <a:off x="5152680" y="1326600"/>
+            <a:ext cx="4426920" cy="3288600"/>
           </a:xfrm>
           <a:prstGeom prst="rect">
             <a:avLst/>
@@ -1525,12 +1525,12 @@
           </a:bodyPr>
           <a:p>
             <a:pPr indent="0">
-              <a:spcAft>
-                <a:spcPts val="1060"/>
-              </a:spcAft>
-              <a:buNone/>
-            </a:pPr>
-            <a:endParaRPr b="0" lang="it-IT" sz="2400" spc="-1" strike="noStrike">
+              <a:spcBef>
+                <a:spcPts val="1417"/>
+              </a:spcBef>
+              <a:buNone/>
+            </a:pPr>
+            <a:endParaRPr b="0" lang="it-IT" sz="3200" spc="-1" strike="noStrike">
               <a:solidFill>
                 <a:srgbClr val="000000"/>
               </a:solidFill>
@@ -1546,7 +1546,7 @@
             <a:spLocks noGrp="1"/>
           </p:cNvSpPr>
           <p:nvPr>
-            <p:ph type="ftr" idx="5"/>
+            <p:ph type="ftr" idx="4"/>
           </p:nvPr>
         </p:nvSpPr>
         <p:spPr/>
@@ -1566,14 +1566,14 @@
             <a:spLocks noGrp="1"/>
           </p:cNvSpPr>
           <p:nvPr>
-            <p:ph type="sldNum" idx="6"/>
+            <p:ph type="sldNum" idx="5"/>
           </p:nvPr>
         </p:nvSpPr>
         <p:spPr/>
         <p:txBody>
           <a:bodyPr/>
           <a:p>
-            <a:fld id="{E7C775FA-0012-42A6-8E10-8C7B325EEDF2}" type="slidenum">
+            <a:fld id="{F4F11F86-420B-4D77-8547-7399522EEB8E}" type="slidenum">
               <a:t>&lt;#&gt;</a:t>
             </a:fld>
           </a:p>
@@ -1586,7 +1586,7 @@
             <a:spLocks noGrp="1"/>
           </p:cNvSpPr>
           <p:nvPr>
-            <p:ph type="dt" idx="4"/>
+            <p:ph type="dt" idx="6"/>
           </p:nvPr>
         </p:nvSpPr>
         <p:spPr/>
@@ -1635,7 +1635,7 @@
         <p:spPr>
           <a:xfrm>
             <a:off x="540000" y="270000"/>
-            <a:ext cx="9000000" cy="990000"/>
+            <a:ext cx="8999640" cy="989640"/>
           </a:xfrm>
           <a:prstGeom prst="rect">
             <a:avLst/>
@@ -1653,9 +1653,9 @@
             <a:pPr indent="0" algn="ctr">
               <a:buNone/>
             </a:pPr>
-            <a:endParaRPr b="0" lang="it-IT" sz="3300" spc="-1" strike="noStrike">
-              <a:solidFill>
-                <a:srgbClr val="ffffff"/>
+            <a:endParaRPr b="0" lang="it-IT" sz="4400" spc="-1" strike="noStrike">
+              <a:solidFill>
+                <a:srgbClr val="000000"/>
               </a:solidFill>
               <a:latin typeface="Arial"/>
             </a:endParaRPr>
@@ -1669,7 +1669,7 @@
             <a:spLocks noGrp="1"/>
           </p:cNvSpPr>
           <p:nvPr>
-            <p:ph type="ftr" idx="5"/>
+            <p:ph type="ftr" idx="4"/>
           </p:nvPr>
         </p:nvSpPr>
         <p:spPr/>
@@ -1689,14 +1689,14 @@
             <a:spLocks noGrp="1"/>
           </p:cNvSpPr>
           <p:nvPr>
-            <p:ph type="sldNum" idx="6"/>
+            <p:ph type="sldNum" idx="5"/>
           </p:nvPr>
         </p:nvSpPr>
         <p:spPr/>
         <p:txBody>
           <a:bodyPr/>
           <a:p>
-            <a:fld id="{DA4F2851-10DA-4CDF-9E4E-85B356C1E50C}" type="slidenum">
+            <a:fld id="{379ABC94-5128-4C67-AB0C-1FF3F11F7B13}" type="slidenum">
               <a:t>&lt;#&gt;</a:t>
             </a:fld>
           </a:p>
@@ -1709,7 +1709,7 @@
             <a:spLocks noGrp="1"/>
           </p:cNvSpPr>
           <p:nvPr>
-            <p:ph type="dt" idx="4"/>
+            <p:ph type="dt" idx="6"/>
           </p:nvPr>
         </p:nvSpPr>
         <p:spPr/>
@@ -1758,7 +1758,7 @@
         <p:spPr>
           <a:xfrm>
             <a:off x="540000" y="270000"/>
-            <a:ext cx="9000000" cy="4590360"/>
+            <a:ext cx="8999640" cy="4588560"/>
           </a:xfrm>
           <a:prstGeom prst="rect">
             <a:avLst/>
@@ -1790,7 +1790,7 @@
             <a:spLocks noGrp="1"/>
           </p:cNvSpPr>
           <p:nvPr>
-            <p:ph type="ftr" idx="5"/>
+            <p:ph type="ftr" idx="4"/>
           </p:nvPr>
         </p:nvSpPr>
         <p:spPr/>
@@ -1810,14 +1810,14 @@
             <a:spLocks noGrp="1"/>
           </p:cNvSpPr>
           <p:nvPr>
-            <p:ph type="sldNum" idx="6"/>
+            <p:ph type="sldNum" idx="5"/>
           </p:nvPr>
         </p:nvSpPr>
         <p:spPr/>
         <p:txBody>
           <a:bodyPr/>
           <a:p>
-            <a:fld id="{EE47E74B-7FEF-491A-ABC1-7B7EDA922D1B}" type="slidenum">
+            <a:fld id="{3A5DB8A2-5048-489C-9841-8350B7269AA7}" type="slidenum">
               <a:t>&lt;#&gt;</a:t>
             </a:fld>
           </a:p>
@@ -1830,7 +1830,7 @@
             <a:spLocks noGrp="1"/>
           </p:cNvSpPr>
           <p:nvPr>
-            <p:ph type="dt" idx="4"/>
+            <p:ph type="dt" idx="6"/>
           </p:nvPr>
         </p:nvSpPr>
         <p:spPr/>
@@ -1879,7 +1879,7 @@
         <p:spPr>
           <a:xfrm>
             <a:off x="540000" y="270000"/>
-            <a:ext cx="9000000" cy="990000"/>
+            <a:ext cx="8999640" cy="989640"/>
           </a:xfrm>
           <a:prstGeom prst="rect">
             <a:avLst/>
@@ -1897,9 +1897,9 @@
             <a:pPr indent="0" algn="ctr">
               <a:buNone/>
             </a:pPr>
-            <a:endParaRPr b="0" lang="it-IT" sz="3300" spc="-1" strike="noStrike">
-              <a:solidFill>
-                <a:srgbClr val="ffffff"/>
+            <a:endParaRPr b="0" lang="it-IT" sz="4400" spc="-1" strike="noStrike">
+              <a:solidFill>
+                <a:srgbClr val="000000"/>
               </a:solidFill>
               <a:latin typeface="Arial"/>
             </a:endParaRPr>
@@ -1918,8 +1918,8 @@
         </p:nvSpPr>
         <p:spPr>
           <a:xfrm>
-            <a:off x="540000" y="1440000"/>
-            <a:ext cx="4391640" cy="1716840"/>
+            <a:off x="504000" y="1326600"/>
+            <a:ext cx="4426920" cy="1568520"/>
           </a:xfrm>
           <a:prstGeom prst="rect">
             <a:avLst/>
@@ -1935,12 +1935,12 @@
           </a:bodyPr>
           <a:p>
             <a:pPr indent="0">
-              <a:spcAft>
-                <a:spcPts val="1060"/>
-              </a:spcAft>
-              <a:buNone/>
-            </a:pPr>
-            <a:endParaRPr b="0" lang="it-IT" sz="2400" spc="-1" strike="noStrike">
+              <a:spcBef>
+                <a:spcPts val="1417"/>
+              </a:spcBef>
+              <a:buNone/>
+            </a:pPr>
+            <a:endParaRPr b="0" lang="it-IT" sz="3200" spc="-1" strike="noStrike">
               <a:solidFill>
                 <a:srgbClr val="000000"/>
               </a:solidFill>
@@ -1961,8 +1961,8 @@
         </p:nvSpPr>
         <p:spPr>
           <a:xfrm>
-            <a:off x="5151600" y="1440000"/>
-            <a:ext cx="4391640" cy="3600000"/>
+            <a:off x="5152680" y="1326600"/>
+            <a:ext cx="4426920" cy="3288600"/>
           </a:xfrm>
           <a:prstGeom prst="rect">
             <a:avLst/>
@@ -1978,12 +1978,12 @@
           </a:bodyPr>
           <a:p>
             <a:pPr indent="0">
-              <a:spcAft>
-                <a:spcPts val="1060"/>
-              </a:spcAft>
-              <a:buNone/>
-            </a:pPr>
-            <a:endParaRPr b="0" lang="it-IT" sz="2400" spc="-1" strike="noStrike">
+              <a:spcBef>
+                <a:spcPts val="1417"/>
+              </a:spcBef>
+              <a:buNone/>
+            </a:pPr>
+            <a:endParaRPr b="0" lang="it-IT" sz="3200" spc="-1" strike="noStrike">
               <a:solidFill>
                 <a:srgbClr val="000000"/>
               </a:solidFill>
@@ -2004,8 +2004,8 @@
         </p:nvSpPr>
         <p:spPr>
           <a:xfrm>
-            <a:off x="540000" y="3320280"/>
-            <a:ext cx="4391640" cy="1716840"/>
+            <a:off x="504000" y="3044520"/>
+            <a:ext cx="4426920" cy="1568520"/>
           </a:xfrm>
           <a:prstGeom prst="rect">
             <a:avLst/>
@@ -2021,12 +2021,12 @@
           </a:bodyPr>
           <a:p>
             <a:pPr indent="0">
-              <a:spcAft>
-                <a:spcPts val="1060"/>
-              </a:spcAft>
-              <a:buNone/>
-            </a:pPr>
-            <a:endParaRPr b="0" lang="it-IT" sz="2400" spc="-1" strike="noStrike">
+              <a:spcBef>
+                <a:spcPts val="1417"/>
+              </a:spcBef>
+              <a:buNone/>
+            </a:pPr>
+            <a:endParaRPr b="0" lang="it-IT" sz="3200" spc="-1" strike="noStrike">
               <a:solidFill>
                 <a:srgbClr val="000000"/>
               </a:solidFill>
@@ -2042,7 +2042,7 @@
             <a:spLocks noGrp="1"/>
           </p:cNvSpPr>
           <p:nvPr>
-            <p:ph type="ftr" idx="5"/>
+            <p:ph type="ftr" idx="4"/>
           </p:nvPr>
         </p:nvSpPr>
         <p:spPr/>
@@ -2062,14 +2062,14 @@
             <a:spLocks noGrp="1"/>
           </p:cNvSpPr>
           <p:nvPr>
-            <p:ph type="sldNum" idx="6"/>
+            <p:ph type="sldNum" idx="5"/>
           </p:nvPr>
         </p:nvSpPr>
         <p:spPr/>
         <p:txBody>
           <a:bodyPr/>
           <a:p>
-            <a:fld id="{2E8899B4-131D-493D-AD65-873DC34BD1CD}" type="slidenum">
+            <a:fld id="{D0717F49-8B44-4606-92BE-F4C415AC973D}" type="slidenum">
               <a:t>&lt;#&gt;</a:t>
             </a:fld>
           </a:p>
@@ -2082,7 +2082,7 @@
             <a:spLocks noGrp="1"/>
           </p:cNvSpPr>
           <p:nvPr>
-            <p:ph type="dt" idx="4"/>
+            <p:ph type="dt" idx="6"/>
           </p:nvPr>
         </p:nvSpPr>
         <p:spPr/>
@@ -2131,7 +2131,7 @@
         <p:spPr>
           <a:xfrm>
             <a:off x="540000" y="270000"/>
-            <a:ext cx="9000000" cy="990000"/>
+            <a:ext cx="8999640" cy="989640"/>
           </a:xfrm>
           <a:prstGeom prst="rect">
             <a:avLst/>
@@ -2149,9 +2149,9 @@
             <a:pPr indent="0" algn="ctr">
               <a:buNone/>
             </a:pPr>
-            <a:endParaRPr b="0" lang="it-IT" sz="3300" spc="-1" strike="noStrike">
-              <a:solidFill>
-                <a:srgbClr val="ffffff"/>
+            <a:endParaRPr b="0" lang="it-IT" sz="4400" spc="-1" strike="noStrike">
+              <a:solidFill>
+                <a:srgbClr val="000000"/>
               </a:solidFill>
               <a:latin typeface="Arial"/>
             </a:endParaRPr>
@@ -2170,8 +2170,8 @@
         </p:nvSpPr>
         <p:spPr>
           <a:xfrm>
-            <a:off x="540000" y="1440000"/>
-            <a:ext cx="9000000" cy="3600000"/>
+            <a:off x="504000" y="1326600"/>
+            <a:ext cx="9072000" cy="3288600"/>
           </a:xfrm>
           <a:prstGeom prst="rect">
             <a:avLst/>
@@ -2205,7 +2205,7 @@
             <a:spLocks noGrp="1"/>
           </p:cNvSpPr>
           <p:nvPr>
-            <p:ph type="ftr" idx="2"/>
+            <p:ph type="ftr" idx="1"/>
           </p:nvPr>
         </p:nvSpPr>
         <p:spPr/>
@@ -2225,14 +2225,14 @@
             <a:spLocks noGrp="1"/>
           </p:cNvSpPr>
           <p:nvPr>
-            <p:ph type="sldNum" idx="3"/>
+            <p:ph type="sldNum" idx="2"/>
           </p:nvPr>
         </p:nvSpPr>
         <p:spPr/>
         <p:txBody>
           <a:bodyPr/>
           <a:p>
-            <a:fld id="{6FA9C701-A4EA-4E19-B558-E50B26BDD537}" type="slidenum">
+            <a:fld id="{091C7208-5E23-43C4-B4B1-1073DFB8F53E}" type="slidenum">
               <a:t>&lt;#&gt;</a:t>
             </a:fld>
           </a:p>
@@ -2245,7 +2245,7 @@
             <a:spLocks noGrp="1"/>
           </p:cNvSpPr>
           <p:nvPr>
-            <p:ph type="dt" idx="1"/>
+            <p:ph type="dt" idx="3"/>
           </p:nvPr>
         </p:nvSpPr>
         <p:spPr/>
@@ -2294,7 +2294,7 @@
         <p:spPr>
           <a:xfrm>
             <a:off x="540000" y="270000"/>
-            <a:ext cx="9000000" cy="990000"/>
+            <a:ext cx="8999640" cy="989640"/>
           </a:xfrm>
           <a:prstGeom prst="rect">
             <a:avLst/>
@@ -2312,9 +2312,9 @@
             <a:pPr indent="0" algn="ctr">
               <a:buNone/>
             </a:pPr>
-            <a:endParaRPr b="0" lang="it-IT" sz="3300" spc="-1" strike="noStrike">
-              <a:solidFill>
-                <a:srgbClr val="ffffff"/>
+            <a:endParaRPr b="0" lang="it-IT" sz="4400" spc="-1" strike="noStrike">
+              <a:solidFill>
+                <a:srgbClr val="000000"/>
               </a:solidFill>
               <a:latin typeface="Arial"/>
             </a:endParaRPr>
@@ -2333,8 +2333,8 @@
         </p:nvSpPr>
         <p:spPr>
           <a:xfrm>
-            <a:off x="540000" y="1440000"/>
-            <a:ext cx="4391640" cy="3600000"/>
+            <a:off x="504000" y="1326600"/>
+            <a:ext cx="4426920" cy="3288600"/>
           </a:xfrm>
           <a:prstGeom prst="rect">
             <a:avLst/>
@@ -2350,12 +2350,12 @@
           </a:bodyPr>
           <a:p>
             <a:pPr indent="0">
-              <a:spcAft>
-                <a:spcPts val="1060"/>
-              </a:spcAft>
-              <a:buNone/>
-            </a:pPr>
-            <a:endParaRPr b="0" lang="it-IT" sz="2400" spc="-1" strike="noStrike">
+              <a:spcBef>
+                <a:spcPts val="1417"/>
+              </a:spcBef>
+              <a:buNone/>
+            </a:pPr>
+            <a:endParaRPr b="0" lang="it-IT" sz="3200" spc="-1" strike="noStrike">
               <a:solidFill>
                 <a:srgbClr val="000000"/>
               </a:solidFill>
@@ -2376,8 +2376,8 @@
         </p:nvSpPr>
         <p:spPr>
           <a:xfrm>
-            <a:off x="5151600" y="1440000"/>
-            <a:ext cx="4391640" cy="1716840"/>
+            <a:off x="5152680" y="1326600"/>
+            <a:ext cx="4426920" cy="1568520"/>
           </a:xfrm>
           <a:prstGeom prst="rect">
             <a:avLst/>
@@ -2393,12 +2393,12 @@
           </a:bodyPr>
           <a:p>
             <a:pPr indent="0">
-              <a:spcAft>
-                <a:spcPts val="1060"/>
-              </a:spcAft>
-              <a:buNone/>
-            </a:pPr>
-            <a:endParaRPr b="0" lang="it-IT" sz="2400" spc="-1" strike="noStrike">
+              <a:spcBef>
+                <a:spcPts val="1417"/>
+              </a:spcBef>
+              <a:buNone/>
+            </a:pPr>
+            <a:endParaRPr b="0" lang="it-IT" sz="3200" spc="-1" strike="noStrike">
               <a:solidFill>
                 <a:srgbClr val="000000"/>
               </a:solidFill>
@@ -2419,8 +2419,8 @@
         </p:nvSpPr>
         <p:spPr>
           <a:xfrm>
-            <a:off x="5151600" y="3320280"/>
-            <a:ext cx="4391640" cy="1716840"/>
+            <a:off x="5152680" y="3044520"/>
+            <a:ext cx="4426920" cy="1568520"/>
           </a:xfrm>
           <a:prstGeom prst="rect">
             <a:avLst/>
@@ -2436,12 +2436,12 @@
           </a:bodyPr>
           <a:p>
             <a:pPr indent="0">
-              <a:spcAft>
-                <a:spcPts val="1060"/>
-              </a:spcAft>
-              <a:buNone/>
-            </a:pPr>
-            <a:endParaRPr b="0" lang="it-IT" sz="2400" spc="-1" strike="noStrike">
+              <a:spcBef>
+                <a:spcPts val="1417"/>
+              </a:spcBef>
+              <a:buNone/>
+            </a:pPr>
+            <a:endParaRPr b="0" lang="it-IT" sz="3200" spc="-1" strike="noStrike">
               <a:solidFill>
                 <a:srgbClr val="000000"/>
               </a:solidFill>
@@ -2457,7 +2457,7 @@
             <a:spLocks noGrp="1"/>
           </p:cNvSpPr>
           <p:nvPr>
-            <p:ph type="ftr" idx="5"/>
+            <p:ph type="ftr" idx="4"/>
           </p:nvPr>
         </p:nvSpPr>
         <p:spPr/>
@@ -2477,14 +2477,14 @@
             <a:spLocks noGrp="1"/>
           </p:cNvSpPr>
           <p:nvPr>
-            <p:ph type="sldNum" idx="6"/>
+            <p:ph type="sldNum" idx="5"/>
           </p:nvPr>
         </p:nvSpPr>
         <p:spPr/>
         <p:txBody>
           <a:bodyPr/>
           <a:p>
-            <a:fld id="{C3F53D4C-6C4A-49B3-B431-322349CE837F}" type="slidenum">
+            <a:fld id="{3F68B6ED-762C-489B-BB30-556F00BEDD9B}" type="slidenum">
               <a:t>&lt;#&gt;</a:t>
             </a:fld>
           </a:p>
@@ -2497,7 +2497,7 @@
             <a:spLocks noGrp="1"/>
           </p:cNvSpPr>
           <p:nvPr>
-            <p:ph type="dt" idx="4"/>
+            <p:ph type="dt" idx="6"/>
           </p:nvPr>
         </p:nvSpPr>
         <p:spPr/>
@@ -2546,7 +2546,7 @@
         <p:spPr>
           <a:xfrm>
             <a:off x="540000" y="270000"/>
-            <a:ext cx="9000000" cy="990000"/>
+            <a:ext cx="8999640" cy="989640"/>
           </a:xfrm>
           <a:prstGeom prst="rect">
             <a:avLst/>
@@ -2564,9 +2564,9 @@
             <a:pPr indent="0" algn="ctr">
               <a:buNone/>
             </a:pPr>
-            <a:endParaRPr b="0" lang="it-IT" sz="3300" spc="-1" strike="noStrike">
-              <a:solidFill>
-                <a:srgbClr val="ffffff"/>
+            <a:endParaRPr b="0" lang="it-IT" sz="4400" spc="-1" strike="noStrike">
+              <a:solidFill>
+                <a:srgbClr val="000000"/>
               </a:solidFill>
               <a:latin typeface="Arial"/>
             </a:endParaRPr>
@@ -2585,8 +2585,8 @@
         </p:nvSpPr>
         <p:spPr>
           <a:xfrm>
-            <a:off x="540000" y="1440000"/>
-            <a:ext cx="4391640" cy="1716840"/>
+            <a:off x="504000" y="1326600"/>
+            <a:ext cx="4426920" cy="1568520"/>
           </a:xfrm>
           <a:prstGeom prst="rect">
             <a:avLst/>
@@ -2602,12 +2602,12 @@
           </a:bodyPr>
           <a:p>
             <a:pPr indent="0">
-              <a:spcAft>
-                <a:spcPts val="1060"/>
-              </a:spcAft>
-              <a:buNone/>
-            </a:pPr>
-            <a:endParaRPr b="0" lang="it-IT" sz="2400" spc="-1" strike="noStrike">
+              <a:spcBef>
+                <a:spcPts val="1417"/>
+              </a:spcBef>
+              <a:buNone/>
+            </a:pPr>
+            <a:endParaRPr b="0" lang="it-IT" sz="3200" spc="-1" strike="noStrike">
               <a:solidFill>
                 <a:srgbClr val="000000"/>
               </a:solidFill>
@@ -2628,8 +2628,8 @@
         </p:nvSpPr>
         <p:spPr>
           <a:xfrm>
-            <a:off x="5151600" y="1440000"/>
-            <a:ext cx="4391640" cy="1716840"/>
+            <a:off x="5152680" y="1326600"/>
+            <a:ext cx="4426920" cy="1568520"/>
           </a:xfrm>
           <a:prstGeom prst="rect">
             <a:avLst/>
@@ -2645,12 +2645,12 @@
           </a:bodyPr>
           <a:p>
             <a:pPr indent="0">
-              <a:spcAft>
-                <a:spcPts val="1060"/>
-              </a:spcAft>
-              <a:buNone/>
-            </a:pPr>
-            <a:endParaRPr b="0" lang="it-IT" sz="2400" spc="-1" strike="noStrike">
+              <a:spcBef>
+                <a:spcPts val="1417"/>
+              </a:spcBef>
+              <a:buNone/>
+            </a:pPr>
+            <a:endParaRPr b="0" lang="it-IT" sz="3200" spc="-1" strike="noStrike">
               <a:solidFill>
                 <a:srgbClr val="000000"/>
               </a:solidFill>
@@ -2671,8 +2671,8 @@
         </p:nvSpPr>
         <p:spPr>
           <a:xfrm>
-            <a:off x="540000" y="3320280"/>
-            <a:ext cx="9000000" cy="1716840"/>
+            <a:off x="504000" y="3044520"/>
+            <a:ext cx="9072000" cy="1568520"/>
           </a:xfrm>
           <a:prstGeom prst="rect">
             <a:avLst/>
@@ -2688,12 +2688,12 @@
           </a:bodyPr>
           <a:p>
             <a:pPr indent="0">
-              <a:spcAft>
-                <a:spcPts val="1060"/>
-              </a:spcAft>
-              <a:buNone/>
-            </a:pPr>
-            <a:endParaRPr b="0" lang="it-IT" sz="2400" spc="-1" strike="noStrike">
+              <a:spcBef>
+                <a:spcPts val="1417"/>
+              </a:spcBef>
+              <a:buNone/>
+            </a:pPr>
+            <a:endParaRPr b="0" lang="it-IT" sz="3200" spc="-1" strike="noStrike">
               <a:solidFill>
                 <a:srgbClr val="000000"/>
               </a:solidFill>
@@ -2709,7 +2709,7 @@
             <a:spLocks noGrp="1"/>
           </p:cNvSpPr>
           <p:nvPr>
-            <p:ph type="ftr" idx="5"/>
+            <p:ph type="ftr" idx="4"/>
           </p:nvPr>
         </p:nvSpPr>
         <p:spPr/>
@@ -2729,14 +2729,14 @@
             <a:spLocks noGrp="1"/>
           </p:cNvSpPr>
           <p:nvPr>
-            <p:ph type="sldNum" idx="6"/>
+            <p:ph type="sldNum" idx="5"/>
           </p:nvPr>
         </p:nvSpPr>
         <p:spPr/>
         <p:txBody>
           <a:bodyPr/>
           <a:p>
-            <a:fld id="{F06AAA33-9DB2-408C-955E-B8CC28D6CE63}" type="slidenum">
+            <a:fld id="{BADDEABB-EB6F-4C83-BA41-083703936C3A}" type="slidenum">
               <a:t>&lt;#&gt;</a:t>
             </a:fld>
           </a:p>
@@ -2749,7 +2749,7 @@
             <a:spLocks noGrp="1"/>
           </p:cNvSpPr>
           <p:nvPr>
-            <p:ph type="dt" idx="4"/>
+            <p:ph type="dt" idx="6"/>
           </p:nvPr>
         </p:nvSpPr>
         <p:spPr/>
@@ -2798,7 +2798,7 @@
         <p:spPr>
           <a:xfrm>
             <a:off x="540000" y="270000"/>
-            <a:ext cx="9000000" cy="990000"/>
+            <a:ext cx="8999640" cy="989640"/>
           </a:xfrm>
           <a:prstGeom prst="rect">
             <a:avLst/>
@@ -2816,9 +2816,9 @@
             <a:pPr indent="0" algn="ctr">
               <a:buNone/>
             </a:pPr>
-            <a:endParaRPr b="0" lang="it-IT" sz="3300" spc="-1" strike="noStrike">
-              <a:solidFill>
-                <a:srgbClr val="ffffff"/>
+            <a:endParaRPr b="0" lang="it-IT" sz="4400" spc="-1" strike="noStrike">
+              <a:solidFill>
+                <a:srgbClr val="000000"/>
               </a:solidFill>
               <a:latin typeface="Arial"/>
             </a:endParaRPr>
@@ -2837,8 +2837,8 @@
         </p:nvSpPr>
         <p:spPr>
           <a:xfrm>
-            <a:off x="540000" y="1440000"/>
-            <a:ext cx="9000000" cy="1716840"/>
+            <a:off x="504000" y="1326600"/>
+            <a:ext cx="9072000" cy="1568520"/>
           </a:xfrm>
           <a:prstGeom prst="rect">
             <a:avLst/>
@@ -2854,12 +2854,12 @@
           </a:bodyPr>
           <a:p>
             <a:pPr indent="0">
-              <a:spcAft>
-                <a:spcPts val="1060"/>
-              </a:spcAft>
-              <a:buNone/>
-            </a:pPr>
-            <a:endParaRPr b="0" lang="it-IT" sz="2400" spc="-1" strike="noStrike">
+              <a:spcBef>
+                <a:spcPts val="1417"/>
+              </a:spcBef>
+              <a:buNone/>
+            </a:pPr>
+            <a:endParaRPr b="0" lang="it-IT" sz="3200" spc="-1" strike="noStrike">
               <a:solidFill>
                 <a:srgbClr val="000000"/>
               </a:solidFill>
@@ -2880,8 +2880,8 @@
         </p:nvSpPr>
         <p:spPr>
           <a:xfrm>
-            <a:off x="540000" y="3320280"/>
-            <a:ext cx="9000000" cy="1716840"/>
+            <a:off x="504000" y="3044520"/>
+            <a:ext cx="9072000" cy="1568520"/>
           </a:xfrm>
           <a:prstGeom prst="rect">
             <a:avLst/>
@@ -2897,12 +2897,12 @@
           </a:bodyPr>
           <a:p>
             <a:pPr indent="0">
-              <a:spcAft>
-                <a:spcPts val="1060"/>
-              </a:spcAft>
-              <a:buNone/>
-            </a:pPr>
-            <a:endParaRPr b="0" lang="it-IT" sz="2400" spc="-1" strike="noStrike">
+              <a:spcBef>
+                <a:spcPts val="1417"/>
+              </a:spcBef>
+              <a:buNone/>
+            </a:pPr>
+            <a:endParaRPr b="0" lang="it-IT" sz="3200" spc="-1" strike="noStrike">
               <a:solidFill>
                 <a:srgbClr val="000000"/>
               </a:solidFill>
@@ -2918,7 +2918,7 @@
             <a:spLocks noGrp="1"/>
           </p:cNvSpPr>
           <p:nvPr>
-            <p:ph type="ftr" idx="5"/>
+            <p:ph type="ftr" idx="4"/>
           </p:nvPr>
         </p:nvSpPr>
         <p:spPr/>
@@ -2938,14 +2938,14 @@
             <a:spLocks noGrp="1"/>
           </p:cNvSpPr>
           <p:nvPr>
-            <p:ph type="sldNum" idx="6"/>
+            <p:ph type="sldNum" idx="5"/>
           </p:nvPr>
         </p:nvSpPr>
         <p:spPr/>
         <p:txBody>
           <a:bodyPr/>
           <a:p>
-            <a:fld id="{92447AC0-D1AD-4577-AC7D-474EE65A918B}" type="slidenum">
+            <a:fld id="{4935F1A7-2A9F-4605-8B12-8037B707E3CE}" type="slidenum">
               <a:t>&lt;#&gt;</a:t>
             </a:fld>
           </a:p>
@@ -2958,7 +2958,7 @@
             <a:spLocks noGrp="1"/>
           </p:cNvSpPr>
           <p:nvPr>
-            <p:ph type="dt" idx="4"/>
+            <p:ph type="dt" idx="6"/>
           </p:nvPr>
         </p:nvSpPr>
         <p:spPr/>
@@ -3007,7 +3007,7 @@
         <p:spPr>
           <a:xfrm>
             <a:off x="540000" y="270000"/>
-            <a:ext cx="9000000" cy="990000"/>
+            <a:ext cx="8999640" cy="989640"/>
           </a:xfrm>
           <a:prstGeom prst="rect">
             <a:avLst/>
@@ -3025,9 +3025,9 @@
             <a:pPr indent="0" algn="ctr">
               <a:buNone/>
             </a:pPr>
-            <a:endParaRPr b="0" lang="it-IT" sz="3300" spc="-1" strike="noStrike">
-              <a:solidFill>
-                <a:srgbClr val="ffffff"/>
+            <a:endParaRPr b="0" lang="it-IT" sz="4400" spc="-1" strike="noStrike">
+              <a:solidFill>
+                <a:srgbClr val="000000"/>
               </a:solidFill>
               <a:latin typeface="Arial"/>
             </a:endParaRPr>
@@ -3046,8 +3046,8 @@
         </p:nvSpPr>
         <p:spPr>
           <a:xfrm>
-            <a:off x="540000" y="1440000"/>
-            <a:ext cx="4391640" cy="1716840"/>
+            <a:off x="504000" y="1326600"/>
+            <a:ext cx="4426920" cy="1568520"/>
           </a:xfrm>
           <a:prstGeom prst="rect">
             <a:avLst/>
@@ -3063,12 +3063,12 @@
           </a:bodyPr>
           <a:p>
             <a:pPr indent="0">
-              <a:spcAft>
-                <a:spcPts val="1060"/>
-              </a:spcAft>
-              <a:buNone/>
-            </a:pPr>
-            <a:endParaRPr b="0" lang="it-IT" sz="2400" spc="-1" strike="noStrike">
+              <a:spcBef>
+                <a:spcPts val="1417"/>
+              </a:spcBef>
+              <a:buNone/>
+            </a:pPr>
+            <a:endParaRPr b="0" lang="it-IT" sz="3200" spc="-1" strike="noStrike">
               <a:solidFill>
                 <a:srgbClr val="000000"/>
               </a:solidFill>
@@ -3089,8 +3089,8 @@
         </p:nvSpPr>
         <p:spPr>
           <a:xfrm>
-            <a:off x="5151600" y="1440000"/>
-            <a:ext cx="4391640" cy="1716840"/>
+            <a:off x="5152680" y="1326600"/>
+            <a:ext cx="4426920" cy="1568520"/>
           </a:xfrm>
           <a:prstGeom prst="rect">
             <a:avLst/>
@@ -3106,12 +3106,12 @@
           </a:bodyPr>
           <a:p>
             <a:pPr indent="0">
-              <a:spcAft>
-                <a:spcPts val="1060"/>
-              </a:spcAft>
-              <a:buNone/>
-            </a:pPr>
-            <a:endParaRPr b="0" lang="it-IT" sz="2400" spc="-1" strike="noStrike">
+              <a:spcBef>
+                <a:spcPts val="1417"/>
+              </a:spcBef>
+              <a:buNone/>
+            </a:pPr>
+            <a:endParaRPr b="0" lang="it-IT" sz="3200" spc="-1" strike="noStrike">
               <a:solidFill>
                 <a:srgbClr val="000000"/>
               </a:solidFill>
@@ -3132,8 +3132,8 @@
         </p:nvSpPr>
         <p:spPr>
           <a:xfrm>
-            <a:off x="540000" y="3320280"/>
-            <a:ext cx="4391640" cy="1716840"/>
+            <a:off x="504000" y="3044520"/>
+            <a:ext cx="4426920" cy="1568520"/>
           </a:xfrm>
           <a:prstGeom prst="rect">
             <a:avLst/>
@@ -3149,12 +3149,12 @@
           </a:bodyPr>
           <a:p>
             <a:pPr indent="0">
-              <a:spcAft>
-                <a:spcPts val="1060"/>
-              </a:spcAft>
-              <a:buNone/>
-            </a:pPr>
-            <a:endParaRPr b="0" lang="it-IT" sz="2400" spc="-1" strike="noStrike">
+              <a:spcBef>
+                <a:spcPts val="1417"/>
+              </a:spcBef>
+              <a:buNone/>
+            </a:pPr>
+            <a:endParaRPr b="0" lang="it-IT" sz="3200" spc="-1" strike="noStrike">
               <a:solidFill>
                 <a:srgbClr val="000000"/>
               </a:solidFill>
@@ -3175,8 +3175,8 @@
         </p:nvSpPr>
         <p:spPr>
           <a:xfrm>
-            <a:off x="5151600" y="3320280"/>
-            <a:ext cx="4391640" cy="1716840"/>
+            <a:off x="5152680" y="3044520"/>
+            <a:ext cx="4426920" cy="1568520"/>
           </a:xfrm>
           <a:prstGeom prst="rect">
             <a:avLst/>
@@ -3192,12 +3192,12 @@
           </a:bodyPr>
           <a:p>
             <a:pPr indent="0">
-              <a:spcAft>
-                <a:spcPts val="1060"/>
-              </a:spcAft>
-              <a:buNone/>
-            </a:pPr>
-            <a:endParaRPr b="0" lang="it-IT" sz="2400" spc="-1" strike="noStrike">
+              <a:spcBef>
+                <a:spcPts val="1417"/>
+              </a:spcBef>
+              <a:buNone/>
+            </a:pPr>
+            <a:endParaRPr b="0" lang="it-IT" sz="3200" spc="-1" strike="noStrike">
               <a:solidFill>
                 <a:srgbClr val="000000"/>
               </a:solidFill>
@@ -3213,7 +3213,7 @@
             <a:spLocks noGrp="1"/>
           </p:cNvSpPr>
           <p:nvPr>
-            <p:ph type="ftr" idx="5"/>
+            <p:ph type="ftr" idx="4"/>
           </p:nvPr>
         </p:nvSpPr>
         <p:spPr/>
@@ -3233,14 +3233,14 @@
             <a:spLocks noGrp="1"/>
           </p:cNvSpPr>
           <p:nvPr>
-            <p:ph type="sldNum" idx="6"/>
+            <p:ph type="sldNum" idx="5"/>
           </p:nvPr>
         </p:nvSpPr>
         <p:spPr/>
         <p:txBody>
           <a:bodyPr/>
           <a:p>
-            <a:fld id="{9BBDC9E4-1898-4A6B-8F8F-5EA769F28802}" type="slidenum">
+            <a:fld id="{CD60370F-8D06-4D61-8F0D-FF94AAC18CA0}" type="slidenum">
               <a:t>&lt;#&gt;</a:t>
             </a:fld>
           </a:p>
@@ -3253,7 +3253,7 @@
             <a:spLocks noGrp="1"/>
           </p:cNvSpPr>
           <p:nvPr>
-            <p:ph type="dt" idx="4"/>
+            <p:ph type="dt" idx="6"/>
           </p:nvPr>
         </p:nvSpPr>
         <p:spPr/>
@@ -3302,7 +3302,7 @@
         <p:spPr>
           <a:xfrm>
             <a:off x="540000" y="270000"/>
-            <a:ext cx="9000000" cy="990000"/>
+            <a:ext cx="8999640" cy="989640"/>
           </a:xfrm>
           <a:prstGeom prst="rect">
             <a:avLst/>
@@ -3320,9 +3320,9 @@
             <a:pPr indent="0" algn="ctr">
               <a:buNone/>
             </a:pPr>
-            <a:endParaRPr b="0" lang="it-IT" sz="3300" spc="-1" strike="noStrike">
-              <a:solidFill>
-                <a:srgbClr val="ffffff"/>
+            <a:endParaRPr b="0" lang="it-IT" sz="4400" spc="-1" strike="noStrike">
+              <a:solidFill>
+                <a:srgbClr val="000000"/>
               </a:solidFill>
               <a:latin typeface="Arial"/>
             </a:endParaRPr>
@@ -3341,8 +3341,8 @@
         </p:nvSpPr>
         <p:spPr>
           <a:xfrm>
-            <a:off x="540000" y="1440000"/>
-            <a:ext cx="2897640" cy="1716840"/>
+            <a:off x="504000" y="1326600"/>
+            <a:ext cx="2921040" cy="1568520"/>
           </a:xfrm>
           <a:prstGeom prst="rect">
             <a:avLst/>
@@ -3358,12 +3358,12 @@
           </a:bodyPr>
           <a:p>
             <a:pPr indent="0">
-              <a:spcAft>
-                <a:spcPts val="1060"/>
-              </a:spcAft>
-              <a:buNone/>
-            </a:pPr>
-            <a:endParaRPr b="0" lang="it-IT" sz="2400" spc="-1" strike="noStrike">
+              <a:spcBef>
+                <a:spcPts val="1417"/>
+              </a:spcBef>
+              <a:buNone/>
+            </a:pPr>
+            <a:endParaRPr b="0" lang="it-IT" sz="3200" spc="-1" strike="noStrike">
               <a:solidFill>
                 <a:srgbClr val="000000"/>
               </a:solidFill>
@@ -3384,8 +3384,8 @@
         </p:nvSpPr>
         <p:spPr>
           <a:xfrm>
-            <a:off x="3583080" y="1440000"/>
-            <a:ext cx="2897640" cy="1716840"/>
+            <a:off x="3571560" y="1326600"/>
+            <a:ext cx="2921040" cy="1568520"/>
           </a:xfrm>
           <a:prstGeom prst="rect">
             <a:avLst/>
@@ -3401,12 +3401,12 @@
           </a:bodyPr>
           <a:p>
             <a:pPr indent="0">
-              <a:spcAft>
-                <a:spcPts val="1060"/>
-              </a:spcAft>
-              <a:buNone/>
-            </a:pPr>
-            <a:endParaRPr b="0" lang="it-IT" sz="2400" spc="-1" strike="noStrike">
+              <a:spcBef>
+                <a:spcPts val="1417"/>
+              </a:spcBef>
+              <a:buNone/>
+            </a:pPr>
+            <a:endParaRPr b="0" lang="it-IT" sz="3200" spc="-1" strike="noStrike">
               <a:solidFill>
                 <a:srgbClr val="000000"/>
               </a:solidFill>
@@ -3427,8 +3427,8 @@
         </p:nvSpPr>
         <p:spPr>
           <a:xfrm>
-            <a:off x="6625800" y="1440000"/>
-            <a:ext cx="2897640" cy="1716840"/>
+            <a:off x="6639120" y="1326600"/>
+            <a:ext cx="2921040" cy="1568520"/>
           </a:xfrm>
           <a:prstGeom prst="rect">
             <a:avLst/>
@@ -3444,12 +3444,12 @@
           </a:bodyPr>
           <a:p>
             <a:pPr indent="0">
-              <a:spcAft>
-                <a:spcPts val="1060"/>
-              </a:spcAft>
-              <a:buNone/>
-            </a:pPr>
-            <a:endParaRPr b="0" lang="it-IT" sz="2400" spc="-1" strike="noStrike">
+              <a:spcBef>
+                <a:spcPts val="1417"/>
+              </a:spcBef>
+              <a:buNone/>
+            </a:pPr>
+            <a:endParaRPr b="0" lang="it-IT" sz="3200" spc="-1" strike="noStrike">
               <a:solidFill>
                 <a:srgbClr val="000000"/>
               </a:solidFill>
@@ -3470,8 +3470,8 @@
         </p:nvSpPr>
         <p:spPr>
           <a:xfrm>
-            <a:off x="540000" y="3320280"/>
-            <a:ext cx="2897640" cy="1716840"/>
+            <a:off x="504000" y="3044520"/>
+            <a:ext cx="2921040" cy="1568520"/>
           </a:xfrm>
           <a:prstGeom prst="rect">
             <a:avLst/>
@@ -3487,12 +3487,12 @@
           </a:bodyPr>
           <a:p>
             <a:pPr indent="0">
-              <a:spcAft>
-                <a:spcPts val="1060"/>
-              </a:spcAft>
-              <a:buNone/>
-            </a:pPr>
-            <a:endParaRPr b="0" lang="it-IT" sz="2400" spc="-1" strike="noStrike">
+              <a:spcBef>
+                <a:spcPts val="1417"/>
+              </a:spcBef>
+              <a:buNone/>
+            </a:pPr>
+            <a:endParaRPr b="0" lang="it-IT" sz="3200" spc="-1" strike="noStrike">
               <a:solidFill>
                 <a:srgbClr val="000000"/>
               </a:solidFill>
@@ -3513,8 +3513,8 @@
         </p:nvSpPr>
         <p:spPr>
           <a:xfrm>
-            <a:off x="3583080" y="3320280"/>
-            <a:ext cx="2897640" cy="1716840"/>
+            <a:off x="3571560" y="3044520"/>
+            <a:ext cx="2921040" cy="1568520"/>
           </a:xfrm>
           <a:prstGeom prst="rect">
             <a:avLst/>
@@ -3530,12 +3530,12 @@
           </a:bodyPr>
           <a:p>
             <a:pPr indent="0">
-              <a:spcAft>
-                <a:spcPts val="1060"/>
-              </a:spcAft>
-              <a:buNone/>
-            </a:pPr>
-            <a:endParaRPr b="0" lang="it-IT" sz="2400" spc="-1" strike="noStrike">
+              <a:spcBef>
+                <a:spcPts val="1417"/>
+              </a:spcBef>
+              <a:buNone/>
+            </a:pPr>
+            <a:endParaRPr b="0" lang="it-IT" sz="3200" spc="-1" strike="noStrike">
               <a:solidFill>
                 <a:srgbClr val="000000"/>
               </a:solidFill>
@@ -3556,8 +3556,8 @@
         </p:nvSpPr>
         <p:spPr>
           <a:xfrm>
-            <a:off x="6625800" y="3320280"/>
-            <a:ext cx="2897640" cy="1716840"/>
+            <a:off x="6639120" y="3044520"/>
+            <a:ext cx="2921040" cy="1568520"/>
           </a:xfrm>
           <a:prstGeom prst="rect">
             <a:avLst/>
@@ -3573,12 +3573,12 @@
           </a:bodyPr>
           <a:p>
             <a:pPr indent="0">
-              <a:spcAft>
-                <a:spcPts val="1060"/>
-              </a:spcAft>
-              <a:buNone/>
-            </a:pPr>
-            <a:endParaRPr b="0" lang="it-IT" sz="2400" spc="-1" strike="noStrike">
+              <a:spcBef>
+                <a:spcPts val="1417"/>
+              </a:spcBef>
+              <a:buNone/>
+            </a:pPr>
+            <a:endParaRPr b="0" lang="it-IT" sz="3200" spc="-1" strike="noStrike">
               <a:solidFill>
                 <a:srgbClr val="000000"/>
               </a:solidFill>
@@ -3594,7 +3594,7 @@
             <a:spLocks noGrp="1"/>
           </p:cNvSpPr>
           <p:nvPr>
-            <p:ph type="ftr" idx="5"/>
+            <p:ph type="ftr" idx="4"/>
           </p:nvPr>
         </p:nvSpPr>
         <p:spPr/>
@@ -3614,14 +3614,14 @@
             <a:spLocks noGrp="1"/>
           </p:cNvSpPr>
           <p:nvPr>
-            <p:ph type="sldNum" idx="6"/>
+            <p:ph type="sldNum" idx="5"/>
           </p:nvPr>
         </p:nvSpPr>
         <p:spPr/>
         <p:txBody>
           <a:bodyPr/>
           <a:p>
-            <a:fld id="{7B56CF8E-B4D2-4630-B003-C1A6F3977F3A}" type="slidenum">
+            <a:fld id="{E7E06A83-E7E1-41B4-BA72-4C633E14A1E0}" type="slidenum">
               <a:t>&lt;#&gt;</a:t>
             </a:fld>
           </a:p>
@@ -3634,7 +3634,7 @@
             <a:spLocks noGrp="1"/>
           </p:cNvSpPr>
           <p:nvPr>
-            <p:ph type="dt" idx="4"/>
+            <p:ph type="dt" idx="6"/>
           </p:nvPr>
         </p:nvSpPr>
         <p:spPr/>
@@ -3677,7 +3677,7 @@
             <a:spLocks noGrp="1"/>
           </p:cNvSpPr>
           <p:nvPr>
-            <p:ph type="ftr" idx="8"/>
+            <p:ph type="ftr" idx="7"/>
           </p:nvPr>
         </p:nvSpPr>
         <p:spPr/>
@@ -3697,14 +3697,14 @@
             <a:spLocks noGrp="1"/>
           </p:cNvSpPr>
           <p:nvPr>
-            <p:ph type="sldNum" idx="9"/>
+            <p:ph type="sldNum" idx="8"/>
           </p:nvPr>
         </p:nvSpPr>
         <p:spPr/>
         <p:txBody>
           <a:bodyPr/>
           <a:p>
-            <a:fld id="{210DC823-C355-4D12-BEC2-99AECB41FF05}" type="slidenum">
+            <a:fld id="{87FA9DFD-0988-4967-935E-7AA6C2B6578B}" type="slidenum">
               <a:t>&lt;#&gt;</a:t>
             </a:fld>
           </a:p>
@@ -3717,7 +3717,7 @@
             <a:spLocks noGrp="1"/>
           </p:cNvSpPr>
           <p:nvPr>
-            <p:ph type="dt" idx="7"/>
+            <p:ph type="dt" idx="9"/>
           </p:nvPr>
         </p:nvSpPr>
         <p:spPr/>
@@ -3766,7 +3766,7 @@
         <p:spPr>
           <a:xfrm>
             <a:off x="540000" y="270000"/>
-            <a:ext cx="9000000" cy="990000"/>
+            <a:ext cx="8999640" cy="989640"/>
           </a:xfrm>
           <a:prstGeom prst="rect">
             <a:avLst/>
@@ -3784,9 +3784,9 @@
             <a:pPr indent="0" algn="ctr">
               <a:buNone/>
             </a:pPr>
-            <a:endParaRPr b="0" lang="it-IT" sz="3300" spc="-1" strike="noStrike">
-              <a:solidFill>
-                <a:srgbClr val="ffffff"/>
+            <a:endParaRPr b="0" lang="it-IT" sz="4400" spc="-1" strike="noStrike">
+              <a:solidFill>
+                <a:srgbClr val="000000"/>
               </a:solidFill>
               <a:latin typeface="Arial"/>
             </a:endParaRPr>
@@ -3805,8 +3805,8 @@
         </p:nvSpPr>
         <p:spPr>
           <a:xfrm>
-            <a:off x="540000" y="1440000"/>
-            <a:ext cx="9000000" cy="3600000"/>
+            <a:off x="504000" y="1326600"/>
+            <a:ext cx="9072000" cy="3288600"/>
           </a:xfrm>
           <a:prstGeom prst="rect">
             <a:avLst/>
@@ -3840,7 +3840,7 @@
             <a:spLocks noGrp="1"/>
           </p:cNvSpPr>
           <p:nvPr>
-            <p:ph type="ftr" idx="8"/>
+            <p:ph type="ftr" idx="7"/>
           </p:nvPr>
         </p:nvSpPr>
         <p:spPr/>
@@ -3860,14 +3860,14 @@
             <a:spLocks noGrp="1"/>
           </p:cNvSpPr>
           <p:nvPr>
-            <p:ph type="sldNum" idx="9"/>
+            <p:ph type="sldNum" idx="8"/>
           </p:nvPr>
         </p:nvSpPr>
         <p:spPr/>
         <p:txBody>
           <a:bodyPr/>
           <a:p>
-            <a:fld id="{DC57152A-8C56-466C-97E9-CB995D6B720A}" type="slidenum">
+            <a:fld id="{92E1486E-1768-4AA8-80D9-02FABAD36BAC}" type="slidenum">
               <a:t>&lt;#&gt;</a:t>
             </a:fld>
           </a:p>
@@ -3880,7 +3880,7 @@
             <a:spLocks noGrp="1"/>
           </p:cNvSpPr>
           <p:nvPr>
-            <p:ph type="dt" idx="7"/>
+            <p:ph type="dt" idx="9"/>
           </p:nvPr>
         </p:nvSpPr>
         <p:spPr/>
@@ -3929,7 +3929,7 @@
         <p:spPr>
           <a:xfrm>
             <a:off x="540000" y="270000"/>
-            <a:ext cx="9000000" cy="990000"/>
+            <a:ext cx="8999640" cy="989640"/>
           </a:xfrm>
           <a:prstGeom prst="rect">
             <a:avLst/>
@@ -3947,9 +3947,9 @@
             <a:pPr indent="0" algn="ctr">
               <a:buNone/>
             </a:pPr>
-            <a:endParaRPr b="0" lang="it-IT" sz="3300" spc="-1" strike="noStrike">
-              <a:solidFill>
-                <a:srgbClr val="ffffff"/>
+            <a:endParaRPr b="0" lang="it-IT" sz="4400" spc="-1" strike="noStrike">
+              <a:solidFill>
+                <a:srgbClr val="000000"/>
               </a:solidFill>
               <a:latin typeface="Arial"/>
             </a:endParaRPr>
@@ -3968,8 +3968,8 @@
         </p:nvSpPr>
         <p:spPr>
           <a:xfrm>
-            <a:off x="540000" y="1440000"/>
-            <a:ext cx="9000000" cy="3600000"/>
+            <a:off x="504000" y="1326600"/>
+            <a:ext cx="9072000" cy="3288600"/>
           </a:xfrm>
           <a:prstGeom prst="rect">
             <a:avLst/>
@@ -3985,12 +3985,12 @@
           </a:bodyPr>
           <a:p>
             <a:pPr indent="0">
-              <a:spcAft>
-                <a:spcPts val="1060"/>
-              </a:spcAft>
-              <a:buNone/>
-            </a:pPr>
-            <a:endParaRPr b="0" lang="it-IT" sz="2400" spc="-1" strike="noStrike">
+              <a:spcBef>
+                <a:spcPts val="1417"/>
+              </a:spcBef>
+              <a:buNone/>
+            </a:pPr>
+            <a:endParaRPr b="0" lang="it-IT" sz="3200" spc="-1" strike="noStrike">
               <a:solidFill>
                 <a:srgbClr val="000000"/>
               </a:solidFill>
@@ -4006,7 +4006,7 @@
             <a:spLocks noGrp="1"/>
           </p:cNvSpPr>
           <p:nvPr>
-            <p:ph type="ftr" idx="8"/>
+            <p:ph type="ftr" idx="7"/>
           </p:nvPr>
         </p:nvSpPr>
         <p:spPr/>
@@ -4026,14 +4026,14 @@
             <a:spLocks noGrp="1"/>
           </p:cNvSpPr>
           <p:nvPr>
-            <p:ph type="sldNum" idx="9"/>
+            <p:ph type="sldNum" idx="8"/>
           </p:nvPr>
         </p:nvSpPr>
         <p:spPr/>
         <p:txBody>
           <a:bodyPr/>
           <a:p>
-            <a:fld id="{4D3B607D-27D8-4C6A-9424-B16E55CC0430}" type="slidenum">
+            <a:fld id="{EAD0278C-42B1-4895-9E1E-0F216B8EAFF8}" type="slidenum">
               <a:t>&lt;#&gt;</a:t>
             </a:fld>
           </a:p>
@@ -4046,7 +4046,7 @@
             <a:spLocks noGrp="1"/>
           </p:cNvSpPr>
           <p:nvPr>
-            <p:ph type="dt" idx="7"/>
+            <p:ph type="dt" idx="9"/>
           </p:nvPr>
         </p:nvSpPr>
         <p:spPr/>
@@ -4095,7 +4095,7 @@
         <p:spPr>
           <a:xfrm>
             <a:off x="540000" y="270000"/>
-            <a:ext cx="9000000" cy="990000"/>
+            <a:ext cx="8999640" cy="989640"/>
           </a:xfrm>
           <a:prstGeom prst="rect">
             <a:avLst/>
@@ -4113,9 +4113,9 @@
             <a:pPr indent="0" algn="ctr">
               <a:buNone/>
             </a:pPr>
-            <a:endParaRPr b="0" lang="it-IT" sz="3300" spc="-1" strike="noStrike">
-              <a:solidFill>
-                <a:srgbClr val="ffffff"/>
+            <a:endParaRPr b="0" lang="it-IT" sz="4400" spc="-1" strike="noStrike">
+              <a:solidFill>
+                <a:srgbClr val="000000"/>
               </a:solidFill>
               <a:latin typeface="Arial"/>
             </a:endParaRPr>
@@ -4134,8 +4134,8 @@
         </p:nvSpPr>
         <p:spPr>
           <a:xfrm>
-            <a:off x="540000" y="1440000"/>
-            <a:ext cx="4391640" cy="3600000"/>
+            <a:off x="504000" y="1326600"/>
+            <a:ext cx="4426920" cy="3288600"/>
           </a:xfrm>
           <a:prstGeom prst="rect">
             <a:avLst/>
@@ -4151,12 +4151,12 @@
           </a:bodyPr>
           <a:p>
             <a:pPr indent="0">
-              <a:spcAft>
-                <a:spcPts val="1060"/>
-              </a:spcAft>
-              <a:buNone/>
-            </a:pPr>
-            <a:endParaRPr b="0" lang="it-IT" sz="2400" spc="-1" strike="noStrike">
+              <a:spcBef>
+                <a:spcPts val="1417"/>
+              </a:spcBef>
+              <a:buNone/>
+            </a:pPr>
+            <a:endParaRPr b="0" lang="it-IT" sz="3200" spc="-1" strike="noStrike">
               <a:solidFill>
                 <a:srgbClr val="000000"/>
               </a:solidFill>
@@ -4177,8 +4177,8 @@
         </p:nvSpPr>
         <p:spPr>
           <a:xfrm>
-            <a:off x="5151600" y="1440000"/>
-            <a:ext cx="4391640" cy="3600000"/>
+            <a:off x="5152680" y="1326600"/>
+            <a:ext cx="4426920" cy="3288600"/>
           </a:xfrm>
           <a:prstGeom prst="rect">
             <a:avLst/>
@@ -4194,12 +4194,12 @@
           </a:bodyPr>
           <a:p>
             <a:pPr indent="0">
-              <a:spcAft>
-                <a:spcPts val="1060"/>
-              </a:spcAft>
-              <a:buNone/>
-            </a:pPr>
-            <a:endParaRPr b="0" lang="it-IT" sz="2400" spc="-1" strike="noStrike">
+              <a:spcBef>
+                <a:spcPts val="1417"/>
+              </a:spcBef>
+              <a:buNone/>
+            </a:pPr>
+            <a:endParaRPr b="0" lang="it-IT" sz="3200" spc="-1" strike="noStrike">
               <a:solidFill>
                 <a:srgbClr val="000000"/>
               </a:solidFill>
@@ -4215,7 +4215,7 @@
             <a:spLocks noGrp="1"/>
           </p:cNvSpPr>
           <p:nvPr>
-            <p:ph type="ftr" idx="8"/>
+            <p:ph type="ftr" idx="7"/>
           </p:nvPr>
         </p:nvSpPr>
         <p:spPr/>
@@ -4235,14 +4235,14 @@
             <a:spLocks noGrp="1"/>
           </p:cNvSpPr>
           <p:nvPr>
-            <p:ph type="sldNum" idx="9"/>
+            <p:ph type="sldNum" idx="8"/>
           </p:nvPr>
         </p:nvSpPr>
         <p:spPr/>
         <p:txBody>
           <a:bodyPr/>
           <a:p>
-            <a:fld id="{21C02BC6-263A-401A-B157-17FEABE43BE6}" type="slidenum">
+            <a:fld id="{5153C100-DD17-4A52-BD20-7D4371A184D7}" type="slidenum">
               <a:t>&lt;#&gt;</a:t>
             </a:fld>
           </a:p>
@@ -4255,7 +4255,7 @@
             <a:spLocks noGrp="1"/>
           </p:cNvSpPr>
           <p:nvPr>
-            <p:ph type="dt" idx="7"/>
+            <p:ph type="dt" idx="9"/>
           </p:nvPr>
         </p:nvSpPr>
         <p:spPr/>
@@ -4304,7 +4304,7 @@
         <p:spPr>
           <a:xfrm>
             <a:off x="540000" y="270000"/>
-            <a:ext cx="9000000" cy="990000"/>
+            <a:ext cx="8999640" cy="989640"/>
           </a:xfrm>
           <a:prstGeom prst="rect">
             <a:avLst/>
@@ -4322,9 +4322,9 @@
             <a:pPr indent="0" algn="ctr">
               <a:buNone/>
             </a:pPr>
-            <a:endParaRPr b="0" lang="it-IT" sz="3300" spc="-1" strike="noStrike">
-              <a:solidFill>
-                <a:srgbClr val="ffffff"/>
+            <a:endParaRPr b="0" lang="it-IT" sz="4400" spc="-1" strike="noStrike">
+              <a:solidFill>
+                <a:srgbClr val="000000"/>
               </a:solidFill>
               <a:latin typeface="Arial"/>
             </a:endParaRPr>
@@ -4338,7 +4338,7 @@
             <a:spLocks noGrp="1"/>
           </p:cNvSpPr>
           <p:nvPr>
-            <p:ph type="ftr" idx="8"/>
+            <p:ph type="ftr" idx="7"/>
           </p:nvPr>
         </p:nvSpPr>
         <p:spPr/>
@@ -4358,14 +4358,14 @@
             <a:spLocks noGrp="1"/>
           </p:cNvSpPr>
           <p:nvPr>
-            <p:ph type="sldNum" idx="9"/>
+            <p:ph type="sldNum" idx="8"/>
           </p:nvPr>
         </p:nvSpPr>
         <p:spPr/>
         <p:txBody>
           <a:bodyPr/>
           <a:p>
-            <a:fld id="{23801280-EFC2-428C-A26D-FD721CD8BB09}" type="slidenum">
+            <a:fld id="{922B835C-C800-40C3-899A-570A9640453F}" type="slidenum">
               <a:t>&lt;#&gt;</a:t>
             </a:fld>
           </a:p>
@@ -4378,7 +4378,7 @@
             <a:spLocks noGrp="1"/>
           </p:cNvSpPr>
           <p:nvPr>
-            <p:ph type="dt" idx="7"/>
+            <p:ph type="dt" idx="9"/>
           </p:nvPr>
         </p:nvSpPr>
         <p:spPr/>
@@ -4427,7 +4427,7 @@
         <p:spPr>
           <a:xfrm>
             <a:off x="540000" y="270000"/>
-            <a:ext cx="9000000" cy="990000"/>
+            <a:ext cx="8999640" cy="989640"/>
           </a:xfrm>
           <a:prstGeom prst="rect">
             <a:avLst/>
@@ -4445,9 +4445,9 @@
             <a:pPr indent="0" algn="ctr">
               <a:buNone/>
             </a:pPr>
-            <a:endParaRPr b="0" lang="it-IT" sz="3300" spc="-1" strike="noStrike">
-              <a:solidFill>
-                <a:srgbClr val="ffffff"/>
+            <a:endParaRPr b="0" lang="it-IT" sz="4400" spc="-1" strike="noStrike">
+              <a:solidFill>
+                <a:srgbClr val="000000"/>
               </a:solidFill>
               <a:latin typeface="Arial"/>
             </a:endParaRPr>
@@ -4466,8 +4466,8 @@
         </p:nvSpPr>
         <p:spPr>
           <a:xfrm>
-            <a:off x="540000" y="1440000"/>
-            <a:ext cx="9000000" cy="3600000"/>
+            <a:off x="504000" y="1326600"/>
+            <a:ext cx="9072000" cy="3288600"/>
           </a:xfrm>
           <a:prstGeom prst="rect">
             <a:avLst/>
@@ -4483,12 +4483,12 @@
           </a:bodyPr>
           <a:p>
             <a:pPr indent="0">
-              <a:spcAft>
-                <a:spcPts val="1060"/>
-              </a:spcAft>
-              <a:buNone/>
-            </a:pPr>
-            <a:endParaRPr b="0" lang="it-IT" sz="2400" spc="-1" strike="noStrike">
+              <a:spcBef>
+                <a:spcPts val="1417"/>
+              </a:spcBef>
+              <a:buNone/>
+            </a:pPr>
+            <a:endParaRPr b="0" lang="it-IT" sz="3200" spc="-1" strike="noStrike">
               <a:solidFill>
                 <a:srgbClr val="000000"/>
               </a:solidFill>
@@ -4504,7 +4504,7 @@
             <a:spLocks noGrp="1"/>
           </p:cNvSpPr>
           <p:nvPr>
-            <p:ph type="ftr" idx="2"/>
+            <p:ph type="ftr" idx="1"/>
           </p:nvPr>
         </p:nvSpPr>
         <p:spPr/>
@@ -4524,14 +4524,14 @@
             <a:spLocks noGrp="1"/>
           </p:cNvSpPr>
           <p:nvPr>
-            <p:ph type="sldNum" idx="3"/>
+            <p:ph type="sldNum" idx="2"/>
           </p:nvPr>
         </p:nvSpPr>
         <p:spPr/>
         <p:txBody>
           <a:bodyPr/>
           <a:p>
-            <a:fld id="{18586832-506C-415A-8916-A62D5DD08CF0}" type="slidenum">
+            <a:fld id="{07919B68-E4C1-40B6-8D5F-B6E46FB3BB77}" type="slidenum">
               <a:t>&lt;#&gt;</a:t>
             </a:fld>
           </a:p>
@@ -4544,7 +4544,7 @@
             <a:spLocks noGrp="1"/>
           </p:cNvSpPr>
           <p:nvPr>
-            <p:ph type="dt" idx="1"/>
+            <p:ph type="dt" idx="3"/>
           </p:nvPr>
         </p:nvSpPr>
         <p:spPr/>
@@ -4593,7 +4593,7 @@
         <p:spPr>
           <a:xfrm>
             <a:off x="540000" y="270000"/>
-            <a:ext cx="9000000" cy="4590360"/>
+            <a:ext cx="8999640" cy="4588560"/>
           </a:xfrm>
           <a:prstGeom prst="rect">
             <a:avLst/>
@@ -4625,7 +4625,7 @@
             <a:spLocks noGrp="1"/>
           </p:cNvSpPr>
           <p:nvPr>
-            <p:ph type="ftr" idx="8"/>
+            <p:ph type="ftr" idx="7"/>
           </p:nvPr>
         </p:nvSpPr>
         <p:spPr/>
@@ -4645,14 +4645,14 @@
             <a:spLocks noGrp="1"/>
           </p:cNvSpPr>
           <p:nvPr>
-            <p:ph type="sldNum" idx="9"/>
+            <p:ph type="sldNum" idx="8"/>
           </p:nvPr>
         </p:nvSpPr>
         <p:spPr/>
         <p:txBody>
           <a:bodyPr/>
           <a:p>
-            <a:fld id="{A617B160-B1FB-48CF-AD5B-275F8803CC1A}" type="slidenum">
+            <a:fld id="{8400A8BD-B3E7-4B46-9AB2-624286B3C6F4}" type="slidenum">
               <a:t>&lt;#&gt;</a:t>
             </a:fld>
           </a:p>
@@ -4665,7 +4665,7 @@
             <a:spLocks noGrp="1"/>
           </p:cNvSpPr>
           <p:nvPr>
-            <p:ph type="dt" idx="7"/>
+            <p:ph type="dt" idx="9"/>
           </p:nvPr>
         </p:nvSpPr>
         <p:spPr/>
@@ -4714,7 +4714,7 @@
         <p:spPr>
           <a:xfrm>
             <a:off x="540000" y="270000"/>
-            <a:ext cx="9000000" cy="990000"/>
+            <a:ext cx="8999640" cy="989640"/>
           </a:xfrm>
           <a:prstGeom prst="rect">
             <a:avLst/>
@@ -4732,9 +4732,9 @@
             <a:pPr indent="0" algn="ctr">
               <a:buNone/>
             </a:pPr>
-            <a:endParaRPr b="0" lang="it-IT" sz="3300" spc="-1" strike="noStrike">
-              <a:solidFill>
-                <a:srgbClr val="ffffff"/>
+            <a:endParaRPr b="0" lang="it-IT" sz="4400" spc="-1" strike="noStrike">
+              <a:solidFill>
+                <a:srgbClr val="000000"/>
               </a:solidFill>
               <a:latin typeface="Arial"/>
             </a:endParaRPr>
@@ -4753,8 +4753,8 @@
         </p:nvSpPr>
         <p:spPr>
           <a:xfrm>
-            <a:off x="540000" y="1440000"/>
-            <a:ext cx="4391640" cy="1716840"/>
+            <a:off x="504000" y="1326600"/>
+            <a:ext cx="4426920" cy="1568520"/>
           </a:xfrm>
           <a:prstGeom prst="rect">
             <a:avLst/>
@@ -4770,12 +4770,12 @@
           </a:bodyPr>
           <a:p>
             <a:pPr indent="0">
-              <a:spcAft>
-                <a:spcPts val="1060"/>
-              </a:spcAft>
-              <a:buNone/>
-            </a:pPr>
-            <a:endParaRPr b="0" lang="it-IT" sz="2400" spc="-1" strike="noStrike">
+              <a:spcBef>
+                <a:spcPts val="1417"/>
+              </a:spcBef>
+              <a:buNone/>
+            </a:pPr>
+            <a:endParaRPr b="0" lang="it-IT" sz="3200" spc="-1" strike="noStrike">
               <a:solidFill>
                 <a:srgbClr val="000000"/>
               </a:solidFill>
@@ -4796,8 +4796,8 @@
         </p:nvSpPr>
         <p:spPr>
           <a:xfrm>
-            <a:off x="5151600" y="1440000"/>
-            <a:ext cx="4391640" cy="3600000"/>
+            <a:off x="5152680" y="1326600"/>
+            <a:ext cx="4426920" cy="3288600"/>
           </a:xfrm>
           <a:prstGeom prst="rect">
             <a:avLst/>
@@ -4813,12 +4813,12 @@
           </a:bodyPr>
           <a:p>
             <a:pPr indent="0">
-              <a:spcAft>
-                <a:spcPts val="1060"/>
-              </a:spcAft>
-              <a:buNone/>
-            </a:pPr>
-            <a:endParaRPr b="0" lang="it-IT" sz="2400" spc="-1" strike="noStrike">
+              <a:spcBef>
+                <a:spcPts val="1417"/>
+              </a:spcBef>
+              <a:buNone/>
+            </a:pPr>
+            <a:endParaRPr b="0" lang="it-IT" sz="3200" spc="-1" strike="noStrike">
               <a:solidFill>
                 <a:srgbClr val="000000"/>
               </a:solidFill>
@@ -4839,8 +4839,8 @@
         </p:nvSpPr>
         <p:spPr>
           <a:xfrm>
-            <a:off x="540000" y="3320280"/>
-            <a:ext cx="4391640" cy="1716840"/>
+            <a:off x="504000" y="3044520"/>
+            <a:ext cx="4426920" cy="1568520"/>
           </a:xfrm>
           <a:prstGeom prst="rect">
             <a:avLst/>
@@ -4856,12 +4856,12 @@
           </a:bodyPr>
           <a:p>
             <a:pPr indent="0">
-              <a:spcAft>
-                <a:spcPts val="1060"/>
-              </a:spcAft>
-              <a:buNone/>
-            </a:pPr>
-            <a:endParaRPr b="0" lang="it-IT" sz="2400" spc="-1" strike="noStrike">
+              <a:spcBef>
+                <a:spcPts val="1417"/>
+              </a:spcBef>
+              <a:buNone/>
+            </a:pPr>
+            <a:endParaRPr b="0" lang="it-IT" sz="3200" spc="-1" strike="noStrike">
               <a:solidFill>
                 <a:srgbClr val="000000"/>
               </a:solidFill>
@@ -4877,7 +4877,7 @@
             <a:spLocks noGrp="1"/>
           </p:cNvSpPr>
           <p:nvPr>
-            <p:ph type="ftr" idx="8"/>
+            <p:ph type="ftr" idx="7"/>
           </p:nvPr>
         </p:nvSpPr>
         <p:spPr/>
@@ -4897,14 +4897,14 @@
             <a:spLocks noGrp="1"/>
           </p:cNvSpPr>
           <p:nvPr>
-            <p:ph type="sldNum" idx="9"/>
+            <p:ph type="sldNum" idx="8"/>
           </p:nvPr>
         </p:nvSpPr>
         <p:spPr/>
         <p:txBody>
           <a:bodyPr/>
           <a:p>
-            <a:fld id="{F30D49C8-DA33-4B7A-897C-20F726EDCDA6}" type="slidenum">
+            <a:fld id="{A92740A1-6DC4-4D4A-A175-DE7ADD54A34A}" type="slidenum">
               <a:t>&lt;#&gt;</a:t>
             </a:fld>
           </a:p>
@@ -4917,7 +4917,7 @@
             <a:spLocks noGrp="1"/>
           </p:cNvSpPr>
           <p:nvPr>
-            <p:ph type="dt" idx="7"/>
+            <p:ph type="dt" idx="9"/>
           </p:nvPr>
         </p:nvSpPr>
         <p:spPr/>
@@ -4966,7 +4966,7 @@
         <p:spPr>
           <a:xfrm>
             <a:off x="540000" y="270000"/>
-            <a:ext cx="9000000" cy="990000"/>
+            <a:ext cx="8999640" cy="989640"/>
           </a:xfrm>
           <a:prstGeom prst="rect">
             <a:avLst/>
@@ -4984,9 +4984,9 @@
             <a:pPr indent="0" algn="ctr">
               <a:buNone/>
             </a:pPr>
-            <a:endParaRPr b="0" lang="it-IT" sz="3300" spc="-1" strike="noStrike">
-              <a:solidFill>
-                <a:srgbClr val="ffffff"/>
+            <a:endParaRPr b="0" lang="it-IT" sz="4400" spc="-1" strike="noStrike">
+              <a:solidFill>
+                <a:srgbClr val="000000"/>
               </a:solidFill>
               <a:latin typeface="Arial"/>
             </a:endParaRPr>
@@ -5005,8 +5005,8 @@
         </p:nvSpPr>
         <p:spPr>
           <a:xfrm>
-            <a:off x="540000" y="1440000"/>
-            <a:ext cx="4391640" cy="3600000"/>
+            <a:off x="504000" y="1326600"/>
+            <a:ext cx="4426920" cy="3288600"/>
           </a:xfrm>
           <a:prstGeom prst="rect">
             <a:avLst/>
@@ -5022,12 +5022,12 @@
           </a:bodyPr>
           <a:p>
             <a:pPr indent="0">
-              <a:spcAft>
-                <a:spcPts val="1060"/>
-              </a:spcAft>
-              <a:buNone/>
-            </a:pPr>
-            <a:endParaRPr b="0" lang="it-IT" sz="2400" spc="-1" strike="noStrike">
+              <a:spcBef>
+                <a:spcPts val="1417"/>
+              </a:spcBef>
+              <a:buNone/>
+            </a:pPr>
+            <a:endParaRPr b="0" lang="it-IT" sz="3200" spc="-1" strike="noStrike">
               <a:solidFill>
                 <a:srgbClr val="000000"/>
               </a:solidFill>
@@ -5048,8 +5048,8 @@
         </p:nvSpPr>
         <p:spPr>
           <a:xfrm>
-            <a:off x="5151600" y="1440000"/>
-            <a:ext cx="4391640" cy="1716840"/>
+            <a:off x="5152680" y="1326600"/>
+            <a:ext cx="4426920" cy="1568520"/>
           </a:xfrm>
           <a:prstGeom prst="rect">
             <a:avLst/>
@@ -5065,12 +5065,12 @@
           </a:bodyPr>
           <a:p>
             <a:pPr indent="0">
-              <a:spcAft>
-                <a:spcPts val="1060"/>
-              </a:spcAft>
-              <a:buNone/>
-            </a:pPr>
-            <a:endParaRPr b="0" lang="it-IT" sz="2400" spc="-1" strike="noStrike">
+              <a:spcBef>
+                <a:spcPts val="1417"/>
+              </a:spcBef>
+              <a:buNone/>
+            </a:pPr>
+            <a:endParaRPr b="0" lang="it-IT" sz="3200" spc="-1" strike="noStrike">
               <a:solidFill>
                 <a:srgbClr val="000000"/>
               </a:solidFill>
@@ -5091,8 +5091,8 @@
         </p:nvSpPr>
         <p:spPr>
           <a:xfrm>
-            <a:off x="5151600" y="3320280"/>
-            <a:ext cx="4391640" cy="1716840"/>
+            <a:off x="5152680" y="3044520"/>
+            <a:ext cx="4426920" cy="1568520"/>
           </a:xfrm>
           <a:prstGeom prst="rect">
             <a:avLst/>
@@ -5108,12 +5108,12 @@
           </a:bodyPr>
           <a:p>
             <a:pPr indent="0">
-              <a:spcAft>
-                <a:spcPts val="1060"/>
-              </a:spcAft>
-              <a:buNone/>
-            </a:pPr>
-            <a:endParaRPr b="0" lang="it-IT" sz="2400" spc="-1" strike="noStrike">
+              <a:spcBef>
+                <a:spcPts val="1417"/>
+              </a:spcBef>
+              <a:buNone/>
+            </a:pPr>
+            <a:endParaRPr b="0" lang="it-IT" sz="3200" spc="-1" strike="noStrike">
               <a:solidFill>
                 <a:srgbClr val="000000"/>
               </a:solidFill>
@@ -5129,7 +5129,7 @@
             <a:spLocks noGrp="1"/>
           </p:cNvSpPr>
           <p:nvPr>
-            <p:ph type="ftr" idx="8"/>
+            <p:ph type="ftr" idx="7"/>
           </p:nvPr>
         </p:nvSpPr>
         <p:spPr/>
@@ -5149,14 +5149,14 @@
             <a:spLocks noGrp="1"/>
           </p:cNvSpPr>
           <p:nvPr>
-            <p:ph type="sldNum" idx="9"/>
+            <p:ph type="sldNum" idx="8"/>
           </p:nvPr>
         </p:nvSpPr>
         <p:spPr/>
         <p:txBody>
           <a:bodyPr/>
           <a:p>
-            <a:fld id="{6A1890EB-BF51-40D2-AA24-F875A406345A}" type="slidenum">
+            <a:fld id="{1D531694-FC1F-42DA-8FE9-E98406A6EC5D}" type="slidenum">
               <a:t>&lt;#&gt;</a:t>
             </a:fld>
           </a:p>
@@ -5169,7 +5169,7 @@
             <a:spLocks noGrp="1"/>
           </p:cNvSpPr>
           <p:nvPr>
-            <p:ph type="dt" idx="7"/>
+            <p:ph type="dt" idx="9"/>
           </p:nvPr>
         </p:nvSpPr>
         <p:spPr/>
@@ -5218,7 +5218,7 @@
         <p:spPr>
           <a:xfrm>
             <a:off x="540000" y="270000"/>
-            <a:ext cx="9000000" cy="990000"/>
+            <a:ext cx="8999640" cy="989640"/>
           </a:xfrm>
           <a:prstGeom prst="rect">
             <a:avLst/>
@@ -5236,9 +5236,9 @@
             <a:pPr indent="0" algn="ctr">
               <a:buNone/>
             </a:pPr>
-            <a:endParaRPr b="0" lang="it-IT" sz="3300" spc="-1" strike="noStrike">
-              <a:solidFill>
-                <a:srgbClr val="ffffff"/>
+            <a:endParaRPr b="0" lang="it-IT" sz="4400" spc="-1" strike="noStrike">
+              <a:solidFill>
+                <a:srgbClr val="000000"/>
               </a:solidFill>
               <a:latin typeface="Arial"/>
             </a:endParaRPr>
@@ -5257,8 +5257,8 @@
         </p:nvSpPr>
         <p:spPr>
           <a:xfrm>
-            <a:off x="540000" y="1440000"/>
-            <a:ext cx="4391640" cy="1716840"/>
+            <a:off x="504000" y="1326600"/>
+            <a:ext cx="4426920" cy="1568520"/>
           </a:xfrm>
           <a:prstGeom prst="rect">
             <a:avLst/>
@@ -5274,12 +5274,12 @@
           </a:bodyPr>
           <a:p>
             <a:pPr indent="0">
-              <a:spcAft>
-                <a:spcPts val="1060"/>
-              </a:spcAft>
-              <a:buNone/>
-            </a:pPr>
-            <a:endParaRPr b="0" lang="it-IT" sz="2400" spc="-1" strike="noStrike">
+              <a:spcBef>
+                <a:spcPts val="1417"/>
+              </a:spcBef>
+              <a:buNone/>
+            </a:pPr>
+            <a:endParaRPr b="0" lang="it-IT" sz="3200" spc="-1" strike="noStrike">
               <a:solidFill>
                 <a:srgbClr val="000000"/>
               </a:solidFill>
@@ -5300,8 +5300,8 @@
         </p:nvSpPr>
         <p:spPr>
           <a:xfrm>
-            <a:off x="5151600" y="1440000"/>
-            <a:ext cx="4391640" cy="1716840"/>
+            <a:off x="5152680" y="1326600"/>
+            <a:ext cx="4426920" cy="1568520"/>
           </a:xfrm>
           <a:prstGeom prst="rect">
             <a:avLst/>
@@ -5317,12 +5317,12 @@
           </a:bodyPr>
           <a:p>
             <a:pPr indent="0">
-              <a:spcAft>
-                <a:spcPts val="1060"/>
-              </a:spcAft>
-              <a:buNone/>
-            </a:pPr>
-            <a:endParaRPr b="0" lang="it-IT" sz="2400" spc="-1" strike="noStrike">
+              <a:spcBef>
+                <a:spcPts val="1417"/>
+              </a:spcBef>
+              <a:buNone/>
+            </a:pPr>
+            <a:endParaRPr b="0" lang="it-IT" sz="3200" spc="-1" strike="noStrike">
               <a:solidFill>
                 <a:srgbClr val="000000"/>
               </a:solidFill>
@@ -5343,8 +5343,8 @@
         </p:nvSpPr>
         <p:spPr>
           <a:xfrm>
-            <a:off x="540000" y="3320280"/>
-            <a:ext cx="9000000" cy="1716840"/>
+            <a:off x="504000" y="3044520"/>
+            <a:ext cx="9072000" cy="1568520"/>
           </a:xfrm>
           <a:prstGeom prst="rect">
             <a:avLst/>
@@ -5360,12 +5360,12 @@
           </a:bodyPr>
           <a:p>
             <a:pPr indent="0">
-              <a:spcAft>
-                <a:spcPts val="1060"/>
-              </a:spcAft>
-              <a:buNone/>
-            </a:pPr>
-            <a:endParaRPr b="0" lang="it-IT" sz="2400" spc="-1" strike="noStrike">
+              <a:spcBef>
+                <a:spcPts val="1417"/>
+              </a:spcBef>
+              <a:buNone/>
+            </a:pPr>
+            <a:endParaRPr b="0" lang="it-IT" sz="3200" spc="-1" strike="noStrike">
               <a:solidFill>
                 <a:srgbClr val="000000"/>
               </a:solidFill>
@@ -5381,7 +5381,7 @@
             <a:spLocks noGrp="1"/>
           </p:cNvSpPr>
           <p:nvPr>
-            <p:ph type="ftr" idx="8"/>
+            <p:ph type="ftr" idx="7"/>
           </p:nvPr>
         </p:nvSpPr>
         <p:spPr/>
@@ -5401,14 +5401,14 @@
             <a:spLocks noGrp="1"/>
           </p:cNvSpPr>
           <p:nvPr>
-            <p:ph type="sldNum" idx="9"/>
+            <p:ph type="sldNum" idx="8"/>
           </p:nvPr>
         </p:nvSpPr>
         <p:spPr/>
         <p:txBody>
           <a:bodyPr/>
           <a:p>
-            <a:fld id="{87FB575D-65C1-4683-87D8-649412048D54}" type="slidenum">
+            <a:fld id="{31BBC95F-91D7-401D-8CDB-24A7412893D8}" type="slidenum">
               <a:t>&lt;#&gt;</a:t>
             </a:fld>
           </a:p>
@@ -5421,7 +5421,7 @@
             <a:spLocks noGrp="1"/>
           </p:cNvSpPr>
           <p:nvPr>
-            <p:ph type="dt" idx="7"/>
+            <p:ph type="dt" idx="9"/>
           </p:nvPr>
         </p:nvSpPr>
         <p:spPr/>
@@ -5470,7 +5470,7 @@
         <p:spPr>
           <a:xfrm>
             <a:off x="540000" y="270000"/>
-            <a:ext cx="9000000" cy="990000"/>
+            <a:ext cx="8999640" cy="989640"/>
           </a:xfrm>
           <a:prstGeom prst="rect">
             <a:avLst/>
@@ -5488,9 +5488,9 @@
             <a:pPr indent="0" algn="ctr">
               <a:buNone/>
             </a:pPr>
-            <a:endParaRPr b="0" lang="it-IT" sz="3300" spc="-1" strike="noStrike">
-              <a:solidFill>
-                <a:srgbClr val="ffffff"/>
+            <a:endParaRPr b="0" lang="it-IT" sz="4400" spc="-1" strike="noStrike">
+              <a:solidFill>
+                <a:srgbClr val="000000"/>
               </a:solidFill>
               <a:latin typeface="Arial"/>
             </a:endParaRPr>
@@ -5509,8 +5509,8 @@
         </p:nvSpPr>
         <p:spPr>
           <a:xfrm>
-            <a:off x="540000" y="1440000"/>
-            <a:ext cx="9000000" cy="1716840"/>
+            <a:off x="504000" y="1326600"/>
+            <a:ext cx="9072000" cy="1568520"/>
           </a:xfrm>
           <a:prstGeom prst="rect">
             <a:avLst/>
@@ -5526,12 +5526,12 @@
           </a:bodyPr>
           <a:p>
             <a:pPr indent="0">
-              <a:spcAft>
-                <a:spcPts val="1060"/>
-              </a:spcAft>
-              <a:buNone/>
-            </a:pPr>
-            <a:endParaRPr b="0" lang="it-IT" sz="2400" spc="-1" strike="noStrike">
+              <a:spcBef>
+                <a:spcPts val="1417"/>
+              </a:spcBef>
+              <a:buNone/>
+            </a:pPr>
+            <a:endParaRPr b="0" lang="it-IT" sz="3200" spc="-1" strike="noStrike">
               <a:solidFill>
                 <a:srgbClr val="000000"/>
               </a:solidFill>
@@ -5552,8 +5552,8 @@
         </p:nvSpPr>
         <p:spPr>
           <a:xfrm>
-            <a:off x="540000" y="3320280"/>
-            <a:ext cx="9000000" cy="1716840"/>
+            <a:off x="504000" y="3044520"/>
+            <a:ext cx="9072000" cy="1568520"/>
           </a:xfrm>
           <a:prstGeom prst="rect">
             <a:avLst/>
@@ -5569,12 +5569,12 @@
           </a:bodyPr>
           <a:p>
             <a:pPr indent="0">
-              <a:spcAft>
-                <a:spcPts val="1060"/>
-              </a:spcAft>
-              <a:buNone/>
-            </a:pPr>
-            <a:endParaRPr b="0" lang="it-IT" sz="2400" spc="-1" strike="noStrike">
+              <a:spcBef>
+                <a:spcPts val="1417"/>
+              </a:spcBef>
+              <a:buNone/>
+            </a:pPr>
+            <a:endParaRPr b="0" lang="it-IT" sz="3200" spc="-1" strike="noStrike">
               <a:solidFill>
                 <a:srgbClr val="000000"/>
               </a:solidFill>
@@ -5590,7 +5590,7 @@
             <a:spLocks noGrp="1"/>
           </p:cNvSpPr>
           <p:nvPr>
-            <p:ph type="ftr" idx="8"/>
+            <p:ph type="ftr" idx="7"/>
           </p:nvPr>
         </p:nvSpPr>
         <p:spPr/>
@@ -5610,14 +5610,14 @@
             <a:spLocks noGrp="1"/>
           </p:cNvSpPr>
           <p:nvPr>
-            <p:ph type="sldNum" idx="9"/>
+            <p:ph type="sldNum" idx="8"/>
           </p:nvPr>
         </p:nvSpPr>
         <p:spPr/>
         <p:txBody>
           <a:bodyPr/>
           <a:p>
-            <a:fld id="{D5A59543-9AC4-4868-AA7D-318B74E95483}" type="slidenum">
+            <a:fld id="{40BD418F-A1B9-4398-808A-8F4B6FCE02FA}" type="slidenum">
               <a:t>&lt;#&gt;</a:t>
             </a:fld>
           </a:p>
@@ -5630,7 +5630,7 @@
             <a:spLocks noGrp="1"/>
           </p:cNvSpPr>
           <p:nvPr>
-            <p:ph type="dt" idx="7"/>
+            <p:ph type="dt" idx="9"/>
           </p:nvPr>
         </p:nvSpPr>
         <p:spPr/>
@@ -5679,7 +5679,7 @@
         <p:spPr>
           <a:xfrm>
             <a:off x="540000" y="270000"/>
-            <a:ext cx="9000000" cy="990000"/>
+            <a:ext cx="8999640" cy="989640"/>
           </a:xfrm>
           <a:prstGeom prst="rect">
             <a:avLst/>
@@ -5697,9 +5697,9 @@
             <a:pPr indent="0" algn="ctr">
               <a:buNone/>
             </a:pPr>
-            <a:endParaRPr b="0" lang="it-IT" sz="3300" spc="-1" strike="noStrike">
-              <a:solidFill>
-                <a:srgbClr val="ffffff"/>
+            <a:endParaRPr b="0" lang="it-IT" sz="4400" spc="-1" strike="noStrike">
+              <a:solidFill>
+                <a:srgbClr val="000000"/>
               </a:solidFill>
               <a:latin typeface="Arial"/>
             </a:endParaRPr>
@@ -5718,8 +5718,8 @@
         </p:nvSpPr>
         <p:spPr>
           <a:xfrm>
-            <a:off x="540000" y="1440000"/>
-            <a:ext cx="4391640" cy="1716840"/>
+            <a:off x="504000" y="1326600"/>
+            <a:ext cx="4426920" cy="1568520"/>
           </a:xfrm>
           <a:prstGeom prst="rect">
             <a:avLst/>
@@ -5735,12 +5735,12 @@
           </a:bodyPr>
           <a:p>
             <a:pPr indent="0">
-              <a:spcAft>
-                <a:spcPts val="1060"/>
-              </a:spcAft>
-              <a:buNone/>
-            </a:pPr>
-            <a:endParaRPr b="0" lang="it-IT" sz="2400" spc="-1" strike="noStrike">
+              <a:spcBef>
+                <a:spcPts val="1417"/>
+              </a:spcBef>
+              <a:buNone/>
+            </a:pPr>
+            <a:endParaRPr b="0" lang="it-IT" sz="3200" spc="-1" strike="noStrike">
               <a:solidFill>
                 <a:srgbClr val="000000"/>
               </a:solidFill>
@@ -5761,8 +5761,8 @@
         </p:nvSpPr>
         <p:spPr>
           <a:xfrm>
-            <a:off x="5151600" y="1440000"/>
-            <a:ext cx="4391640" cy="1716840"/>
+            <a:off x="5152680" y="1326600"/>
+            <a:ext cx="4426920" cy="1568520"/>
           </a:xfrm>
           <a:prstGeom prst="rect">
             <a:avLst/>
@@ -5778,12 +5778,12 @@
           </a:bodyPr>
           <a:p>
             <a:pPr indent="0">
-              <a:spcAft>
-                <a:spcPts val="1060"/>
-              </a:spcAft>
-              <a:buNone/>
-            </a:pPr>
-            <a:endParaRPr b="0" lang="it-IT" sz="2400" spc="-1" strike="noStrike">
+              <a:spcBef>
+                <a:spcPts val="1417"/>
+              </a:spcBef>
+              <a:buNone/>
+            </a:pPr>
+            <a:endParaRPr b="0" lang="it-IT" sz="3200" spc="-1" strike="noStrike">
               <a:solidFill>
                 <a:srgbClr val="000000"/>
               </a:solidFill>
@@ -5804,8 +5804,8 @@
         </p:nvSpPr>
         <p:spPr>
           <a:xfrm>
-            <a:off x="540000" y="3320280"/>
-            <a:ext cx="4391640" cy="1716840"/>
+            <a:off x="504000" y="3044520"/>
+            <a:ext cx="4426920" cy="1568520"/>
           </a:xfrm>
           <a:prstGeom prst="rect">
             <a:avLst/>
@@ -5821,12 +5821,12 @@
           </a:bodyPr>
           <a:p>
             <a:pPr indent="0">
-              <a:spcAft>
-                <a:spcPts val="1060"/>
-              </a:spcAft>
-              <a:buNone/>
-            </a:pPr>
-            <a:endParaRPr b="0" lang="it-IT" sz="2400" spc="-1" strike="noStrike">
+              <a:spcBef>
+                <a:spcPts val="1417"/>
+              </a:spcBef>
+              <a:buNone/>
+            </a:pPr>
+            <a:endParaRPr b="0" lang="it-IT" sz="3200" spc="-1" strike="noStrike">
               <a:solidFill>
                 <a:srgbClr val="000000"/>
               </a:solidFill>
@@ -5847,8 +5847,8 @@
         </p:nvSpPr>
         <p:spPr>
           <a:xfrm>
-            <a:off x="5151600" y="3320280"/>
-            <a:ext cx="4391640" cy="1716840"/>
+            <a:off x="5152680" y="3044520"/>
+            <a:ext cx="4426920" cy="1568520"/>
           </a:xfrm>
           <a:prstGeom prst="rect">
             <a:avLst/>
@@ -5864,12 +5864,12 @@
           </a:bodyPr>
           <a:p>
             <a:pPr indent="0">
-              <a:spcAft>
-                <a:spcPts val="1060"/>
-              </a:spcAft>
-              <a:buNone/>
-            </a:pPr>
-            <a:endParaRPr b="0" lang="it-IT" sz="2400" spc="-1" strike="noStrike">
+              <a:spcBef>
+                <a:spcPts val="1417"/>
+              </a:spcBef>
+              <a:buNone/>
+            </a:pPr>
+            <a:endParaRPr b="0" lang="it-IT" sz="3200" spc="-1" strike="noStrike">
               <a:solidFill>
                 <a:srgbClr val="000000"/>
               </a:solidFill>
@@ -5885,7 +5885,7 @@
             <a:spLocks noGrp="1"/>
           </p:cNvSpPr>
           <p:nvPr>
-            <p:ph type="ftr" idx="8"/>
+            <p:ph type="ftr" idx="7"/>
           </p:nvPr>
         </p:nvSpPr>
         <p:spPr/>
@@ -5905,14 +5905,14 @@
             <a:spLocks noGrp="1"/>
           </p:cNvSpPr>
           <p:nvPr>
-            <p:ph type="sldNum" idx="9"/>
+            <p:ph type="sldNum" idx="8"/>
           </p:nvPr>
         </p:nvSpPr>
         <p:spPr/>
         <p:txBody>
           <a:bodyPr/>
           <a:p>
-            <a:fld id="{87818860-DE74-48E2-B7D8-99B7D73F4EFC}" type="slidenum">
+            <a:fld id="{1B3BB9E0-8282-4F46-B6F9-B4C031AF73F5}" type="slidenum">
               <a:t>&lt;#&gt;</a:t>
             </a:fld>
           </a:p>
@@ -5925,7 +5925,7 @@
             <a:spLocks noGrp="1"/>
           </p:cNvSpPr>
           <p:nvPr>
-            <p:ph type="dt" idx="7"/>
+            <p:ph type="dt" idx="9"/>
           </p:nvPr>
         </p:nvSpPr>
         <p:spPr/>
@@ -5974,7 +5974,7 @@
         <p:spPr>
           <a:xfrm>
             <a:off x="540000" y="270000"/>
-            <a:ext cx="9000000" cy="990000"/>
+            <a:ext cx="8999640" cy="989640"/>
           </a:xfrm>
           <a:prstGeom prst="rect">
             <a:avLst/>
@@ -5992,9 +5992,9 @@
             <a:pPr indent="0" algn="ctr">
               <a:buNone/>
             </a:pPr>
-            <a:endParaRPr b="0" lang="it-IT" sz="3300" spc="-1" strike="noStrike">
-              <a:solidFill>
-                <a:srgbClr val="ffffff"/>
+            <a:endParaRPr b="0" lang="it-IT" sz="4400" spc="-1" strike="noStrike">
+              <a:solidFill>
+                <a:srgbClr val="000000"/>
               </a:solidFill>
               <a:latin typeface="Arial"/>
             </a:endParaRPr>
@@ -6013,8 +6013,8 @@
         </p:nvSpPr>
         <p:spPr>
           <a:xfrm>
-            <a:off x="540000" y="1440000"/>
-            <a:ext cx="2897640" cy="1716840"/>
+            <a:off x="504000" y="1326600"/>
+            <a:ext cx="2921040" cy="1568520"/>
           </a:xfrm>
           <a:prstGeom prst="rect">
             <a:avLst/>
@@ -6030,12 +6030,12 @@
           </a:bodyPr>
           <a:p>
             <a:pPr indent="0">
-              <a:spcAft>
-                <a:spcPts val="1060"/>
-              </a:spcAft>
-              <a:buNone/>
-            </a:pPr>
-            <a:endParaRPr b="0" lang="it-IT" sz="2400" spc="-1" strike="noStrike">
+              <a:spcBef>
+                <a:spcPts val="1417"/>
+              </a:spcBef>
+              <a:buNone/>
+            </a:pPr>
+            <a:endParaRPr b="0" lang="it-IT" sz="3200" spc="-1" strike="noStrike">
               <a:solidFill>
                 <a:srgbClr val="000000"/>
               </a:solidFill>
@@ -6056,8 +6056,8 @@
         </p:nvSpPr>
         <p:spPr>
           <a:xfrm>
-            <a:off x="3583080" y="1440000"/>
-            <a:ext cx="2897640" cy="1716840"/>
+            <a:off x="3571560" y="1326600"/>
+            <a:ext cx="2921040" cy="1568520"/>
           </a:xfrm>
           <a:prstGeom prst="rect">
             <a:avLst/>
@@ -6073,12 +6073,12 @@
           </a:bodyPr>
           <a:p>
             <a:pPr indent="0">
-              <a:spcAft>
-                <a:spcPts val="1060"/>
-              </a:spcAft>
-              <a:buNone/>
-            </a:pPr>
-            <a:endParaRPr b="0" lang="it-IT" sz="2400" spc="-1" strike="noStrike">
+              <a:spcBef>
+                <a:spcPts val="1417"/>
+              </a:spcBef>
+              <a:buNone/>
+            </a:pPr>
+            <a:endParaRPr b="0" lang="it-IT" sz="3200" spc="-1" strike="noStrike">
               <a:solidFill>
                 <a:srgbClr val="000000"/>
               </a:solidFill>
@@ -6099,8 +6099,8 @@
         </p:nvSpPr>
         <p:spPr>
           <a:xfrm>
-            <a:off x="6625800" y="1440000"/>
-            <a:ext cx="2897640" cy="1716840"/>
+            <a:off x="6639120" y="1326600"/>
+            <a:ext cx="2921040" cy="1568520"/>
           </a:xfrm>
           <a:prstGeom prst="rect">
             <a:avLst/>
@@ -6116,12 +6116,12 @@
           </a:bodyPr>
           <a:p>
             <a:pPr indent="0">
-              <a:spcAft>
-                <a:spcPts val="1060"/>
-              </a:spcAft>
-              <a:buNone/>
-            </a:pPr>
-            <a:endParaRPr b="0" lang="it-IT" sz="2400" spc="-1" strike="noStrike">
+              <a:spcBef>
+                <a:spcPts val="1417"/>
+              </a:spcBef>
+              <a:buNone/>
+            </a:pPr>
+            <a:endParaRPr b="0" lang="it-IT" sz="3200" spc="-1" strike="noStrike">
               <a:solidFill>
                 <a:srgbClr val="000000"/>
               </a:solidFill>
@@ -6142,8 +6142,8 @@
         </p:nvSpPr>
         <p:spPr>
           <a:xfrm>
-            <a:off x="540000" y="3320280"/>
-            <a:ext cx="2897640" cy="1716840"/>
+            <a:off x="504000" y="3044520"/>
+            <a:ext cx="2921040" cy="1568520"/>
           </a:xfrm>
           <a:prstGeom prst="rect">
             <a:avLst/>
@@ -6159,12 +6159,12 @@
           </a:bodyPr>
           <a:p>
             <a:pPr indent="0">
-              <a:spcAft>
-                <a:spcPts val="1060"/>
-              </a:spcAft>
-              <a:buNone/>
-            </a:pPr>
-            <a:endParaRPr b="0" lang="it-IT" sz="2400" spc="-1" strike="noStrike">
+              <a:spcBef>
+                <a:spcPts val="1417"/>
+              </a:spcBef>
+              <a:buNone/>
+            </a:pPr>
+            <a:endParaRPr b="0" lang="it-IT" sz="3200" spc="-1" strike="noStrike">
               <a:solidFill>
                 <a:srgbClr val="000000"/>
               </a:solidFill>
@@ -6185,8 +6185,8 @@
         </p:nvSpPr>
         <p:spPr>
           <a:xfrm>
-            <a:off x="3583080" y="3320280"/>
-            <a:ext cx="2897640" cy="1716840"/>
+            <a:off x="3571560" y="3044520"/>
+            <a:ext cx="2921040" cy="1568520"/>
           </a:xfrm>
           <a:prstGeom prst="rect">
             <a:avLst/>
@@ -6202,12 +6202,12 @@
           </a:bodyPr>
           <a:p>
             <a:pPr indent="0">
-              <a:spcAft>
-                <a:spcPts val="1060"/>
-              </a:spcAft>
-              <a:buNone/>
-            </a:pPr>
-            <a:endParaRPr b="0" lang="it-IT" sz="2400" spc="-1" strike="noStrike">
+              <a:spcBef>
+                <a:spcPts val="1417"/>
+              </a:spcBef>
+              <a:buNone/>
+            </a:pPr>
+            <a:endParaRPr b="0" lang="it-IT" sz="3200" spc="-1" strike="noStrike">
               <a:solidFill>
                 <a:srgbClr val="000000"/>
               </a:solidFill>
@@ -6228,8 +6228,8 @@
         </p:nvSpPr>
         <p:spPr>
           <a:xfrm>
-            <a:off x="6625800" y="3320280"/>
-            <a:ext cx="2897640" cy="1716840"/>
+            <a:off x="6639120" y="3044520"/>
+            <a:ext cx="2921040" cy="1568520"/>
           </a:xfrm>
           <a:prstGeom prst="rect">
             <a:avLst/>
@@ -6245,12 +6245,12 @@
           </a:bodyPr>
           <a:p>
             <a:pPr indent="0">
-              <a:spcAft>
-                <a:spcPts val="1060"/>
-              </a:spcAft>
-              <a:buNone/>
-            </a:pPr>
-            <a:endParaRPr b="0" lang="it-IT" sz="2400" spc="-1" strike="noStrike">
+              <a:spcBef>
+                <a:spcPts val="1417"/>
+              </a:spcBef>
+              <a:buNone/>
+            </a:pPr>
+            <a:endParaRPr b="0" lang="it-IT" sz="3200" spc="-1" strike="noStrike">
               <a:solidFill>
                 <a:srgbClr val="000000"/>
               </a:solidFill>
@@ -6266,7 +6266,7 @@
             <a:spLocks noGrp="1"/>
           </p:cNvSpPr>
           <p:nvPr>
-            <p:ph type="ftr" idx="8"/>
+            <p:ph type="ftr" idx="7"/>
           </p:nvPr>
         </p:nvSpPr>
         <p:spPr/>
@@ -6286,14 +6286,14 @@
             <a:spLocks noGrp="1"/>
           </p:cNvSpPr>
           <p:nvPr>
-            <p:ph type="sldNum" idx="9"/>
+            <p:ph type="sldNum" idx="8"/>
           </p:nvPr>
         </p:nvSpPr>
         <p:spPr/>
         <p:txBody>
           <a:bodyPr/>
           <a:p>
-            <a:fld id="{7060C3B1-5861-48FB-A661-88917F050412}" type="slidenum">
+            <a:fld id="{A8D7A0C3-FCA7-4EFD-8D5E-0F2CC186281F}" type="slidenum">
               <a:t>&lt;#&gt;</a:t>
             </a:fld>
           </a:p>
@@ -6306,7 +6306,7 @@
             <a:spLocks noGrp="1"/>
           </p:cNvSpPr>
           <p:nvPr>
-            <p:ph type="dt" idx="7"/>
+            <p:ph type="dt" idx="9"/>
           </p:nvPr>
         </p:nvSpPr>
         <p:spPr/>
@@ -6355,7 +6355,7 @@
         <p:spPr>
           <a:xfrm>
             <a:off x="540000" y="270000"/>
-            <a:ext cx="9000000" cy="990000"/>
+            <a:ext cx="8999640" cy="989640"/>
           </a:xfrm>
           <a:prstGeom prst="rect">
             <a:avLst/>
@@ -6373,9 +6373,9 @@
             <a:pPr indent="0" algn="ctr">
               <a:buNone/>
             </a:pPr>
-            <a:endParaRPr b="0" lang="it-IT" sz="3300" spc="-1" strike="noStrike">
-              <a:solidFill>
-                <a:srgbClr val="ffffff"/>
+            <a:endParaRPr b="0" lang="it-IT" sz="4400" spc="-1" strike="noStrike">
+              <a:solidFill>
+                <a:srgbClr val="000000"/>
               </a:solidFill>
               <a:latin typeface="Arial"/>
             </a:endParaRPr>
@@ -6394,8 +6394,8 @@
         </p:nvSpPr>
         <p:spPr>
           <a:xfrm>
-            <a:off x="540000" y="1440000"/>
-            <a:ext cx="4391640" cy="3600000"/>
+            <a:off x="504000" y="1326600"/>
+            <a:ext cx="4426920" cy="3288600"/>
           </a:xfrm>
           <a:prstGeom prst="rect">
             <a:avLst/>
@@ -6411,12 +6411,12 @@
           </a:bodyPr>
           <a:p>
             <a:pPr indent="0">
-              <a:spcAft>
-                <a:spcPts val="1060"/>
-              </a:spcAft>
-              <a:buNone/>
-            </a:pPr>
-            <a:endParaRPr b="0" lang="it-IT" sz="2400" spc="-1" strike="noStrike">
+              <a:spcBef>
+                <a:spcPts val="1417"/>
+              </a:spcBef>
+              <a:buNone/>
+            </a:pPr>
+            <a:endParaRPr b="0" lang="it-IT" sz="3200" spc="-1" strike="noStrike">
               <a:solidFill>
                 <a:srgbClr val="000000"/>
               </a:solidFill>
@@ -6437,8 +6437,8 @@
         </p:nvSpPr>
         <p:spPr>
           <a:xfrm>
-            <a:off x="5151600" y="1440000"/>
-            <a:ext cx="4391640" cy="3600000"/>
+            <a:off x="5152680" y="1326600"/>
+            <a:ext cx="4426920" cy="3288600"/>
           </a:xfrm>
           <a:prstGeom prst="rect">
             <a:avLst/>
@@ -6454,12 +6454,12 @@
           </a:bodyPr>
           <a:p>
             <a:pPr indent="0">
-              <a:spcAft>
-                <a:spcPts val="1060"/>
-              </a:spcAft>
-              <a:buNone/>
-            </a:pPr>
-            <a:endParaRPr b="0" lang="it-IT" sz="2400" spc="-1" strike="noStrike">
+              <a:spcBef>
+                <a:spcPts val="1417"/>
+              </a:spcBef>
+              <a:buNone/>
+            </a:pPr>
+            <a:endParaRPr b="0" lang="it-IT" sz="3200" spc="-1" strike="noStrike">
               <a:solidFill>
                 <a:srgbClr val="000000"/>
               </a:solidFill>
@@ -6475,7 +6475,7 @@
             <a:spLocks noGrp="1"/>
           </p:cNvSpPr>
           <p:nvPr>
-            <p:ph type="ftr" idx="2"/>
+            <p:ph type="ftr" idx="1"/>
           </p:nvPr>
         </p:nvSpPr>
         <p:spPr/>
@@ -6495,14 +6495,14 @@
             <a:spLocks noGrp="1"/>
           </p:cNvSpPr>
           <p:nvPr>
-            <p:ph type="sldNum" idx="3"/>
+            <p:ph type="sldNum" idx="2"/>
           </p:nvPr>
         </p:nvSpPr>
         <p:spPr/>
         <p:txBody>
           <a:bodyPr/>
           <a:p>
-            <a:fld id="{EF0410AF-CD35-4322-9E58-872C9E2F0FBB}" type="slidenum">
+            <a:fld id="{5E54EC04-3133-40FB-9BB6-A8948B280F4C}" type="slidenum">
               <a:t>&lt;#&gt;</a:t>
             </a:fld>
           </a:p>
@@ -6515,7 +6515,7 @@
             <a:spLocks noGrp="1"/>
           </p:cNvSpPr>
           <p:nvPr>
-            <p:ph type="dt" idx="1"/>
+            <p:ph type="dt" idx="3"/>
           </p:nvPr>
         </p:nvSpPr>
         <p:spPr/>
@@ -6564,7 +6564,7 @@
         <p:spPr>
           <a:xfrm>
             <a:off x="540000" y="270000"/>
-            <a:ext cx="9000000" cy="990000"/>
+            <a:ext cx="8999640" cy="989640"/>
           </a:xfrm>
           <a:prstGeom prst="rect">
             <a:avLst/>
@@ -6582,9 +6582,9 @@
             <a:pPr indent="0" algn="ctr">
               <a:buNone/>
             </a:pPr>
-            <a:endParaRPr b="0" lang="it-IT" sz="3300" spc="-1" strike="noStrike">
-              <a:solidFill>
-                <a:srgbClr val="ffffff"/>
+            <a:endParaRPr b="0" lang="it-IT" sz="4400" spc="-1" strike="noStrike">
+              <a:solidFill>
+                <a:srgbClr val="000000"/>
               </a:solidFill>
               <a:latin typeface="Arial"/>
             </a:endParaRPr>
@@ -6598,7 +6598,7 @@
             <a:spLocks noGrp="1"/>
           </p:cNvSpPr>
           <p:nvPr>
-            <p:ph type="ftr" idx="2"/>
+            <p:ph type="ftr" idx="1"/>
           </p:nvPr>
         </p:nvSpPr>
         <p:spPr/>
@@ -6618,14 +6618,14 @@
             <a:spLocks noGrp="1"/>
           </p:cNvSpPr>
           <p:nvPr>
-            <p:ph type="sldNum" idx="3"/>
+            <p:ph type="sldNum" idx="2"/>
           </p:nvPr>
         </p:nvSpPr>
         <p:spPr/>
         <p:txBody>
           <a:bodyPr/>
           <a:p>
-            <a:fld id="{C4706DD4-9EC7-4BAA-B294-09CCD7F45EE0}" type="slidenum">
+            <a:fld id="{2E6E5380-38A7-42CA-8D81-C72DE2E6330B}" type="slidenum">
               <a:t>&lt;#&gt;</a:t>
             </a:fld>
           </a:p>
@@ -6638,7 +6638,7 @@
             <a:spLocks noGrp="1"/>
           </p:cNvSpPr>
           <p:nvPr>
-            <p:ph type="dt" idx="1"/>
+            <p:ph type="dt" idx="3"/>
           </p:nvPr>
         </p:nvSpPr>
         <p:spPr/>
@@ -6687,7 +6687,7 @@
         <p:spPr>
           <a:xfrm>
             <a:off x="540000" y="270000"/>
-            <a:ext cx="9000000" cy="4590360"/>
+            <a:ext cx="8999640" cy="4588560"/>
           </a:xfrm>
           <a:prstGeom prst="rect">
             <a:avLst/>
@@ -6719,7 +6719,7 @@
             <a:spLocks noGrp="1"/>
           </p:cNvSpPr>
           <p:nvPr>
-            <p:ph type="ftr" idx="2"/>
+            <p:ph type="ftr" idx="1"/>
           </p:nvPr>
         </p:nvSpPr>
         <p:spPr/>
@@ -6739,14 +6739,14 @@
             <a:spLocks noGrp="1"/>
           </p:cNvSpPr>
           <p:nvPr>
-            <p:ph type="sldNum" idx="3"/>
+            <p:ph type="sldNum" idx="2"/>
           </p:nvPr>
         </p:nvSpPr>
         <p:spPr/>
         <p:txBody>
           <a:bodyPr/>
           <a:p>
-            <a:fld id="{86696D11-56F9-4E2B-89BA-4D3F4CE939C5}" type="slidenum">
+            <a:fld id="{9BC52443-291C-4D7E-8744-FC8980786F18}" type="slidenum">
               <a:t>&lt;#&gt;</a:t>
             </a:fld>
           </a:p>
@@ -6759,7 +6759,7 @@
             <a:spLocks noGrp="1"/>
           </p:cNvSpPr>
           <p:nvPr>
-            <p:ph type="dt" idx="1"/>
+            <p:ph type="dt" idx="3"/>
           </p:nvPr>
         </p:nvSpPr>
         <p:spPr/>
@@ -6808,7 +6808,7 @@
         <p:spPr>
           <a:xfrm>
             <a:off x="540000" y="270000"/>
-            <a:ext cx="9000000" cy="990000"/>
+            <a:ext cx="8999640" cy="989640"/>
           </a:xfrm>
           <a:prstGeom prst="rect">
             <a:avLst/>
@@ -6826,9 +6826,9 @@
             <a:pPr indent="0" algn="ctr">
               <a:buNone/>
             </a:pPr>
-            <a:endParaRPr b="0" lang="it-IT" sz="3300" spc="-1" strike="noStrike">
-              <a:solidFill>
-                <a:srgbClr val="ffffff"/>
+            <a:endParaRPr b="0" lang="it-IT" sz="4400" spc="-1" strike="noStrike">
+              <a:solidFill>
+                <a:srgbClr val="000000"/>
               </a:solidFill>
               <a:latin typeface="Arial"/>
             </a:endParaRPr>
@@ -6847,8 +6847,8 @@
         </p:nvSpPr>
         <p:spPr>
           <a:xfrm>
-            <a:off x="540000" y="1440000"/>
-            <a:ext cx="4391640" cy="1716840"/>
+            <a:off x="504000" y="1326600"/>
+            <a:ext cx="4426920" cy="1568520"/>
           </a:xfrm>
           <a:prstGeom prst="rect">
             <a:avLst/>
@@ -6864,12 +6864,12 @@
           </a:bodyPr>
           <a:p>
             <a:pPr indent="0">
-              <a:spcAft>
-                <a:spcPts val="1060"/>
-              </a:spcAft>
-              <a:buNone/>
-            </a:pPr>
-            <a:endParaRPr b="0" lang="it-IT" sz="2400" spc="-1" strike="noStrike">
+              <a:spcBef>
+                <a:spcPts val="1417"/>
+              </a:spcBef>
+              <a:buNone/>
+            </a:pPr>
+            <a:endParaRPr b="0" lang="it-IT" sz="3200" spc="-1" strike="noStrike">
               <a:solidFill>
                 <a:srgbClr val="000000"/>
               </a:solidFill>
@@ -6890,8 +6890,8 @@
         </p:nvSpPr>
         <p:spPr>
           <a:xfrm>
-            <a:off x="5151600" y="1440000"/>
-            <a:ext cx="4391640" cy="3600000"/>
+            <a:off x="5152680" y="1326600"/>
+            <a:ext cx="4426920" cy="3288600"/>
           </a:xfrm>
           <a:prstGeom prst="rect">
             <a:avLst/>
@@ -6907,12 +6907,12 @@
           </a:bodyPr>
           <a:p>
             <a:pPr indent="0">
-              <a:spcAft>
-                <a:spcPts val="1060"/>
-              </a:spcAft>
-              <a:buNone/>
-            </a:pPr>
-            <a:endParaRPr b="0" lang="it-IT" sz="2400" spc="-1" strike="noStrike">
+              <a:spcBef>
+                <a:spcPts val="1417"/>
+              </a:spcBef>
+              <a:buNone/>
+            </a:pPr>
+            <a:endParaRPr b="0" lang="it-IT" sz="3200" spc="-1" strike="noStrike">
               <a:solidFill>
                 <a:srgbClr val="000000"/>
               </a:solidFill>
@@ -6933,8 +6933,8 @@
         </p:nvSpPr>
         <p:spPr>
           <a:xfrm>
-            <a:off x="540000" y="3320280"/>
-            <a:ext cx="4391640" cy="1716840"/>
+            <a:off x="504000" y="3044520"/>
+            <a:ext cx="4426920" cy="1568520"/>
           </a:xfrm>
           <a:prstGeom prst="rect">
             <a:avLst/>
@@ -6950,12 +6950,12 @@
           </a:bodyPr>
           <a:p>
             <a:pPr indent="0">
-              <a:spcAft>
-                <a:spcPts val="1060"/>
-              </a:spcAft>
-              <a:buNone/>
-            </a:pPr>
-            <a:endParaRPr b="0" lang="it-IT" sz="2400" spc="-1" strike="noStrike">
+              <a:spcBef>
+                <a:spcPts val="1417"/>
+              </a:spcBef>
+              <a:buNone/>
+            </a:pPr>
+            <a:endParaRPr b="0" lang="it-IT" sz="3200" spc="-1" strike="noStrike">
               <a:solidFill>
                 <a:srgbClr val="000000"/>
               </a:solidFill>
@@ -6971,7 +6971,7 @@
             <a:spLocks noGrp="1"/>
           </p:cNvSpPr>
           <p:nvPr>
-            <p:ph type="ftr" idx="2"/>
+            <p:ph type="ftr" idx="1"/>
           </p:nvPr>
         </p:nvSpPr>
         <p:spPr/>
@@ -6991,14 +6991,14 @@
             <a:spLocks noGrp="1"/>
           </p:cNvSpPr>
           <p:nvPr>
-            <p:ph type="sldNum" idx="3"/>
+            <p:ph type="sldNum" idx="2"/>
           </p:nvPr>
         </p:nvSpPr>
         <p:spPr/>
         <p:txBody>
           <a:bodyPr/>
           <a:p>
-            <a:fld id="{A6C2ADFC-89BB-4215-9267-20AD9F4DFB58}" type="slidenum">
+            <a:fld id="{C7AC9ABE-EF61-4D67-B478-2EBDCA13B460}" type="slidenum">
               <a:t>&lt;#&gt;</a:t>
             </a:fld>
           </a:p>
@@ -7011,7 +7011,7 @@
             <a:spLocks noGrp="1"/>
           </p:cNvSpPr>
           <p:nvPr>
-            <p:ph type="dt" idx="1"/>
+            <p:ph type="dt" idx="3"/>
           </p:nvPr>
         </p:nvSpPr>
         <p:spPr/>
@@ -7060,7 +7060,7 @@
         <p:spPr>
           <a:xfrm>
             <a:off x="540000" y="270000"/>
-            <a:ext cx="9000000" cy="990000"/>
+            <a:ext cx="8999640" cy="989640"/>
           </a:xfrm>
           <a:prstGeom prst="rect">
             <a:avLst/>
@@ -7078,9 +7078,9 @@
             <a:pPr indent="0" algn="ctr">
               <a:buNone/>
             </a:pPr>
-            <a:endParaRPr b="0" lang="it-IT" sz="3300" spc="-1" strike="noStrike">
-              <a:solidFill>
-                <a:srgbClr val="ffffff"/>
+            <a:endParaRPr b="0" lang="it-IT" sz="4400" spc="-1" strike="noStrike">
+              <a:solidFill>
+                <a:srgbClr val="000000"/>
               </a:solidFill>
               <a:latin typeface="Arial"/>
             </a:endParaRPr>
@@ -7099,8 +7099,8 @@
         </p:nvSpPr>
         <p:spPr>
           <a:xfrm>
-            <a:off x="540000" y="1440000"/>
-            <a:ext cx="4391640" cy="3600000"/>
+            <a:off x="504000" y="1326600"/>
+            <a:ext cx="4426920" cy="3288600"/>
           </a:xfrm>
           <a:prstGeom prst="rect">
             <a:avLst/>
@@ -7116,12 +7116,12 @@
           </a:bodyPr>
           <a:p>
             <a:pPr indent="0">
-              <a:spcAft>
-                <a:spcPts val="1060"/>
-              </a:spcAft>
-              <a:buNone/>
-            </a:pPr>
-            <a:endParaRPr b="0" lang="it-IT" sz="2400" spc="-1" strike="noStrike">
+              <a:spcBef>
+                <a:spcPts val="1417"/>
+              </a:spcBef>
+              <a:buNone/>
+            </a:pPr>
+            <a:endParaRPr b="0" lang="it-IT" sz="3200" spc="-1" strike="noStrike">
               <a:solidFill>
                 <a:srgbClr val="000000"/>
               </a:solidFill>
@@ -7142,8 +7142,8 @@
         </p:nvSpPr>
         <p:spPr>
           <a:xfrm>
-            <a:off x="5151600" y="1440000"/>
-            <a:ext cx="4391640" cy="1716840"/>
+            <a:off x="5152680" y="1326600"/>
+            <a:ext cx="4426920" cy="1568520"/>
           </a:xfrm>
           <a:prstGeom prst="rect">
             <a:avLst/>
@@ -7159,12 +7159,12 @@
           </a:bodyPr>
           <a:p>
             <a:pPr indent="0">
-              <a:spcAft>
-                <a:spcPts val="1060"/>
-              </a:spcAft>
-              <a:buNone/>
-            </a:pPr>
-            <a:endParaRPr b="0" lang="it-IT" sz="2400" spc="-1" strike="noStrike">
+              <a:spcBef>
+                <a:spcPts val="1417"/>
+              </a:spcBef>
+              <a:buNone/>
+            </a:pPr>
+            <a:endParaRPr b="0" lang="it-IT" sz="3200" spc="-1" strike="noStrike">
               <a:solidFill>
                 <a:srgbClr val="000000"/>
               </a:solidFill>
@@ -7185,8 +7185,8 @@
         </p:nvSpPr>
         <p:spPr>
           <a:xfrm>
-            <a:off x="5151600" y="3320280"/>
-            <a:ext cx="4391640" cy="1716840"/>
+            <a:off x="5152680" y="3044520"/>
+            <a:ext cx="4426920" cy="1568520"/>
           </a:xfrm>
           <a:prstGeom prst="rect">
             <a:avLst/>
@@ -7202,12 +7202,12 @@
           </a:bodyPr>
           <a:p>
             <a:pPr indent="0">
-              <a:spcAft>
-                <a:spcPts val="1060"/>
-              </a:spcAft>
-              <a:buNone/>
-            </a:pPr>
-            <a:endParaRPr b="0" lang="it-IT" sz="2400" spc="-1" strike="noStrike">
+              <a:spcBef>
+                <a:spcPts val="1417"/>
+              </a:spcBef>
+              <a:buNone/>
+            </a:pPr>
+            <a:endParaRPr b="0" lang="it-IT" sz="3200" spc="-1" strike="noStrike">
               <a:solidFill>
                 <a:srgbClr val="000000"/>
               </a:solidFill>
@@ -7223,7 +7223,7 @@
             <a:spLocks noGrp="1"/>
           </p:cNvSpPr>
           <p:nvPr>
-            <p:ph type="ftr" idx="2"/>
+            <p:ph type="ftr" idx="1"/>
           </p:nvPr>
         </p:nvSpPr>
         <p:spPr/>
@@ -7243,14 +7243,14 @@
             <a:spLocks noGrp="1"/>
           </p:cNvSpPr>
           <p:nvPr>
-            <p:ph type="sldNum" idx="3"/>
+            <p:ph type="sldNum" idx="2"/>
           </p:nvPr>
         </p:nvSpPr>
         <p:spPr/>
         <p:txBody>
           <a:bodyPr/>
           <a:p>
-            <a:fld id="{BD484C36-BAF8-4933-A0BE-B983132B8B99}" type="slidenum">
+            <a:fld id="{1C091760-B3DF-4CCF-AA63-3B702A4759FA}" type="slidenum">
               <a:t>&lt;#&gt;</a:t>
             </a:fld>
           </a:p>
@@ -7263,7 +7263,7 @@
             <a:spLocks noGrp="1"/>
           </p:cNvSpPr>
           <p:nvPr>
-            <p:ph type="dt" idx="1"/>
+            <p:ph type="dt" idx="3"/>
           </p:nvPr>
         </p:nvSpPr>
         <p:spPr/>
@@ -7312,7 +7312,7 @@
         <p:spPr>
           <a:xfrm>
             <a:off x="540000" y="270000"/>
-            <a:ext cx="9000000" cy="990000"/>
+            <a:ext cx="8999640" cy="989640"/>
           </a:xfrm>
           <a:prstGeom prst="rect">
             <a:avLst/>
@@ -7330,9 +7330,9 @@
             <a:pPr indent="0" algn="ctr">
               <a:buNone/>
             </a:pPr>
-            <a:endParaRPr b="0" lang="it-IT" sz="3300" spc="-1" strike="noStrike">
-              <a:solidFill>
-                <a:srgbClr val="ffffff"/>
+            <a:endParaRPr b="0" lang="it-IT" sz="4400" spc="-1" strike="noStrike">
+              <a:solidFill>
+                <a:srgbClr val="000000"/>
               </a:solidFill>
               <a:latin typeface="Arial"/>
             </a:endParaRPr>
@@ -7351,8 +7351,8 @@
         </p:nvSpPr>
         <p:spPr>
           <a:xfrm>
-            <a:off x="540000" y="1440000"/>
-            <a:ext cx="4391640" cy="1716840"/>
+            <a:off x="504000" y="1326600"/>
+            <a:ext cx="4426920" cy="1568520"/>
           </a:xfrm>
           <a:prstGeom prst="rect">
             <a:avLst/>
@@ -7368,12 +7368,12 @@
           </a:bodyPr>
           <a:p>
             <a:pPr indent="0">
-              <a:spcAft>
-                <a:spcPts val="1060"/>
-              </a:spcAft>
-              <a:buNone/>
-            </a:pPr>
-            <a:endParaRPr b="0" lang="it-IT" sz="2400" spc="-1" strike="noStrike">
+              <a:spcBef>
+                <a:spcPts val="1417"/>
+              </a:spcBef>
+              <a:buNone/>
+            </a:pPr>
+            <a:endParaRPr b="0" lang="it-IT" sz="3200" spc="-1" strike="noStrike">
               <a:solidFill>
                 <a:srgbClr val="000000"/>
               </a:solidFill>
@@ -7394,8 +7394,8 @@
         </p:nvSpPr>
         <p:spPr>
           <a:xfrm>
-            <a:off x="5151600" y="1440000"/>
-            <a:ext cx="4391640" cy="1716840"/>
+            <a:off x="5152680" y="1326600"/>
+            <a:ext cx="4426920" cy="1568520"/>
           </a:xfrm>
           <a:prstGeom prst="rect">
             <a:avLst/>
@@ -7411,12 +7411,12 @@
           </a:bodyPr>
           <a:p>
             <a:pPr indent="0">
-              <a:spcAft>
-                <a:spcPts val="1060"/>
-              </a:spcAft>
-              <a:buNone/>
-            </a:pPr>
-            <a:endParaRPr b="0" lang="it-IT" sz="2400" spc="-1" strike="noStrike">
+              <a:spcBef>
+                <a:spcPts val="1417"/>
+              </a:spcBef>
+              <a:buNone/>
+            </a:pPr>
+            <a:endParaRPr b="0" lang="it-IT" sz="3200" spc="-1" strike="noStrike">
               <a:solidFill>
                 <a:srgbClr val="000000"/>
               </a:solidFill>
@@ -7437,8 +7437,8 @@
         </p:nvSpPr>
         <p:spPr>
           <a:xfrm>
-            <a:off x="540000" y="3320280"/>
-            <a:ext cx="9000000" cy="1716840"/>
+            <a:off x="504000" y="3044520"/>
+            <a:ext cx="9072000" cy="1568520"/>
           </a:xfrm>
           <a:prstGeom prst="rect">
             <a:avLst/>
@@ -7454,12 +7454,12 @@
           </a:bodyPr>
           <a:p>
             <a:pPr indent="0">
-              <a:spcAft>
-                <a:spcPts val="1060"/>
-              </a:spcAft>
-              <a:buNone/>
-            </a:pPr>
-            <a:endParaRPr b="0" lang="it-IT" sz="2400" spc="-1" strike="noStrike">
+              <a:spcBef>
+                <a:spcPts val="1417"/>
+              </a:spcBef>
+              <a:buNone/>
+            </a:pPr>
+            <a:endParaRPr b="0" lang="it-IT" sz="3200" spc="-1" strike="noStrike">
               <a:solidFill>
                 <a:srgbClr val="000000"/>
               </a:solidFill>
@@ -7475,7 +7475,7 @@
             <a:spLocks noGrp="1"/>
           </p:cNvSpPr>
           <p:nvPr>
-            <p:ph type="ftr" idx="2"/>
+            <p:ph type="ftr" idx="1"/>
           </p:nvPr>
         </p:nvSpPr>
         <p:spPr/>
@@ -7495,14 +7495,14 @@
             <a:spLocks noGrp="1"/>
           </p:cNvSpPr>
           <p:nvPr>
-            <p:ph type="sldNum" idx="3"/>
+            <p:ph type="sldNum" idx="2"/>
           </p:nvPr>
         </p:nvSpPr>
         <p:spPr/>
         <p:txBody>
           <a:bodyPr/>
           <a:p>
-            <a:fld id="{54CF98A1-DAD0-48DE-8DE6-183791D571AF}" type="slidenum">
+            <a:fld id="{541C8CE5-2B7C-4DF2-9CF2-B9281E8B7833}" type="slidenum">
               <a:t>&lt;#&gt;</a:t>
             </a:fld>
           </a:p>
@@ -7515,7 +7515,7 @@
             <a:spLocks noGrp="1"/>
           </p:cNvSpPr>
           <p:nvPr>
-            <p:ph type="dt" idx="1"/>
+            <p:ph type="dt" idx="3"/>
           </p:nvPr>
         </p:nvSpPr>
         <p:spPr/>
@@ -7560,7 +7560,7 @@
         <p:spPr>
           <a:xfrm>
             <a:off x="0" y="0"/>
-            <a:ext cx="10080000" cy="5670000"/>
+            <a:ext cx="10079640" cy="5669640"/>
           </a:xfrm>
           <a:prstGeom prst="rect">
             <a:avLst/>
@@ -7591,18 +7591,563 @@
             <a:noAutofit/>
           </a:bodyPr>
           <a:p>
+            <a:pPr>
+              <a:lnSpc>
+                <a:spcPct val="100000"/>
+              </a:lnSpc>
+            </a:pPr>
             <a:endParaRPr b="0" lang="it-IT" sz="2400" spc="-1" strike="noStrike">
               <a:solidFill>
                 <a:srgbClr val="ffffff"/>
               </a:solidFill>
               <a:latin typeface="Arial"/>
-            </a:endParaRPr>
-          </a:p>
-        </p:txBody>
-      </p:sp>
-      <p:sp>
-        <p:nvSpPr>
-          <p:cNvPr id="1" name="PlaceHolder 1"/>
+              <a:ea typeface="DejaVu Sans"/>
+            </a:endParaRPr>
+          </a:p>
+        </p:txBody>
+      </p:sp>
+      <p:sp>
+        <p:nvSpPr>
+          <p:cNvPr id="1" name=""/>
+          <p:cNvSpPr/>
+          <p:nvPr/>
+        </p:nvSpPr>
+        <p:spPr>
+          <a:xfrm>
+            <a:off x="1440000" y="1080000"/>
+            <a:ext cx="1439640" cy="1259640"/>
+          </a:xfrm>
+          <a:prstGeom prst="ellipse">
+            <a:avLst/>
+          </a:prstGeom>
+          <a:solidFill>
+            <a:srgbClr val="ffffff">
+              <a:alpha val="30000"/>
+            </a:srgbClr>
+          </a:solidFill>
+          <a:ln w="0">
+            <a:noFill/>
+          </a:ln>
+        </p:spPr>
+        <p:style>
+          <a:lnRef idx="0"/>
+          <a:fillRef idx="0"/>
+          <a:effectRef idx="0"/>
+          <a:fontRef idx="minor"/>
+        </p:style>
+        <p:txBody>
+          <a:bodyPr wrap="none" lIns="0" rIns="0" tIns="0" bIns="0" anchor="b">
+            <a:noAutofit/>
+          </a:bodyPr>
+          <a:p>
+            <a:pPr>
+              <a:lnSpc>
+                <a:spcPct val="100000"/>
+              </a:lnSpc>
+            </a:pPr>
+            <a:endParaRPr b="0" lang="it-IT" sz="2400" spc="-1" strike="noStrike">
+              <a:solidFill>
+                <a:srgbClr val="ffffff"/>
+              </a:solidFill>
+              <a:latin typeface="Arial"/>
+              <a:ea typeface="DejaVu Sans"/>
+            </a:endParaRPr>
+          </a:p>
+        </p:txBody>
+      </p:sp>
+      <p:sp>
+        <p:nvSpPr>
+          <p:cNvPr id="2" name=""/>
+          <p:cNvSpPr/>
+          <p:nvPr/>
+        </p:nvSpPr>
+        <p:spPr>
+          <a:xfrm>
+            <a:off x="7380000" y="3960000"/>
+            <a:ext cx="1439640" cy="1259640"/>
+          </a:xfrm>
+          <a:prstGeom prst="ellipse">
+            <a:avLst/>
+          </a:prstGeom>
+          <a:solidFill>
+            <a:srgbClr val="ffffff">
+              <a:alpha val="30000"/>
+            </a:srgbClr>
+          </a:solidFill>
+          <a:ln w="0">
+            <a:noFill/>
+          </a:ln>
+        </p:spPr>
+        <p:style>
+          <a:lnRef idx="0"/>
+          <a:fillRef idx="0"/>
+          <a:effectRef idx="0"/>
+          <a:fontRef idx="minor"/>
+        </p:style>
+        <p:txBody>
+          <a:bodyPr wrap="none" lIns="0" rIns="0" tIns="0" bIns="0" anchor="b">
+            <a:noAutofit/>
+          </a:bodyPr>
+          <a:p>
+            <a:pPr>
+              <a:lnSpc>
+                <a:spcPct val="100000"/>
+              </a:lnSpc>
+            </a:pPr>
+            <a:endParaRPr b="0" lang="it-IT" sz="2400" spc="-1" strike="noStrike">
+              <a:solidFill>
+                <a:srgbClr val="ffffff"/>
+              </a:solidFill>
+              <a:latin typeface="Arial"/>
+              <a:ea typeface="DejaVu Sans"/>
+            </a:endParaRPr>
+          </a:p>
+        </p:txBody>
+      </p:sp>
+      <p:sp>
+        <p:nvSpPr>
+          <p:cNvPr id="3" name=""/>
+          <p:cNvSpPr/>
+          <p:nvPr/>
+        </p:nvSpPr>
+        <p:spPr>
+          <a:xfrm>
+            <a:off x="9000000" y="2700000"/>
+            <a:ext cx="1259640" cy="1079640"/>
+          </a:xfrm>
+          <a:prstGeom prst="ellipse">
+            <a:avLst/>
+          </a:prstGeom>
+          <a:solidFill>
+            <a:srgbClr val="ffffff">
+              <a:alpha val="20000"/>
+            </a:srgbClr>
+          </a:solidFill>
+          <a:ln w="0">
+            <a:noFill/>
+          </a:ln>
+        </p:spPr>
+        <p:style>
+          <a:lnRef idx="0"/>
+          <a:fillRef idx="0"/>
+          <a:effectRef idx="0"/>
+          <a:fontRef idx="minor"/>
+        </p:style>
+        <p:txBody>
+          <a:bodyPr wrap="none" lIns="0" rIns="0" tIns="0" bIns="0" anchor="b">
+            <a:noAutofit/>
+          </a:bodyPr>
+          <a:p>
+            <a:pPr>
+              <a:lnSpc>
+                <a:spcPct val="100000"/>
+              </a:lnSpc>
+            </a:pPr>
+            <a:endParaRPr b="0" lang="it-IT" sz="2400" spc="-1" strike="noStrike">
+              <a:solidFill>
+                <a:srgbClr val="ffffff"/>
+              </a:solidFill>
+              <a:latin typeface="Arial"/>
+              <a:ea typeface="DejaVu Sans"/>
+            </a:endParaRPr>
+          </a:p>
+        </p:txBody>
+      </p:sp>
+      <p:sp>
+        <p:nvSpPr>
+          <p:cNvPr id="4" name=""/>
+          <p:cNvSpPr/>
+          <p:nvPr/>
+        </p:nvSpPr>
+        <p:spPr>
+          <a:xfrm>
+            <a:off x="-180000" y="2430000"/>
+            <a:ext cx="1439640" cy="1349640"/>
+          </a:xfrm>
+          <a:prstGeom prst="ellipse">
+            <a:avLst/>
+          </a:prstGeom>
+          <a:solidFill>
+            <a:srgbClr val="ffffff">
+              <a:alpha val="20000"/>
+            </a:srgbClr>
+          </a:solidFill>
+          <a:ln w="0">
+            <a:noFill/>
+          </a:ln>
+        </p:spPr>
+        <p:style>
+          <a:lnRef idx="0"/>
+          <a:fillRef idx="0"/>
+          <a:effectRef idx="0"/>
+          <a:fontRef idx="minor"/>
+        </p:style>
+        <p:txBody>
+          <a:bodyPr wrap="none" lIns="0" rIns="0" tIns="0" bIns="0" anchor="b">
+            <a:noAutofit/>
+          </a:bodyPr>
+          <a:p>
+            <a:pPr>
+              <a:lnSpc>
+                <a:spcPct val="100000"/>
+              </a:lnSpc>
+            </a:pPr>
+            <a:endParaRPr b="0" lang="it-IT" sz="2400" spc="-1" strike="noStrike">
+              <a:solidFill>
+                <a:srgbClr val="ffffff"/>
+              </a:solidFill>
+              <a:latin typeface="Arial"/>
+              <a:ea typeface="DejaVu Sans"/>
+            </a:endParaRPr>
+          </a:p>
+        </p:txBody>
+      </p:sp>
+      <p:sp>
+        <p:nvSpPr>
+          <p:cNvPr id="5" name=""/>
+          <p:cNvSpPr/>
+          <p:nvPr/>
+        </p:nvSpPr>
+        <p:spPr>
+          <a:xfrm>
+            <a:off x="540000" y="1080000"/>
+            <a:ext cx="719640" cy="719640"/>
+          </a:xfrm>
+          <a:prstGeom prst="ellipse">
+            <a:avLst/>
+          </a:prstGeom>
+          <a:solidFill>
+            <a:srgbClr val="ffffff">
+              <a:alpha val="20000"/>
+            </a:srgbClr>
+          </a:solidFill>
+          <a:ln w="0">
+            <a:noFill/>
+          </a:ln>
+        </p:spPr>
+        <p:style>
+          <a:lnRef idx="0"/>
+          <a:fillRef idx="0"/>
+          <a:effectRef idx="0"/>
+          <a:fontRef idx="minor"/>
+        </p:style>
+        <p:txBody>
+          <a:bodyPr wrap="none" lIns="0" rIns="0" tIns="0" bIns="0" anchor="b">
+            <a:noAutofit/>
+          </a:bodyPr>
+          <a:p>
+            <a:pPr>
+              <a:lnSpc>
+                <a:spcPct val="100000"/>
+              </a:lnSpc>
+            </a:pPr>
+            <a:endParaRPr b="0" lang="it-IT" sz="2400" spc="-1" strike="noStrike">
+              <a:solidFill>
+                <a:srgbClr val="ffffff"/>
+              </a:solidFill>
+              <a:latin typeface="Arial"/>
+              <a:ea typeface="DejaVu Sans"/>
+            </a:endParaRPr>
+          </a:p>
+        </p:txBody>
+      </p:sp>
+      <p:sp>
+        <p:nvSpPr>
+          <p:cNvPr id="6" name=""/>
+          <p:cNvSpPr/>
+          <p:nvPr/>
+        </p:nvSpPr>
+        <p:spPr>
+          <a:xfrm>
+            <a:off x="0" y="1260000"/>
+            <a:ext cx="719640" cy="719640"/>
+          </a:xfrm>
+          <a:prstGeom prst="ellipse">
+            <a:avLst/>
+          </a:prstGeom>
+          <a:solidFill>
+            <a:srgbClr val="ffffff">
+              <a:alpha val="10000"/>
+            </a:srgbClr>
+          </a:solidFill>
+          <a:ln w="0">
+            <a:noFill/>
+          </a:ln>
+        </p:spPr>
+        <p:style>
+          <a:lnRef idx="0"/>
+          <a:fillRef idx="0"/>
+          <a:effectRef idx="0"/>
+          <a:fontRef idx="minor"/>
+        </p:style>
+        <p:txBody>
+          <a:bodyPr wrap="none" lIns="0" rIns="0" tIns="0" bIns="0" anchor="b">
+            <a:noAutofit/>
+          </a:bodyPr>
+          <a:p>
+            <a:pPr>
+              <a:lnSpc>
+                <a:spcPct val="100000"/>
+              </a:lnSpc>
+            </a:pPr>
+            <a:endParaRPr b="0" lang="it-IT" sz="2400" spc="-1" strike="noStrike">
+              <a:solidFill>
+                <a:srgbClr val="ffffff"/>
+              </a:solidFill>
+              <a:latin typeface="Arial"/>
+              <a:ea typeface="DejaVu Sans"/>
+            </a:endParaRPr>
+          </a:p>
+        </p:txBody>
+      </p:sp>
+      <p:sp>
+        <p:nvSpPr>
+          <p:cNvPr id="7" name=""/>
+          <p:cNvSpPr/>
+          <p:nvPr/>
+        </p:nvSpPr>
+        <p:spPr>
+          <a:xfrm>
+            <a:off x="0" y="5220000"/>
+            <a:ext cx="1619640" cy="1259640"/>
+          </a:xfrm>
+          <a:prstGeom prst="ellipse">
+            <a:avLst/>
+          </a:prstGeom>
+          <a:solidFill>
+            <a:srgbClr val="ffffff">
+              <a:alpha val="15000"/>
+            </a:srgbClr>
+          </a:solidFill>
+          <a:ln w="0">
+            <a:noFill/>
+          </a:ln>
+        </p:spPr>
+        <p:style>
+          <a:lnRef idx="0"/>
+          <a:fillRef idx="0"/>
+          <a:effectRef idx="0"/>
+          <a:fontRef idx="minor"/>
+        </p:style>
+        <p:txBody>
+          <a:bodyPr wrap="none" lIns="0" rIns="0" tIns="0" bIns="0" anchor="b">
+            <a:noAutofit/>
+          </a:bodyPr>
+          <a:p>
+            <a:pPr>
+              <a:lnSpc>
+                <a:spcPct val="100000"/>
+              </a:lnSpc>
+            </a:pPr>
+            <a:endParaRPr b="0" lang="it-IT" sz="2400" spc="-1" strike="noStrike">
+              <a:solidFill>
+                <a:srgbClr val="ffffff"/>
+              </a:solidFill>
+              <a:latin typeface="Arial"/>
+              <a:ea typeface="DejaVu Sans"/>
+            </a:endParaRPr>
+          </a:p>
+        </p:txBody>
+      </p:sp>
+      <p:sp>
+        <p:nvSpPr>
+          <p:cNvPr id="8" name=""/>
+          <p:cNvSpPr/>
+          <p:nvPr/>
+        </p:nvSpPr>
+        <p:spPr>
+          <a:xfrm>
+            <a:off x="9720000" y="4680000"/>
+            <a:ext cx="719640" cy="719640"/>
+          </a:xfrm>
+          <a:prstGeom prst="ellipse">
+            <a:avLst/>
+          </a:prstGeom>
+          <a:solidFill>
+            <a:srgbClr val="ffffff">
+              <a:alpha val="30000"/>
+            </a:srgbClr>
+          </a:solidFill>
+          <a:ln w="0">
+            <a:noFill/>
+          </a:ln>
+        </p:spPr>
+        <p:style>
+          <a:lnRef idx="0"/>
+          <a:fillRef idx="0"/>
+          <a:effectRef idx="0"/>
+          <a:fontRef idx="minor"/>
+        </p:style>
+        <p:txBody>
+          <a:bodyPr wrap="none" lIns="0" rIns="0" tIns="0" bIns="0" anchor="b">
+            <a:noAutofit/>
+          </a:bodyPr>
+          <a:p>
+            <a:pPr>
+              <a:lnSpc>
+                <a:spcPct val="100000"/>
+              </a:lnSpc>
+            </a:pPr>
+            <a:endParaRPr b="0" lang="it-IT" sz="2400" spc="-1" strike="noStrike">
+              <a:solidFill>
+                <a:srgbClr val="ffffff"/>
+              </a:solidFill>
+              <a:latin typeface="Arial"/>
+              <a:ea typeface="DejaVu Sans"/>
+            </a:endParaRPr>
+          </a:p>
+        </p:txBody>
+      </p:sp>
+      <p:sp>
+        <p:nvSpPr>
+          <p:cNvPr id="9" name=""/>
+          <p:cNvSpPr/>
+          <p:nvPr/>
+        </p:nvSpPr>
+        <p:spPr>
+          <a:xfrm>
+            <a:off x="9540000" y="3420000"/>
+            <a:ext cx="719640" cy="719640"/>
+          </a:xfrm>
+          <a:prstGeom prst="ellipse">
+            <a:avLst/>
+          </a:prstGeom>
+          <a:solidFill>
+            <a:srgbClr val="ffffff">
+              <a:alpha val="10000"/>
+            </a:srgbClr>
+          </a:solidFill>
+          <a:ln w="0">
+            <a:noFill/>
+          </a:ln>
+        </p:spPr>
+        <p:style>
+          <a:lnRef idx="0"/>
+          <a:fillRef idx="0"/>
+          <a:effectRef idx="0"/>
+          <a:fontRef idx="minor"/>
+        </p:style>
+        <p:txBody>
+          <a:bodyPr wrap="none" lIns="0" rIns="0" tIns="0" bIns="0" anchor="b">
+            <a:noAutofit/>
+          </a:bodyPr>
+          <a:p>
+            <a:pPr>
+              <a:lnSpc>
+                <a:spcPct val="100000"/>
+              </a:lnSpc>
+            </a:pPr>
+            <a:endParaRPr b="0" lang="it-IT" sz="2400" spc="-1" strike="noStrike">
+              <a:solidFill>
+                <a:srgbClr val="ffffff"/>
+              </a:solidFill>
+              <a:latin typeface="Arial"/>
+              <a:ea typeface="DejaVu Sans"/>
+            </a:endParaRPr>
+          </a:p>
+        </p:txBody>
+      </p:sp>
+      <p:sp>
+        <p:nvSpPr>
+          <p:cNvPr id="10" name=""/>
+          <p:cNvSpPr/>
+          <p:nvPr/>
+        </p:nvSpPr>
+        <p:spPr>
+          <a:xfrm>
+            <a:off x="8100000" y="4680000"/>
+            <a:ext cx="1079640" cy="842040"/>
+          </a:xfrm>
+          <a:prstGeom prst="ellipse">
+            <a:avLst/>
+          </a:prstGeom>
+          <a:solidFill>
+            <a:srgbClr val="ffffff">
+              <a:alpha val="20000"/>
+            </a:srgbClr>
+          </a:solidFill>
+          <a:ln w="0">
+            <a:noFill/>
+          </a:ln>
+        </p:spPr>
+        <p:style>
+          <a:lnRef idx="0"/>
+          <a:fillRef idx="0"/>
+          <a:effectRef idx="0"/>
+          <a:fontRef idx="minor"/>
+        </p:style>
+        <p:txBody>
+          <a:bodyPr wrap="none" lIns="0" rIns="0" tIns="0" bIns="0" anchor="b">
+            <a:noAutofit/>
+          </a:bodyPr>
+          <a:p>
+            <a:pPr>
+              <a:lnSpc>
+                <a:spcPct val="100000"/>
+              </a:lnSpc>
+            </a:pPr>
+            <a:endParaRPr b="0" lang="it-IT" sz="2400" spc="-1" strike="noStrike">
+              <a:solidFill>
+                <a:srgbClr val="ffffff"/>
+              </a:solidFill>
+              <a:latin typeface="Arial"/>
+              <a:ea typeface="DejaVu Sans"/>
+            </a:endParaRPr>
+          </a:p>
+        </p:txBody>
+      </p:sp>
+      <p:sp>
+        <p:nvSpPr>
+          <p:cNvPr id="11" name=""/>
+          <p:cNvSpPr/>
+          <p:nvPr/>
+        </p:nvSpPr>
+        <p:spPr>
+          <a:xfrm>
+            <a:off x="7920000" y="5400000"/>
+            <a:ext cx="899640" cy="899640"/>
+          </a:xfrm>
+          <a:prstGeom prst="ellipse">
+            <a:avLst/>
+          </a:prstGeom>
+          <a:solidFill>
+            <a:srgbClr val="ffffff">
+              <a:alpha val="25000"/>
+            </a:srgbClr>
+          </a:solidFill>
+          <a:ln w="0">
+            <a:noFill/>
+          </a:ln>
+        </p:spPr>
+        <p:style>
+          <a:lnRef idx="0"/>
+          <a:fillRef idx="0"/>
+          <a:effectRef idx="0"/>
+          <a:fontRef idx="minor"/>
+        </p:style>
+        <p:txBody>
+          <a:bodyPr wrap="none" lIns="0" rIns="0" tIns="0" bIns="0" anchor="b">
+            <a:noAutofit/>
+          </a:bodyPr>
+          <a:p>
+            <a:pPr>
+              <a:lnSpc>
+                <a:spcPct val="100000"/>
+              </a:lnSpc>
+            </a:pPr>
+            <a:endParaRPr b="0" lang="it-IT" sz="2400" spc="-1" strike="noStrike">
+              <a:solidFill>
+                <a:srgbClr val="ffffff"/>
+              </a:solidFill>
+              <a:latin typeface="Arial"/>
+              <a:ea typeface="DejaVu Sans"/>
+            </a:endParaRPr>
+          </a:p>
+        </p:txBody>
+      </p:sp>
+      <p:sp>
+        <p:nvSpPr>
+          <p:cNvPr id="12" name="PlaceHolder 1"/>
           <p:cNvSpPr>
             <a:spLocks noGrp="1"/>
           </p:cNvSpPr>
@@ -7612,8 +8157,8 @@
         </p:nvSpPr>
         <p:spPr>
           <a:xfrm>
-            <a:off x="540000" y="1440000"/>
-            <a:ext cx="9000000" cy="990000"/>
+            <a:off x="540000" y="270000"/>
+            <a:ext cx="8999640" cy="989640"/>
           </a:xfrm>
           <a:prstGeom prst="rect">
             <a:avLst/>
@@ -7632,262 +8177,37 @@
               <a:buNone/>
             </a:pPr>
             <a:r>
-              <a:rPr b="0" lang="it-IT" sz="3300" spc="-1" strike="noStrike">
+              <a:rPr b="0" lang="it-IT" sz="1800" spc="-1" strike="noStrike">
                 <a:solidFill>
-                  <a:srgbClr val="ffffff"/>
+                  <a:srgbClr val="000000"/>
                 </a:solidFill>
                 <a:latin typeface="Arial"/>
               </a:rPr>
               <a:t>Fai clic per modificare il formato del testo del titolo</a:t>
             </a:r>
-            <a:endParaRPr b="0" lang="it-IT" sz="3300" spc="-1" strike="noStrike">
-              <a:solidFill>
-                <a:srgbClr val="ffffff"/>
-              </a:solidFill>
-              <a:latin typeface="Arial"/>
-            </a:endParaRPr>
-          </a:p>
-        </p:txBody>
-      </p:sp>
-      <p:sp>
-        <p:nvSpPr>
-          <p:cNvPr id="2" name="PlaceHolder 2"/>
-          <p:cNvSpPr>
-            <a:spLocks noGrp="1"/>
-          </p:cNvSpPr>
-          <p:nvPr>
-            <p:ph type="body"/>
-          </p:nvPr>
-        </p:nvSpPr>
-        <p:spPr>
-          <a:xfrm>
-            <a:off x="540000" y="2610000"/>
-            <a:ext cx="9000000" cy="2160000"/>
-          </a:xfrm>
-          <a:prstGeom prst="rect">
-            <a:avLst/>
-          </a:prstGeom>
-          <a:noFill/>
-          <a:ln w="0">
-            <a:noFill/>
-          </a:ln>
-        </p:spPr>
-        <p:txBody>
-          <a:bodyPr lIns="0" rIns="0" tIns="0" bIns="0" anchor="t">
-            <a:normAutofit/>
-          </a:bodyPr>
-          <a:p>
-            <a:pPr marL="432000" indent="-324000">
-              <a:spcAft>
-                <a:spcPts val="1057"/>
-              </a:spcAft>
-              <a:buClr>
-                <a:srgbClr val="ffffff"/>
-              </a:buClr>
-              <a:buSzPct val="45000"/>
-              <a:buFont typeface="Wingdings" charset="2"/>
-              <a:buChar char=""/>
-            </a:pPr>
-            <a:r>
-              <a:rPr b="0" lang="it-IT" sz="2400" spc="-1" strike="noStrike">
-                <a:solidFill>
-                  <a:srgbClr val="ffffff"/>
-                </a:solidFill>
-                <a:latin typeface="Arial"/>
-              </a:rPr>
-              <a:t>Fai clic per modificare il formato del testo della struttura</a:t>
-            </a:r>
-            <a:endParaRPr b="0" lang="it-IT" sz="2400" spc="-1" strike="noStrike">
-              <a:solidFill>
-                <a:srgbClr val="ffffff"/>
-              </a:solidFill>
-              <a:latin typeface="Arial"/>
-            </a:endParaRPr>
-          </a:p>
-          <a:p>
-            <a:pPr lvl="1" marL="864000" indent="-324000">
-              <a:spcAft>
-                <a:spcPts val="845"/>
-              </a:spcAft>
-              <a:buClr>
-                <a:srgbClr val="ffffff"/>
-              </a:buClr>
-              <a:buSzPct val="75000"/>
-              <a:buFont typeface="Symbol" charset="2"/>
-              <a:buChar char=""/>
-            </a:pPr>
-            <a:r>
-              <a:rPr b="0" lang="it-IT" sz="2100" spc="-1" strike="noStrike">
-                <a:solidFill>
-                  <a:srgbClr val="ffffff"/>
-                </a:solidFill>
-                <a:latin typeface="Arial"/>
-              </a:rPr>
-              <a:t>Secondo livello struttura</a:t>
-            </a:r>
-            <a:endParaRPr b="0" lang="it-IT" sz="2100" spc="-1" strike="noStrike">
-              <a:solidFill>
-                <a:srgbClr val="ffffff"/>
-              </a:solidFill>
-              <a:latin typeface="Arial"/>
-            </a:endParaRPr>
-          </a:p>
-          <a:p>
-            <a:pPr lvl="2" marL="1296000" indent="-288000">
-              <a:spcAft>
-                <a:spcPts val="632"/>
-              </a:spcAft>
-              <a:buClr>
-                <a:srgbClr val="ffffff"/>
-              </a:buClr>
-              <a:buSzPct val="45000"/>
-              <a:buFont typeface="Wingdings" charset="2"/>
-              <a:buChar char=""/>
-            </a:pPr>
-            <a:r>
-              <a:rPr b="0" lang="it-IT" sz="1800" spc="-1" strike="noStrike">
-                <a:solidFill>
-                  <a:srgbClr val="ffffff"/>
-                </a:solidFill>
-                <a:latin typeface="Arial"/>
-              </a:rPr>
-              <a:t>Terzo livello struttura</a:t>
-            </a:r>
             <a:endParaRPr b="0" lang="it-IT" sz="1800" spc="-1" strike="noStrike">
               <a:solidFill>
-                <a:srgbClr val="ffffff"/>
-              </a:solidFill>
-              <a:latin typeface="Arial"/>
-            </a:endParaRPr>
-          </a:p>
-          <a:p>
-            <a:pPr lvl="3" marL="1728000" indent="-216000">
-              <a:spcAft>
-                <a:spcPts val="425"/>
-              </a:spcAft>
-              <a:buClr>
-                <a:srgbClr val="ffffff"/>
-              </a:buClr>
-              <a:buSzPct val="75000"/>
-              <a:buFont typeface="Symbol" charset="2"/>
-              <a:buChar char=""/>
-            </a:pPr>
-            <a:r>
-              <a:rPr b="0" lang="it-IT" sz="1500" spc="-1" strike="noStrike">
-                <a:solidFill>
-                  <a:srgbClr val="ffffff"/>
-                </a:solidFill>
-                <a:latin typeface="Arial"/>
-              </a:rPr>
-              <a:t>Quarto livello struttura</a:t>
-            </a:r>
-            <a:endParaRPr b="0" lang="it-IT" sz="1500" spc="-1" strike="noStrike">
-              <a:solidFill>
-                <a:srgbClr val="ffffff"/>
-              </a:solidFill>
-              <a:latin typeface="Arial"/>
-            </a:endParaRPr>
-          </a:p>
-          <a:p>
-            <a:pPr lvl="4" marL="2160000" indent="-216000">
-              <a:spcAft>
-                <a:spcPts val="213"/>
-              </a:spcAft>
-              <a:buClr>
-                <a:srgbClr val="ffffff"/>
-              </a:buClr>
-              <a:buSzPct val="45000"/>
-              <a:buFont typeface="Wingdings" charset="2"/>
-              <a:buChar char=""/>
-            </a:pPr>
-            <a:r>
-              <a:rPr b="0" lang="it-IT" sz="1500" spc="-1" strike="noStrike">
-                <a:solidFill>
-                  <a:srgbClr val="ffffff"/>
-                </a:solidFill>
-                <a:latin typeface="Arial"/>
-              </a:rPr>
-              <a:t>Quinto livello struttura</a:t>
-            </a:r>
-            <a:endParaRPr b="0" lang="it-IT" sz="1500" spc="-1" strike="noStrike">
-              <a:solidFill>
-                <a:srgbClr val="ffffff"/>
-              </a:solidFill>
-              <a:latin typeface="Arial"/>
-            </a:endParaRPr>
-          </a:p>
-          <a:p>
-            <a:pPr lvl="5" marL="2592000" indent="-216000">
-              <a:spcAft>
-                <a:spcPts val="213"/>
-              </a:spcAft>
-              <a:buClr>
-                <a:srgbClr val="ffffff"/>
-              </a:buClr>
-              <a:buSzPct val="45000"/>
-              <a:buFont typeface="Wingdings" charset="2"/>
-              <a:buChar char=""/>
-            </a:pPr>
-            <a:r>
-              <a:rPr b="0" lang="it-IT" sz="1500" spc="-1" strike="noStrike">
-                <a:solidFill>
-                  <a:srgbClr val="ffffff"/>
-                </a:solidFill>
-                <a:latin typeface="Arial"/>
-              </a:rPr>
-              <a:t>Sesto livello struttura</a:t>
-            </a:r>
-            <a:endParaRPr b="0" lang="it-IT" sz="1500" spc="-1" strike="noStrike">
-              <a:solidFill>
-                <a:srgbClr val="ffffff"/>
-              </a:solidFill>
-              <a:latin typeface="Arial"/>
-            </a:endParaRPr>
-          </a:p>
-          <a:p>
-            <a:pPr lvl="6" marL="3024000" indent="-216000">
-              <a:spcAft>
-                <a:spcPts val="213"/>
-              </a:spcAft>
-              <a:buClr>
-                <a:srgbClr val="ffffff"/>
-              </a:buClr>
-              <a:buSzPct val="45000"/>
-              <a:buFont typeface="Wingdings" charset="2"/>
-              <a:buChar char=""/>
-            </a:pPr>
-            <a:r>
-              <a:rPr b="0" lang="it-IT" sz="1500" spc="-1" strike="noStrike">
-                <a:solidFill>
-                  <a:srgbClr val="ffffff"/>
-                </a:solidFill>
-                <a:latin typeface="Arial"/>
-              </a:rPr>
-              <a:t>Settimo livello struttura</a:t>
-            </a:r>
-            <a:endParaRPr b="0" lang="it-IT" sz="1500" spc="-1" strike="noStrike">
-              <a:solidFill>
-                <a:srgbClr val="ffffff"/>
-              </a:solidFill>
-              <a:latin typeface="Arial"/>
-            </a:endParaRPr>
-          </a:p>
-        </p:txBody>
-      </p:sp>
-      <p:sp>
-        <p:nvSpPr>
-          <p:cNvPr id="3" name="PlaceHolder 3"/>
-          <p:cNvSpPr>
-            <a:spLocks noGrp="1"/>
-          </p:cNvSpPr>
-          <p:nvPr>
-            <p:ph type="dt" idx="1"/>
-          </p:nvPr>
-        </p:nvSpPr>
-        <p:spPr>
-          <a:xfrm>
-            <a:off x="180000" y="5130000"/>
-            <a:ext cx="2340000" cy="392400"/>
+                <a:srgbClr val="000000"/>
+              </a:solidFill>
+              <a:latin typeface="Arial"/>
+            </a:endParaRPr>
+          </a:p>
+        </p:txBody>
+      </p:sp>
+      <p:sp>
+        <p:nvSpPr>
+          <p:cNvPr id="13" name="PlaceHolder 2"/>
+          <p:cNvSpPr>
+            <a:spLocks noGrp="1"/>
+          </p:cNvSpPr>
+          <p:nvPr>
+            <p:ph type="ftr" idx="1"/>
+          </p:nvPr>
+        </p:nvSpPr>
+        <p:spPr>
+          <a:xfrm>
+            <a:off x="3420000" y="5130000"/>
+            <a:ext cx="3239640" cy="392040"/>
           </a:xfrm>
           <a:prstGeom prst="rect">
             <a:avLst/>
@@ -7902,8 +8222,14 @@
             <a:noAutofit/>
           </a:bodyPr>
           <a:lstStyle>
-            <a:lvl1pPr indent="0">
-              <a:buNone/>
+            <a:lvl1pPr indent="0" algn="ctr">
+              <a:lnSpc>
+                <a:spcPct val="100000"/>
+              </a:lnSpc>
+              <a:buNone/>
+              <a:tabLst>
+                <a:tab algn="l" pos="0"/>
+              </a:tabLst>
               <a:defRPr b="0" lang="it-IT" sz="1400" spc="-1" strike="noStrike">
                 <a:solidFill>
                   <a:srgbClr val="ffffff"/>
@@ -7913,8 +8239,14 @@
             </a:lvl1pPr>
           </a:lstStyle>
           <a:p>
-            <a:pPr indent="0">
-              <a:buNone/>
+            <a:pPr indent="0" algn="ctr">
+              <a:lnSpc>
+                <a:spcPct val="100000"/>
+              </a:lnSpc>
+              <a:buNone/>
+              <a:tabLst>
+                <a:tab algn="l" pos="0"/>
+              </a:tabLst>
             </a:pPr>
             <a:r>
               <a:rPr b="0" lang="it-IT" sz="1400" spc="-1" strike="noStrike">
@@ -7923,31 +8255,31 @@
                 </a:solidFill>
                 <a:latin typeface="Arial"/>
               </a:rPr>
-              <a:t>&lt;data/ora&gt;</a:t>
+              <a:t> </a:t>
             </a:r>
             <a:endParaRPr b="0" lang="it-IT" sz="1400" spc="-1" strike="noStrike">
               <a:solidFill>
-                <a:srgbClr val="ffffff"/>
-              </a:solidFill>
-              <a:latin typeface="Arial"/>
-            </a:endParaRPr>
-          </a:p>
-        </p:txBody>
-      </p:sp>
-      <p:sp>
-        <p:nvSpPr>
-          <p:cNvPr id="4" name="PlaceHolder 4"/>
-          <p:cNvSpPr>
-            <a:spLocks noGrp="1"/>
-          </p:cNvSpPr>
-          <p:nvPr>
-            <p:ph type="ftr" idx="2"/>
-          </p:nvPr>
-        </p:nvSpPr>
-        <p:spPr>
-          <a:xfrm>
-            <a:off x="3420000" y="5130000"/>
-            <a:ext cx="3240000" cy="392400"/>
+                <a:srgbClr val="000000"/>
+              </a:solidFill>
+              <a:latin typeface="Times New Roman"/>
+            </a:endParaRPr>
+          </a:p>
+        </p:txBody>
+      </p:sp>
+      <p:sp>
+        <p:nvSpPr>
+          <p:cNvPr id="14" name="PlaceHolder 3"/>
+          <p:cNvSpPr>
+            <a:spLocks noGrp="1"/>
+          </p:cNvSpPr>
+          <p:nvPr>
+            <p:ph type="sldNum" idx="2"/>
+          </p:nvPr>
+        </p:nvSpPr>
+        <p:spPr>
+          <a:xfrm>
+            <a:off x="7560000" y="5130000"/>
+            <a:ext cx="2339640" cy="392040"/>
           </a:xfrm>
           <a:prstGeom prst="rect">
             <a:avLst/>
@@ -7962,8 +8294,14 @@
             <a:noAutofit/>
           </a:bodyPr>
           <a:lstStyle>
-            <a:lvl1pPr indent="0" algn="ctr">
-              <a:buNone/>
+            <a:lvl1pPr indent="0" algn="r">
+              <a:lnSpc>
+                <a:spcPct val="100000"/>
+              </a:lnSpc>
+              <a:buNone/>
+              <a:tabLst>
+                <a:tab algn="l" pos="0"/>
+              </a:tabLst>
               <a:defRPr b="0" lang="it-IT" sz="1400" spc="-1" strike="noStrike">
                 <a:solidFill>
                   <a:srgbClr val="ffffff"/>
@@ -7973,41 +8311,47 @@
             </a:lvl1pPr>
           </a:lstStyle>
           <a:p>
-            <a:pPr indent="0" algn="ctr">
-              <a:buNone/>
-            </a:pPr>
-            <a:r>
+            <a:pPr indent="0" algn="r">
+              <a:lnSpc>
+                <a:spcPct val="100000"/>
+              </a:lnSpc>
+              <a:buNone/>
+              <a:tabLst>
+                <a:tab algn="l" pos="0"/>
+              </a:tabLst>
+            </a:pPr>
+            <a:fld id="{18899A26-31A8-4249-B2BF-5ABD41E67C61}" type="slidenum">
               <a:rPr b="0" lang="it-IT" sz="1400" spc="-1" strike="noStrike">
                 <a:solidFill>
                   <a:srgbClr val="ffffff"/>
                 </a:solidFill>
                 <a:latin typeface="Arial"/>
               </a:rPr>
-              <a:t>&lt;piè di pagina&gt;</a:t>
-            </a:r>
+              <a:t>3</a:t>
+            </a:fld>
             <a:endParaRPr b="0" lang="it-IT" sz="1400" spc="-1" strike="noStrike">
               <a:solidFill>
-                <a:srgbClr val="ffffff"/>
-              </a:solidFill>
-              <a:latin typeface="Arial"/>
-            </a:endParaRPr>
-          </a:p>
-        </p:txBody>
-      </p:sp>
-      <p:sp>
-        <p:nvSpPr>
-          <p:cNvPr id="5" name="PlaceHolder 5"/>
-          <p:cNvSpPr>
-            <a:spLocks noGrp="1"/>
-          </p:cNvSpPr>
-          <p:nvPr>
-            <p:ph type="sldNum" idx="3"/>
-          </p:nvPr>
-        </p:nvSpPr>
-        <p:spPr>
-          <a:xfrm>
-            <a:off x="7560000" y="5130000"/>
-            <a:ext cx="2340000" cy="392400"/>
+                <a:srgbClr val="000000"/>
+              </a:solidFill>
+              <a:latin typeface="Times New Roman"/>
+            </a:endParaRPr>
+          </a:p>
+        </p:txBody>
+      </p:sp>
+      <p:sp>
+        <p:nvSpPr>
+          <p:cNvPr id="15" name="PlaceHolder 4"/>
+          <p:cNvSpPr>
+            <a:spLocks noGrp="1"/>
+          </p:cNvSpPr>
+          <p:nvPr>
+            <p:ph type="dt" idx="3"/>
+          </p:nvPr>
+        </p:nvSpPr>
+        <p:spPr>
+          <a:xfrm>
+            <a:off x="180000" y="5130000"/>
+            <a:ext cx="2339640" cy="392040"/>
           </a:xfrm>
           <a:prstGeom prst="rect">
             <a:avLst/>
@@ -8022,505 +8366,257 @@
             <a:noAutofit/>
           </a:bodyPr>
           <a:lstStyle>
-            <a:lvl1pPr indent="0" algn="r">
+            <a:lvl1pPr indent="0">
               <a:buNone/>
               <a:defRPr b="0" lang="it-IT" sz="1400" spc="-1" strike="noStrike">
                 <a:solidFill>
-                  <a:srgbClr val="ffffff"/>
+                  <a:srgbClr val="000000"/>
                 </a:solidFill>
-                <a:latin typeface="Arial"/>
+                <a:latin typeface="Times New Roman"/>
               </a:defRPr>
             </a:lvl1pPr>
           </a:lstStyle>
           <a:p>
-            <a:pPr indent="0" algn="r">
-              <a:buNone/>
-            </a:pPr>
-            <a:fld id="{4C28D086-AEF1-4358-89F3-24AC939E7F76}" type="slidenum">
+            <a:pPr indent="0">
+              <a:buNone/>
+            </a:pPr>
+            <a:r>
               <a:rPr b="0" lang="it-IT" sz="1400" spc="-1" strike="noStrike">
                 <a:solidFill>
-                  <a:srgbClr val="ffffff"/>
+                  <a:srgbClr val="000000"/>
+                </a:solidFill>
+                <a:latin typeface="Times New Roman"/>
+              </a:rPr>
+              <a:t> </a:t>
+            </a:r>
+            <a:endParaRPr b="0" lang="it-IT" sz="1400" spc="-1" strike="noStrike">
+              <a:solidFill>
+                <a:srgbClr val="000000"/>
+              </a:solidFill>
+              <a:latin typeface="Times New Roman"/>
+            </a:endParaRPr>
+          </a:p>
+        </p:txBody>
+      </p:sp>
+      <p:sp>
+        <p:nvSpPr>
+          <p:cNvPr id="16" name="PlaceHolder 5"/>
+          <p:cNvSpPr>
+            <a:spLocks noGrp="1"/>
+          </p:cNvSpPr>
+          <p:nvPr>
+            <p:ph type="body"/>
+          </p:nvPr>
+        </p:nvSpPr>
+        <p:spPr>
+          <a:xfrm>
+            <a:off x="504000" y="1326600"/>
+            <a:ext cx="9072000" cy="3288600"/>
+          </a:xfrm>
+          <a:prstGeom prst="rect">
+            <a:avLst/>
+          </a:prstGeom>
+          <a:noFill/>
+          <a:ln w="0">
+            <a:noFill/>
+          </a:ln>
+        </p:spPr>
+        <p:txBody>
+          <a:bodyPr lIns="0" rIns="0" tIns="0" bIns="0" anchor="t">
+            <a:normAutofit/>
+          </a:bodyPr>
+          <a:p>
+            <a:pPr marL="432000" indent="-324000">
+              <a:spcBef>
+                <a:spcPts val="1417"/>
+              </a:spcBef>
+              <a:buClr>
+                <a:srgbClr val="000000"/>
+              </a:buClr>
+              <a:buSzPct val="45000"/>
+              <a:buFont typeface="Wingdings" charset="2"/>
+              <a:buChar char=""/>
+            </a:pPr>
+            <a:r>
+              <a:rPr b="0" lang="it-IT" sz="3200" spc="-1" strike="noStrike">
+                <a:solidFill>
+                  <a:srgbClr val="000000"/>
                 </a:solidFill>
                 <a:latin typeface="Arial"/>
               </a:rPr>
-              <a:t>&lt;numero&gt;</a:t>
-            </a:fld>
-            <a:endParaRPr b="0" lang="it-IT" sz="1400" spc="-1" strike="noStrike">
-              <a:solidFill>
-                <a:srgbClr val="ffffff"/>
-              </a:solidFill>
-              <a:latin typeface="Arial"/>
-            </a:endParaRPr>
-          </a:p>
-        </p:txBody>
-      </p:sp>
-      <p:sp>
-        <p:nvSpPr>
-          <p:cNvPr id="6" name=""/>
-          <p:cNvSpPr/>
-          <p:nvPr/>
-        </p:nvSpPr>
-        <p:spPr>
-          <a:xfrm>
-            <a:off x="1440000" y="1080000"/>
-            <a:ext cx="1440000" cy="1260000"/>
-          </a:xfrm>
-          <a:prstGeom prst="ellipse">
-            <a:avLst/>
-          </a:prstGeom>
-          <a:solidFill>
-            <a:srgbClr val="ffffff">
-              <a:alpha val="30000"/>
-            </a:srgbClr>
-          </a:solidFill>
-          <a:ln w="0">
-            <a:noFill/>
-          </a:ln>
-        </p:spPr>
-        <p:style>
-          <a:lnRef idx="0"/>
-          <a:fillRef idx="0"/>
-          <a:effectRef idx="0"/>
-          <a:fontRef idx="minor"/>
-        </p:style>
-        <p:txBody>
-          <a:bodyPr wrap="none" lIns="0" rIns="0" tIns="0" bIns="0" anchor="b">
-            <a:noAutofit/>
-          </a:bodyPr>
-          <a:p>
+              <a:t>Fai clic per modificare il formato del testo della struttura</a:t>
+            </a:r>
+            <a:endParaRPr b="0" lang="it-IT" sz="3200" spc="-1" strike="noStrike">
+              <a:solidFill>
+                <a:srgbClr val="000000"/>
+              </a:solidFill>
+              <a:latin typeface="Arial"/>
+            </a:endParaRPr>
+          </a:p>
+          <a:p>
+            <a:pPr lvl="1" marL="864000" indent="-324000">
+              <a:spcBef>
+                <a:spcPts val="1134"/>
+              </a:spcBef>
+              <a:buClr>
+                <a:srgbClr val="000000"/>
+              </a:buClr>
+              <a:buSzPct val="75000"/>
+              <a:buFont typeface="Symbol" charset="2"/>
+              <a:buChar char=""/>
+            </a:pPr>
+            <a:r>
+              <a:rPr b="0" lang="it-IT" sz="2800" spc="-1" strike="noStrike">
+                <a:solidFill>
+                  <a:srgbClr val="000000"/>
+                </a:solidFill>
+                <a:latin typeface="Arial"/>
+              </a:rPr>
+              <a:t>Secondo livello struttura</a:t>
+            </a:r>
+            <a:endParaRPr b="0" lang="it-IT" sz="2800" spc="-1" strike="noStrike">
+              <a:solidFill>
+                <a:srgbClr val="000000"/>
+              </a:solidFill>
+              <a:latin typeface="Arial"/>
+            </a:endParaRPr>
+          </a:p>
+          <a:p>
+            <a:pPr lvl="2" marL="1296000" indent="-288000">
+              <a:spcBef>
+                <a:spcPts val="850"/>
+              </a:spcBef>
+              <a:buClr>
+                <a:srgbClr val="000000"/>
+              </a:buClr>
+              <a:buSzPct val="45000"/>
+              <a:buFont typeface="Wingdings" charset="2"/>
+              <a:buChar char=""/>
+            </a:pPr>
+            <a:r>
+              <a:rPr b="0" lang="it-IT" sz="2400" spc="-1" strike="noStrike">
+                <a:solidFill>
+                  <a:srgbClr val="000000"/>
+                </a:solidFill>
+                <a:latin typeface="Arial"/>
+              </a:rPr>
+              <a:t>Terzo livello struttura</a:t>
+            </a:r>
             <a:endParaRPr b="0" lang="it-IT" sz="2400" spc="-1" strike="noStrike">
               <a:solidFill>
-                <a:srgbClr val="ffffff"/>
-              </a:solidFill>
-              <a:latin typeface="Arial"/>
-            </a:endParaRPr>
-          </a:p>
-        </p:txBody>
-      </p:sp>
-      <p:sp>
-        <p:nvSpPr>
-          <p:cNvPr id="7" name=""/>
-          <p:cNvSpPr/>
-          <p:nvPr/>
-        </p:nvSpPr>
-        <p:spPr>
-          <a:xfrm>
-            <a:off x="7380000" y="3960000"/>
-            <a:ext cx="1440000" cy="1260000"/>
-          </a:xfrm>
-          <a:prstGeom prst="ellipse">
-            <a:avLst/>
-          </a:prstGeom>
-          <a:solidFill>
-            <a:srgbClr val="ffffff">
-              <a:alpha val="30000"/>
-            </a:srgbClr>
-          </a:solidFill>
-          <a:ln w="0">
-            <a:noFill/>
-          </a:ln>
-        </p:spPr>
-        <p:style>
-          <a:lnRef idx="0"/>
-          <a:fillRef idx="0"/>
-          <a:effectRef idx="0"/>
-          <a:fontRef idx="minor"/>
-        </p:style>
-        <p:txBody>
-          <a:bodyPr wrap="none" lIns="0" rIns="0" tIns="0" bIns="0" anchor="b">
-            <a:noAutofit/>
-          </a:bodyPr>
-          <a:p>
-            <a:endParaRPr b="0" lang="it-IT" sz="2400" spc="-1" strike="noStrike">
-              <a:solidFill>
-                <a:srgbClr val="ffffff"/>
-              </a:solidFill>
-              <a:latin typeface="Arial"/>
-            </a:endParaRPr>
-          </a:p>
-        </p:txBody>
-      </p:sp>
-      <p:sp>
-        <p:nvSpPr>
-          <p:cNvPr id="8" name=""/>
-          <p:cNvSpPr/>
-          <p:nvPr/>
-        </p:nvSpPr>
-        <p:spPr>
-          <a:xfrm>
-            <a:off x="9000000" y="2700000"/>
-            <a:ext cx="1260000" cy="1080000"/>
-          </a:xfrm>
-          <a:prstGeom prst="ellipse">
-            <a:avLst/>
-          </a:prstGeom>
-          <a:solidFill>
-            <a:srgbClr val="ffffff">
-              <a:alpha val="20000"/>
-            </a:srgbClr>
-          </a:solidFill>
-          <a:ln w="0">
-            <a:noFill/>
-          </a:ln>
-        </p:spPr>
-        <p:style>
-          <a:lnRef idx="0"/>
-          <a:fillRef idx="0"/>
-          <a:effectRef idx="0"/>
-          <a:fontRef idx="minor"/>
-        </p:style>
-        <p:txBody>
-          <a:bodyPr wrap="none" lIns="0" rIns="0" tIns="0" bIns="0" anchor="b">
-            <a:noAutofit/>
-          </a:bodyPr>
-          <a:p>
-            <a:endParaRPr b="0" lang="it-IT" sz="2400" spc="-1" strike="noStrike">
-              <a:solidFill>
-                <a:srgbClr val="ffffff"/>
-              </a:solidFill>
-              <a:latin typeface="Arial"/>
-            </a:endParaRPr>
-          </a:p>
-        </p:txBody>
-      </p:sp>
-      <p:sp>
-        <p:nvSpPr>
-          <p:cNvPr id="9" name=""/>
-          <p:cNvSpPr/>
-          <p:nvPr/>
-        </p:nvSpPr>
-        <p:spPr>
-          <a:xfrm>
-            <a:off x="-180000" y="2430000"/>
-            <a:ext cx="1440000" cy="1350000"/>
-          </a:xfrm>
-          <a:prstGeom prst="ellipse">
-            <a:avLst/>
-          </a:prstGeom>
-          <a:solidFill>
-            <a:srgbClr val="ffffff">
-              <a:alpha val="20000"/>
-            </a:srgbClr>
-          </a:solidFill>
-          <a:ln w="0">
-            <a:noFill/>
-          </a:ln>
-        </p:spPr>
-        <p:style>
-          <a:lnRef idx="0"/>
-          <a:fillRef idx="0"/>
-          <a:effectRef idx="0"/>
-          <a:fontRef idx="minor"/>
-        </p:style>
-        <p:txBody>
-          <a:bodyPr wrap="none" lIns="0" rIns="0" tIns="0" bIns="0" anchor="b">
-            <a:noAutofit/>
-          </a:bodyPr>
-          <a:p>
-            <a:endParaRPr b="0" lang="it-IT" sz="2400" spc="-1" strike="noStrike">
-              <a:solidFill>
-                <a:srgbClr val="ffffff"/>
-              </a:solidFill>
-              <a:latin typeface="Arial"/>
-            </a:endParaRPr>
-          </a:p>
-        </p:txBody>
-      </p:sp>
-      <p:sp>
-        <p:nvSpPr>
-          <p:cNvPr id="10" name=""/>
-          <p:cNvSpPr/>
-          <p:nvPr/>
-        </p:nvSpPr>
-        <p:spPr>
-          <a:xfrm>
-            <a:off x="540000" y="1080000"/>
-            <a:ext cx="720000" cy="720000"/>
-          </a:xfrm>
-          <a:prstGeom prst="ellipse">
-            <a:avLst/>
-          </a:prstGeom>
-          <a:solidFill>
-            <a:srgbClr val="ffffff">
-              <a:alpha val="20000"/>
-            </a:srgbClr>
-          </a:solidFill>
-          <a:ln w="0">
-            <a:noFill/>
-          </a:ln>
-        </p:spPr>
-        <p:style>
-          <a:lnRef idx="0"/>
-          <a:fillRef idx="0"/>
-          <a:effectRef idx="0"/>
-          <a:fontRef idx="minor"/>
-        </p:style>
-        <p:txBody>
-          <a:bodyPr wrap="none" lIns="0" rIns="0" tIns="0" bIns="0" anchor="b">
-            <a:noAutofit/>
-          </a:bodyPr>
-          <a:p>
-            <a:endParaRPr b="0" lang="it-IT" sz="2400" spc="-1" strike="noStrike">
-              <a:solidFill>
-                <a:srgbClr val="ffffff"/>
-              </a:solidFill>
-              <a:latin typeface="Arial"/>
-            </a:endParaRPr>
-          </a:p>
-        </p:txBody>
-      </p:sp>
-      <p:sp>
-        <p:nvSpPr>
-          <p:cNvPr id="11" name=""/>
-          <p:cNvSpPr/>
-          <p:nvPr/>
-        </p:nvSpPr>
-        <p:spPr>
-          <a:xfrm>
-            <a:off x="0" y="1260000"/>
-            <a:ext cx="720000" cy="720000"/>
-          </a:xfrm>
-          <a:prstGeom prst="ellipse">
-            <a:avLst/>
-          </a:prstGeom>
-          <a:solidFill>
-            <a:srgbClr val="ffffff">
-              <a:alpha val="10000"/>
-            </a:srgbClr>
-          </a:solidFill>
-          <a:ln w="0">
-            <a:noFill/>
-          </a:ln>
-        </p:spPr>
-        <p:style>
-          <a:lnRef idx="0"/>
-          <a:fillRef idx="0"/>
-          <a:effectRef idx="0"/>
-          <a:fontRef idx="minor"/>
-        </p:style>
-        <p:txBody>
-          <a:bodyPr wrap="none" lIns="0" rIns="0" tIns="0" bIns="0" anchor="b">
-            <a:noAutofit/>
-          </a:bodyPr>
-          <a:p>
-            <a:endParaRPr b="0" lang="it-IT" sz="2400" spc="-1" strike="noStrike">
-              <a:solidFill>
-                <a:srgbClr val="ffffff"/>
-              </a:solidFill>
-              <a:latin typeface="Arial"/>
-            </a:endParaRPr>
-          </a:p>
-        </p:txBody>
-      </p:sp>
-      <p:sp>
-        <p:nvSpPr>
-          <p:cNvPr id="12" name=""/>
-          <p:cNvSpPr/>
-          <p:nvPr/>
-        </p:nvSpPr>
-        <p:spPr>
-          <a:xfrm>
-            <a:off x="0" y="5220000"/>
-            <a:ext cx="1620000" cy="1260000"/>
-          </a:xfrm>
-          <a:prstGeom prst="ellipse">
-            <a:avLst/>
-          </a:prstGeom>
-          <a:solidFill>
-            <a:srgbClr val="ffffff">
-              <a:alpha val="15000"/>
-            </a:srgbClr>
-          </a:solidFill>
-          <a:ln w="0">
-            <a:noFill/>
-          </a:ln>
-        </p:spPr>
-        <p:style>
-          <a:lnRef idx="0"/>
-          <a:fillRef idx="0"/>
-          <a:effectRef idx="0"/>
-          <a:fontRef idx="minor"/>
-        </p:style>
-        <p:txBody>
-          <a:bodyPr wrap="none" lIns="0" rIns="0" tIns="0" bIns="0" anchor="b">
-            <a:noAutofit/>
-          </a:bodyPr>
-          <a:p>
-            <a:endParaRPr b="0" lang="it-IT" sz="2400" spc="-1" strike="noStrike">
-              <a:solidFill>
-                <a:srgbClr val="ffffff"/>
-              </a:solidFill>
-              <a:latin typeface="Arial"/>
-            </a:endParaRPr>
-          </a:p>
-        </p:txBody>
-      </p:sp>
-      <p:sp>
-        <p:nvSpPr>
-          <p:cNvPr id="13" name=""/>
-          <p:cNvSpPr/>
-          <p:nvPr/>
-        </p:nvSpPr>
-        <p:spPr>
-          <a:xfrm>
-            <a:off x="9720000" y="4680000"/>
-            <a:ext cx="720000" cy="720000"/>
-          </a:xfrm>
-          <a:prstGeom prst="ellipse">
-            <a:avLst/>
-          </a:prstGeom>
-          <a:solidFill>
-            <a:srgbClr val="ffffff">
-              <a:alpha val="30000"/>
-            </a:srgbClr>
-          </a:solidFill>
-          <a:ln w="0">
-            <a:noFill/>
-          </a:ln>
-        </p:spPr>
-        <p:style>
-          <a:lnRef idx="0"/>
-          <a:fillRef idx="0"/>
-          <a:effectRef idx="0"/>
-          <a:fontRef idx="minor"/>
-        </p:style>
-        <p:txBody>
-          <a:bodyPr wrap="none" lIns="0" rIns="0" tIns="0" bIns="0" anchor="b">
-            <a:noAutofit/>
-          </a:bodyPr>
-          <a:p>
-            <a:endParaRPr b="0" lang="it-IT" sz="2400" spc="-1" strike="noStrike">
-              <a:solidFill>
-                <a:srgbClr val="ffffff"/>
-              </a:solidFill>
-              <a:latin typeface="Arial"/>
-            </a:endParaRPr>
-          </a:p>
-        </p:txBody>
-      </p:sp>
-      <p:sp>
-        <p:nvSpPr>
-          <p:cNvPr id="14" name=""/>
-          <p:cNvSpPr/>
-          <p:nvPr/>
-        </p:nvSpPr>
-        <p:spPr>
-          <a:xfrm>
-            <a:off x="9540000" y="3420000"/>
-            <a:ext cx="720000" cy="720000"/>
-          </a:xfrm>
-          <a:prstGeom prst="ellipse">
-            <a:avLst/>
-          </a:prstGeom>
-          <a:solidFill>
-            <a:srgbClr val="ffffff">
-              <a:alpha val="10000"/>
-            </a:srgbClr>
-          </a:solidFill>
-          <a:ln w="0">
-            <a:noFill/>
-          </a:ln>
-        </p:spPr>
-        <p:style>
-          <a:lnRef idx="0"/>
-          <a:fillRef idx="0"/>
-          <a:effectRef idx="0"/>
-          <a:fontRef idx="minor"/>
-        </p:style>
-        <p:txBody>
-          <a:bodyPr wrap="none" lIns="0" rIns="0" tIns="0" bIns="0" anchor="b">
-            <a:noAutofit/>
-          </a:bodyPr>
-          <a:p>
-            <a:endParaRPr b="0" lang="it-IT" sz="2400" spc="-1" strike="noStrike">
-              <a:solidFill>
-                <a:srgbClr val="ffffff"/>
-              </a:solidFill>
-              <a:latin typeface="Arial"/>
-            </a:endParaRPr>
-          </a:p>
-        </p:txBody>
-      </p:sp>
-      <p:sp>
-        <p:nvSpPr>
-          <p:cNvPr id="15" name=""/>
-          <p:cNvSpPr/>
-          <p:nvPr/>
-        </p:nvSpPr>
-        <p:spPr>
-          <a:xfrm>
-            <a:off x="8100000" y="4680000"/>
-            <a:ext cx="1080000" cy="842400"/>
-          </a:xfrm>
-          <a:prstGeom prst="ellipse">
-            <a:avLst/>
-          </a:prstGeom>
-          <a:solidFill>
-            <a:srgbClr val="ffffff">
-              <a:alpha val="20000"/>
-            </a:srgbClr>
-          </a:solidFill>
-          <a:ln w="0">
-            <a:noFill/>
-          </a:ln>
-        </p:spPr>
-        <p:style>
-          <a:lnRef idx="0"/>
-          <a:fillRef idx="0"/>
-          <a:effectRef idx="0"/>
-          <a:fontRef idx="minor"/>
-        </p:style>
-        <p:txBody>
-          <a:bodyPr wrap="none" lIns="0" rIns="0" tIns="0" bIns="0" anchor="b">
-            <a:noAutofit/>
-          </a:bodyPr>
-          <a:p>
-            <a:endParaRPr b="0" lang="it-IT" sz="2400" spc="-1" strike="noStrike">
-              <a:solidFill>
-                <a:srgbClr val="ffffff"/>
-              </a:solidFill>
-              <a:latin typeface="Arial"/>
-            </a:endParaRPr>
-          </a:p>
-        </p:txBody>
-      </p:sp>
-      <p:sp>
-        <p:nvSpPr>
-          <p:cNvPr id="16" name=""/>
-          <p:cNvSpPr/>
-          <p:nvPr/>
-        </p:nvSpPr>
-        <p:spPr>
-          <a:xfrm>
-            <a:off x="7920000" y="5400000"/>
-            <a:ext cx="900000" cy="900000"/>
-          </a:xfrm>
-          <a:prstGeom prst="ellipse">
-            <a:avLst/>
-          </a:prstGeom>
-          <a:solidFill>
-            <a:srgbClr val="ffffff">
-              <a:alpha val="25000"/>
-            </a:srgbClr>
-          </a:solidFill>
-          <a:ln w="0">
-            <a:noFill/>
-          </a:ln>
-        </p:spPr>
-        <p:style>
-          <a:lnRef idx="0"/>
-          <a:fillRef idx="0"/>
-          <a:effectRef idx="0"/>
-          <a:fontRef idx="minor"/>
-        </p:style>
-        <p:txBody>
-          <a:bodyPr wrap="none" lIns="0" rIns="0" tIns="0" bIns="0" anchor="b">
-            <a:noAutofit/>
-          </a:bodyPr>
-          <a:p>
-            <a:endParaRPr b="0" lang="it-IT" sz="2400" spc="-1" strike="noStrike">
-              <a:solidFill>
-                <a:srgbClr val="ffffff"/>
+                <a:srgbClr val="000000"/>
+              </a:solidFill>
+              <a:latin typeface="Arial"/>
+            </a:endParaRPr>
+          </a:p>
+          <a:p>
+            <a:pPr lvl="3" marL="1728000" indent="-216000">
+              <a:spcBef>
+                <a:spcPts val="567"/>
+              </a:spcBef>
+              <a:buClr>
+                <a:srgbClr val="000000"/>
+              </a:buClr>
+              <a:buSzPct val="75000"/>
+              <a:buFont typeface="Symbol" charset="2"/>
+              <a:buChar char=""/>
+            </a:pPr>
+            <a:r>
+              <a:rPr b="0" lang="it-IT" sz="2000" spc="-1" strike="noStrike">
+                <a:solidFill>
+                  <a:srgbClr val="000000"/>
+                </a:solidFill>
+                <a:latin typeface="Arial"/>
+              </a:rPr>
+              <a:t>Quarto livello struttura</a:t>
+            </a:r>
+            <a:endParaRPr b="0" lang="it-IT" sz="2000" spc="-1" strike="noStrike">
+              <a:solidFill>
+                <a:srgbClr val="000000"/>
+              </a:solidFill>
+              <a:latin typeface="Arial"/>
+            </a:endParaRPr>
+          </a:p>
+          <a:p>
+            <a:pPr lvl="4" marL="2160000" indent="-216000">
+              <a:spcBef>
+                <a:spcPts val="283"/>
+              </a:spcBef>
+              <a:buClr>
+                <a:srgbClr val="000000"/>
+              </a:buClr>
+              <a:buSzPct val="45000"/>
+              <a:buFont typeface="Wingdings" charset="2"/>
+              <a:buChar char=""/>
+            </a:pPr>
+            <a:r>
+              <a:rPr b="0" lang="it-IT" sz="2000" spc="-1" strike="noStrike">
+                <a:solidFill>
+                  <a:srgbClr val="000000"/>
+                </a:solidFill>
+                <a:latin typeface="Arial"/>
+              </a:rPr>
+              <a:t>Quinto livello struttura</a:t>
+            </a:r>
+            <a:endParaRPr b="0" lang="it-IT" sz="2000" spc="-1" strike="noStrike">
+              <a:solidFill>
+                <a:srgbClr val="000000"/>
+              </a:solidFill>
+              <a:latin typeface="Arial"/>
+            </a:endParaRPr>
+          </a:p>
+          <a:p>
+            <a:pPr lvl="5" marL="2592000" indent="-216000">
+              <a:spcBef>
+                <a:spcPts val="283"/>
+              </a:spcBef>
+              <a:buClr>
+                <a:srgbClr val="000000"/>
+              </a:buClr>
+              <a:buSzPct val="45000"/>
+              <a:buFont typeface="Wingdings" charset="2"/>
+              <a:buChar char=""/>
+            </a:pPr>
+            <a:r>
+              <a:rPr b="0" lang="it-IT" sz="2000" spc="-1" strike="noStrike">
+                <a:solidFill>
+                  <a:srgbClr val="000000"/>
+                </a:solidFill>
+                <a:latin typeface="Arial"/>
+              </a:rPr>
+              <a:t>Sesto livello struttura</a:t>
+            </a:r>
+            <a:endParaRPr b="0" lang="it-IT" sz="2000" spc="-1" strike="noStrike">
+              <a:solidFill>
+                <a:srgbClr val="000000"/>
+              </a:solidFill>
+              <a:latin typeface="Arial"/>
+            </a:endParaRPr>
+          </a:p>
+          <a:p>
+            <a:pPr lvl="6" marL="3024000" indent="-216000">
+              <a:spcBef>
+                <a:spcPts val="283"/>
+              </a:spcBef>
+              <a:buClr>
+                <a:srgbClr val="000000"/>
+              </a:buClr>
+              <a:buSzPct val="45000"/>
+              <a:buFont typeface="Wingdings" charset="2"/>
+              <a:buChar char=""/>
+            </a:pPr>
+            <a:r>
+              <a:rPr b="0" lang="it-IT" sz="2000" spc="-1" strike="noStrike">
+                <a:solidFill>
+                  <a:srgbClr val="000000"/>
+                </a:solidFill>
+                <a:latin typeface="Arial"/>
+              </a:rPr>
+              <a:t>Settimo livello struttura</a:t>
+            </a:r>
+            <a:endParaRPr b="0" lang="it-IT" sz="2000" spc="-1" strike="noStrike">
+              <a:solidFill>
+                <a:srgbClr val="000000"/>
               </a:solidFill>
               <a:latin typeface="Arial"/>
             </a:endParaRPr>
@@ -8573,7 +8669,7 @@
         <p:spPr>
           <a:xfrm>
             <a:off x="360" y="360"/>
-            <a:ext cx="10080000" cy="5670000"/>
+            <a:ext cx="10079640" cy="5669640"/>
           </a:xfrm>
           <a:prstGeom prst="rect">
             <a:avLst/>
@@ -8604,11 +8700,17 @@
             <a:noAutofit/>
           </a:bodyPr>
           <a:p>
+            <a:pPr>
+              <a:lnSpc>
+                <a:spcPct val="100000"/>
+              </a:lnSpc>
+            </a:pPr>
             <a:endParaRPr b="0" lang="it-IT" sz="2400" spc="-1" strike="noStrike">
               <a:solidFill>
                 <a:srgbClr val="ffffff"/>
               </a:solidFill>
               <a:latin typeface="Arial"/>
+              <a:ea typeface="DejaVu Sans"/>
             </a:endParaRPr>
           </a:p>
         </p:txBody>
@@ -8622,7 +8724,7 @@
         <p:spPr>
           <a:xfrm flipH="1">
             <a:off x="-4320" y="0"/>
-            <a:ext cx="10080360" cy="5670360"/>
+            <a:ext cx="10080000" cy="5670000"/>
           </a:xfrm>
           <a:prstGeom prst="rect">
             <a:avLst/>
@@ -8631,7 +8733,7 @@
             <a:gsLst>
               <a:gs pos="0">
                 <a:srgbClr val="ffffff">
-                  <a:alpha val="90196"/>
+                  <a:alpha val="90000"/>
                 </a:srgbClr>
               </a:gs>
               <a:gs pos="75000">
@@ -8659,11 +8761,17 @@
             <a:noAutofit/>
           </a:bodyPr>
           <a:p>
+            <a:pPr>
+              <a:lnSpc>
+                <a:spcPct val="100000"/>
+              </a:lnSpc>
+            </a:pPr>
             <a:endParaRPr b="0" lang="it-IT" sz="2400" spc="-1" strike="noStrike">
               <a:solidFill>
                 <a:srgbClr val="ffffff"/>
               </a:solidFill>
               <a:latin typeface="Arial"/>
+              <a:ea typeface="DejaVu Sans"/>
             </a:endParaRPr>
           </a:p>
         </p:txBody>
@@ -8671,27 +8779,38 @@
       <p:sp>
         <p:nvSpPr>
           <p:cNvPr id="55" name=""/>
-          <p:cNvSpPr txBox="1"/>
+          <p:cNvSpPr/>
           <p:nvPr/>
         </p:nvSpPr>
         <p:spPr>
           <a:xfrm>
             <a:off x="180360" y="5130360"/>
-            <a:ext cx="2340000" cy="392400"/>
-          </a:xfrm>
-          <a:prstGeom prst="rect">
-            <a:avLst/>
-          </a:prstGeom>
-          <a:noFill/>
-          <a:ln w="0">
-            <a:noFill/>
-          </a:ln>
-        </p:spPr>
+            <a:ext cx="2339640" cy="392040"/>
+          </a:xfrm>
+          <a:prstGeom prst="rect">
+            <a:avLst/>
+          </a:prstGeom>
+          <a:noFill/>
+          <a:ln w="0">
+            <a:noFill/>
+          </a:ln>
+        </p:spPr>
+        <p:style>
+          <a:lnRef idx="0"/>
+          <a:fillRef idx="0"/>
+          <a:effectRef idx="0"/>
+          <a:fontRef idx="minor"/>
+        </p:style>
         <p:txBody>
           <a:bodyPr lIns="0" rIns="0" tIns="0" bIns="0" anchor="b">
             <a:noAutofit/>
           </a:bodyPr>
           <a:p>
+            <a:pPr>
+              <a:lnSpc>
+                <a:spcPct val="100000"/>
+              </a:lnSpc>
+            </a:pPr>
             <a:r>
               <a:rPr b="0" lang="it-IT" sz="1400" spc="-1" strike="noStrike">
                 <a:solidFill>
@@ -8703,7 +8822,7 @@
             </a:r>
             <a:endParaRPr b="0" lang="it-IT" sz="1400" spc="-1" strike="noStrike">
               <a:solidFill>
-                <a:srgbClr val="ffffff"/>
+                <a:srgbClr val="000000"/>
               </a:solidFill>
               <a:latin typeface="Arial"/>
             </a:endParaRPr>
@@ -8713,29 +8832,39 @@
       <p:sp>
         <p:nvSpPr>
           <p:cNvPr id="56" name=""/>
-          <p:cNvSpPr txBox="1"/>
+          <p:cNvSpPr/>
           <p:nvPr/>
         </p:nvSpPr>
         <p:spPr>
           <a:xfrm>
             <a:off x="7560360" y="5130360"/>
-            <a:ext cx="2340000" cy="392400"/>
-          </a:xfrm>
-          <a:prstGeom prst="rect">
-            <a:avLst/>
-          </a:prstGeom>
-          <a:noFill/>
-          <a:ln w="0">
-            <a:noFill/>
-          </a:ln>
-        </p:spPr>
+            <a:ext cx="2339640" cy="392040"/>
+          </a:xfrm>
+          <a:prstGeom prst="rect">
+            <a:avLst/>
+          </a:prstGeom>
+          <a:noFill/>
+          <a:ln w="0">
+            <a:noFill/>
+          </a:ln>
+        </p:spPr>
+        <p:style>
+          <a:lnRef idx="0"/>
+          <a:fillRef idx="0"/>
+          <a:effectRef idx="0"/>
+          <a:fontRef idx="minor"/>
+        </p:style>
         <p:txBody>
           <a:bodyPr lIns="0" rIns="0" tIns="0" bIns="0" anchor="b">
             <a:noAutofit/>
           </a:bodyPr>
           <a:p>
-            <a:pPr algn="r"/>
-            <a:fld id="{084E841E-60AB-4347-8216-C970B2BFFD8E}" type="slidenum">
+            <a:pPr algn="r">
+              <a:lnSpc>
+                <a:spcPct val="100000"/>
+              </a:lnSpc>
+            </a:pPr>
+            <a:fld id="{2CF727DE-D649-4B8C-9004-C91142CD2696}" type="slidenum">
               <a:rPr b="0" lang="it-IT" sz="1400" spc="-1" strike="noStrike">
                 <a:solidFill>
                   <a:srgbClr val="ffffff"/>
@@ -8746,7 +8875,7 @@
             </a:fld>
             <a:endParaRPr b="0" lang="it-IT" sz="1400" spc="-1" strike="noStrike">
               <a:solidFill>
-                <a:srgbClr val="ffffff"/>
+                <a:srgbClr val="000000"/>
               </a:solidFill>
               <a:latin typeface="Arial"/>
             </a:endParaRPr>
@@ -8762,7 +8891,7 @@
         <p:spPr>
           <a:xfrm>
             <a:off x="1440360" y="1080360"/>
-            <a:ext cx="1440000" cy="1260000"/>
+            <a:ext cx="1439640" cy="1259640"/>
           </a:xfrm>
           <a:prstGeom prst="ellipse">
             <a:avLst/>
@@ -8787,11 +8916,17 @@
             <a:noAutofit/>
           </a:bodyPr>
           <a:p>
+            <a:pPr>
+              <a:lnSpc>
+                <a:spcPct val="100000"/>
+              </a:lnSpc>
+            </a:pPr>
             <a:endParaRPr b="0" lang="it-IT" sz="2400" spc="-1" strike="noStrike">
               <a:solidFill>
                 <a:srgbClr val="ffffff"/>
               </a:solidFill>
               <a:latin typeface="Arial"/>
+              <a:ea typeface="DejaVu Sans"/>
             </a:endParaRPr>
           </a:p>
         </p:txBody>
@@ -8805,7 +8940,7 @@
         <p:spPr>
           <a:xfrm>
             <a:off x="7380360" y="3960360"/>
-            <a:ext cx="1440000" cy="1260000"/>
+            <a:ext cx="1439640" cy="1259640"/>
           </a:xfrm>
           <a:prstGeom prst="ellipse">
             <a:avLst/>
@@ -8830,11 +8965,17 @@
             <a:noAutofit/>
           </a:bodyPr>
           <a:p>
+            <a:pPr>
+              <a:lnSpc>
+                <a:spcPct val="100000"/>
+              </a:lnSpc>
+            </a:pPr>
             <a:endParaRPr b="0" lang="it-IT" sz="2400" spc="-1" strike="noStrike">
               <a:solidFill>
                 <a:srgbClr val="ffffff"/>
               </a:solidFill>
               <a:latin typeface="Arial"/>
+              <a:ea typeface="DejaVu Sans"/>
             </a:endParaRPr>
           </a:p>
         </p:txBody>
@@ -8848,7 +8989,7 @@
         <p:spPr>
           <a:xfrm>
             <a:off x="9000360" y="2700360"/>
-            <a:ext cx="1260000" cy="1080000"/>
+            <a:ext cx="1259640" cy="1079640"/>
           </a:xfrm>
           <a:prstGeom prst="ellipse">
             <a:avLst/>
@@ -8873,11 +9014,17 @@
             <a:noAutofit/>
           </a:bodyPr>
           <a:p>
+            <a:pPr>
+              <a:lnSpc>
+                <a:spcPct val="100000"/>
+              </a:lnSpc>
+            </a:pPr>
             <a:endParaRPr b="0" lang="it-IT" sz="2400" spc="-1" strike="noStrike">
               <a:solidFill>
                 <a:srgbClr val="ffffff"/>
               </a:solidFill>
               <a:latin typeface="Arial"/>
+              <a:ea typeface="DejaVu Sans"/>
             </a:endParaRPr>
           </a:p>
         </p:txBody>
@@ -8891,7 +9038,7 @@
         <p:spPr>
           <a:xfrm>
             <a:off x="-179640" y="2430360"/>
-            <a:ext cx="1440000" cy="1350000"/>
+            <a:ext cx="1439640" cy="1349640"/>
           </a:xfrm>
           <a:prstGeom prst="ellipse">
             <a:avLst/>
@@ -8916,11 +9063,17 @@
             <a:noAutofit/>
           </a:bodyPr>
           <a:p>
+            <a:pPr>
+              <a:lnSpc>
+                <a:spcPct val="100000"/>
+              </a:lnSpc>
+            </a:pPr>
             <a:endParaRPr b="0" lang="it-IT" sz="2400" spc="-1" strike="noStrike">
               <a:solidFill>
                 <a:srgbClr val="ffffff"/>
               </a:solidFill>
               <a:latin typeface="Arial"/>
+              <a:ea typeface="DejaVu Sans"/>
             </a:endParaRPr>
           </a:p>
         </p:txBody>
@@ -8934,7 +9087,7 @@
         <p:spPr>
           <a:xfrm>
             <a:off x="540360" y="1080360"/>
-            <a:ext cx="720000" cy="720000"/>
+            <a:ext cx="719640" cy="719640"/>
           </a:xfrm>
           <a:prstGeom prst="ellipse">
             <a:avLst/>
@@ -8959,11 +9112,17 @@
             <a:noAutofit/>
           </a:bodyPr>
           <a:p>
+            <a:pPr>
+              <a:lnSpc>
+                <a:spcPct val="100000"/>
+              </a:lnSpc>
+            </a:pPr>
             <a:endParaRPr b="0" lang="it-IT" sz="2400" spc="-1" strike="noStrike">
               <a:solidFill>
                 <a:srgbClr val="ffffff"/>
               </a:solidFill>
               <a:latin typeface="Arial"/>
+              <a:ea typeface="DejaVu Sans"/>
             </a:endParaRPr>
           </a:p>
         </p:txBody>
@@ -8977,7 +9136,7 @@
         <p:spPr>
           <a:xfrm>
             <a:off x="360" y="1260360"/>
-            <a:ext cx="720000" cy="720000"/>
+            <a:ext cx="719640" cy="719640"/>
           </a:xfrm>
           <a:prstGeom prst="ellipse">
             <a:avLst/>
@@ -9002,11 +9161,17 @@
             <a:noAutofit/>
           </a:bodyPr>
           <a:p>
+            <a:pPr>
+              <a:lnSpc>
+                <a:spcPct val="100000"/>
+              </a:lnSpc>
+            </a:pPr>
             <a:endParaRPr b="0" lang="it-IT" sz="2400" spc="-1" strike="noStrike">
               <a:solidFill>
                 <a:srgbClr val="ffffff"/>
               </a:solidFill>
               <a:latin typeface="Arial"/>
+              <a:ea typeface="DejaVu Sans"/>
             </a:endParaRPr>
           </a:p>
         </p:txBody>
@@ -9020,7 +9185,7 @@
         <p:spPr>
           <a:xfrm>
             <a:off x="360" y="5220360"/>
-            <a:ext cx="1620000" cy="1260000"/>
+            <a:ext cx="1619640" cy="1259640"/>
           </a:xfrm>
           <a:prstGeom prst="ellipse">
             <a:avLst/>
@@ -9045,11 +9210,17 @@
             <a:noAutofit/>
           </a:bodyPr>
           <a:p>
+            <a:pPr>
+              <a:lnSpc>
+                <a:spcPct val="100000"/>
+              </a:lnSpc>
+            </a:pPr>
             <a:endParaRPr b="0" lang="it-IT" sz="2400" spc="-1" strike="noStrike">
               <a:solidFill>
                 <a:srgbClr val="ffffff"/>
               </a:solidFill>
               <a:latin typeface="Arial"/>
+              <a:ea typeface="DejaVu Sans"/>
             </a:endParaRPr>
           </a:p>
         </p:txBody>
@@ -9063,7 +9234,7 @@
         <p:spPr>
           <a:xfrm>
             <a:off x="9720360" y="4680360"/>
-            <a:ext cx="720000" cy="720000"/>
+            <a:ext cx="719640" cy="719640"/>
           </a:xfrm>
           <a:prstGeom prst="ellipse">
             <a:avLst/>
@@ -9088,11 +9259,17 @@
             <a:noAutofit/>
           </a:bodyPr>
           <a:p>
+            <a:pPr>
+              <a:lnSpc>
+                <a:spcPct val="100000"/>
+              </a:lnSpc>
+            </a:pPr>
             <a:endParaRPr b="0" lang="it-IT" sz="2400" spc="-1" strike="noStrike">
               <a:solidFill>
                 <a:srgbClr val="ffffff"/>
               </a:solidFill>
               <a:latin typeface="Arial"/>
+              <a:ea typeface="DejaVu Sans"/>
             </a:endParaRPr>
           </a:p>
         </p:txBody>
@@ -9106,7 +9283,7 @@
         <p:spPr>
           <a:xfrm>
             <a:off x="9540360" y="3420360"/>
-            <a:ext cx="720000" cy="720000"/>
+            <a:ext cx="719640" cy="719640"/>
           </a:xfrm>
           <a:prstGeom prst="ellipse">
             <a:avLst/>
@@ -9131,11 +9308,17 @@
             <a:noAutofit/>
           </a:bodyPr>
           <a:p>
+            <a:pPr>
+              <a:lnSpc>
+                <a:spcPct val="100000"/>
+              </a:lnSpc>
+            </a:pPr>
             <a:endParaRPr b="0" lang="it-IT" sz="2400" spc="-1" strike="noStrike">
               <a:solidFill>
                 <a:srgbClr val="ffffff"/>
               </a:solidFill>
               <a:latin typeface="Arial"/>
+              <a:ea typeface="DejaVu Sans"/>
             </a:endParaRPr>
           </a:p>
         </p:txBody>
@@ -9149,7 +9332,7 @@
         <p:spPr>
           <a:xfrm>
             <a:off x="8100360" y="4680360"/>
-            <a:ext cx="1080000" cy="842400"/>
+            <a:ext cx="1079640" cy="842040"/>
           </a:xfrm>
           <a:prstGeom prst="ellipse">
             <a:avLst/>
@@ -9174,11 +9357,17 @@
             <a:noAutofit/>
           </a:bodyPr>
           <a:p>
+            <a:pPr>
+              <a:lnSpc>
+                <a:spcPct val="100000"/>
+              </a:lnSpc>
+            </a:pPr>
             <a:endParaRPr b="0" lang="it-IT" sz="2400" spc="-1" strike="noStrike">
               <a:solidFill>
                 <a:srgbClr val="ffffff"/>
               </a:solidFill>
               <a:latin typeface="Arial"/>
+              <a:ea typeface="DejaVu Sans"/>
             </a:endParaRPr>
           </a:p>
         </p:txBody>
@@ -9192,7 +9381,7 @@
         <p:spPr>
           <a:xfrm>
             <a:off x="7920360" y="5400360"/>
-            <a:ext cx="900000" cy="900000"/>
+            <a:ext cx="899640" cy="899640"/>
           </a:xfrm>
           <a:prstGeom prst="ellipse">
             <a:avLst/>
@@ -9217,11 +9406,17 @@
             <a:noAutofit/>
           </a:bodyPr>
           <a:p>
+            <a:pPr>
+              <a:lnSpc>
+                <a:spcPct val="100000"/>
+              </a:lnSpc>
+            </a:pPr>
             <a:endParaRPr b="0" lang="it-IT" sz="2400" spc="-1" strike="noStrike">
               <a:solidFill>
                 <a:srgbClr val="ffffff"/>
               </a:solidFill>
               <a:latin typeface="Arial"/>
+              <a:ea typeface="DejaVu Sans"/>
             </a:endParaRPr>
           </a:p>
         </p:txBody>
@@ -9239,7 +9434,7 @@
         <p:spPr>
           <a:xfrm>
             <a:off x="540000" y="270000"/>
-            <a:ext cx="9000000" cy="990000"/>
+            <a:ext cx="8999640" cy="989640"/>
           </a:xfrm>
           <a:prstGeom prst="rect">
             <a:avLst/>
@@ -9254,21 +9449,21 @@
             <a:noAutofit/>
           </a:bodyPr>
           <a:p>
-            <a:pPr indent="0" algn="ctr">
-              <a:buNone/>
-            </a:pPr>
-            <a:r>
-              <a:rPr b="0" lang="it-IT" sz="3300" spc="-1" strike="noStrike">
+            <a:pPr indent="0">
+              <a:buNone/>
+            </a:pPr>
+            <a:r>
+              <a:rPr b="0" lang="it-IT" sz="1800" spc="-1" strike="noStrike">
                 <a:solidFill>
-                  <a:srgbClr val="ffffff"/>
+                  <a:srgbClr val="000000"/>
                 </a:solidFill>
                 <a:latin typeface="Arial"/>
               </a:rPr>
               <a:t>Fai clic per modificare il formato del testo del titolo</a:t>
             </a:r>
-            <a:endParaRPr b="0" lang="it-IT" sz="3300" spc="-1" strike="noStrike">
-              <a:solidFill>
-                <a:srgbClr val="ffffff"/>
+            <a:endParaRPr b="0" lang="it-IT" sz="1800" spc="-1" strike="noStrike">
+              <a:solidFill>
+                <a:srgbClr val="000000"/>
               </a:solidFill>
               <a:latin typeface="Arial"/>
             </a:endParaRPr>
@@ -9288,16 +9483,12 @@
         <p:spPr>
           <a:xfrm>
             <a:off x="540000" y="1440000"/>
-            <a:ext cx="9000000" cy="3600000"/>
-          </a:xfrm>
-          <a:prstGeom prst="rect">
-            <a:avLst/>
-          </a:prstGeom>
-          <a:solidFill>
-            <a:srgbClr val="ffffff">
-              <a:alpha val="50000"/>
-            </a:srgbClr>
-          </a:solidFill>
+            <a:ext cx="8999640" cy="3599640"/>
+          </a:xfrm>
+          <a:prstGeom prst="rect">
+            <a:avLst/>
+          </a:prstGeom>
+          <a:noFill/>
           <a:ln w="0">
             <a:noFill/>
           </a:ln>
@@ -9308,9 +9499,9 @@
           </a:bodyPr>
           <a:p>
             <a:pPr marL="432000" indent="-324000">
-              <a:spcAft>
-                <a:spcPts val="1057"/>
-              </a:spcAft>
+              <a:spcBef>
+                <a:spcPts val="1417"/>
+              </a:spcBef>
               <a:buClr>
                 <a:srgbClr val="000000"/>
               </a:buClr>
@@ -9319,7 +9510,7 @@
               <a:buChar char=""/>
             </a:pPr>
             <a:r>
-              <a:rPr b="0" lang="it-IT" sz="2400" spc="-1" strike="noStrike">
+              <a:rPr b="0" lang="it-IT" sz="1800" spc="-1" strike="noStrike">
                 <a:solidFill>
                   <a:srgbClr val="000000"/>
                 </a:solidFill>
@@ -9327,7 +9518,7 @@
               </a:rPr>
               <a:t>Fai clic per modificare il formato del testo della struttura</a:t>
             </a:r>
-            <a:endParaRPr b="0" lang="it-IT" sz="2400" spc="-1" strike="noStrike">
+            <a:endParaRPr b="0" lang="it-IT" sz="1800" spc="-1" strike="noStrike">
               <a:solidFill>
                 <a:srgbClr val="000000"/>
               </a:solidFill>
@@ -9336,9 +9527,9 @@
           </a:p>
           <a:p>
             <a:pPr lvl="1" marL="864000" indent="-324000">
-              <a:spcAft>
-                <a:spcPts val="845"/>
-              </a:spcAft>
+              <a:spcBef>
+                <a:spcPts val="1134"/>
+              </a:spcBef>
               <a:buClr>
                 <a:srgbClr val="000000"/>
               </a:buClr>
@@ -9347,7 +9538,7 @@
               <a:buChar char=""/>
             </a:pPr>
             <a:r>
-              <a:rPr b="0" lang="it-IT" sz="2100" spc="-1" strike="noStrike">
+              <a:rPr b="0" lang="it-IT" sz="1800" spc="-1" strike="noStrike">
                 <a:solidFill>
                   <a:srgbClr val="000000"/>
                 </a:solidFill>
@@ -9355,7 +9546,7 @@
               </a:rPr>
               <a:t>Secondo livello struttura</a:t>
             </a:r>
-            <a:endParaRPr b="0" lang="it-IT" sz="2100" spc="-1" strike="noStrike">
+            <a:endParaRPr b="0" lang="it-IT" sz="1800" spc="-1" strike="noStrike">
               <a:solidFill>
                 <a:srgbClr val="000000"/>
               </a:solidFill>
@@ -9364,9 +9555,9 @@
           </a:p>
           <a:p>
             <a:pPr lvl="2" marL="1296000" indent="-288000">
-              <a:spcAft>
-                <a:spcPts val="632"/>
-              </a:spcAft>
+              <a:spcBef>
+                <a:spcPts val="850"/>
+              </a:spcBef>
               <a:buClr>
                 <a:srgbClr val="000000"/>
               </a:buClr>
@@ -9392,9 +9583,9 @@
           </a:p>
           <a:p>
             <a:pPr lvl="3" marL="1728000" indent="-216000">
-              <a:spcAft>
-                <a:spcPts val="425"/>
-              </a:spcAft>
+              <a:spcBef>
+                <a:spcPts val="567"/>
+              </a:spcBef>
               <a:buClr>
                 <a:srgbClr val="000000"/>
               </a:buClr>
@@ -9403,7 +9594,7 @@
               <a:buChar char=""/>
             </a:pPr>
             <a:r>
-              <a:rPr b="0" lang="it-IT" sz="1500" spc="-1" strike="noStrike">
+              <a:rPr b="0" lang="it-IT" sz="1800" spc="-1" strike="noStrike">
                 <a:solidFill>
                   <a:srgbClr val="000000"/>
                 </a:solidFill>
@@ -9411,7 +9602,7 @@
               </a:rPr>
               <a:t>Quarto livello struttura</a:t>
             </a:r>
-            <a:endParaRPr b="0" lang="it-IT" sz="1500" spc="-1" strike="noStrike">
+            <a:endParaRPr b="0" lang="it-IT" sz="1800" spc="-1" strike="noStrike">
               <a:solidFill>
                 <a:srgbClr val="000000"/>
               </a:solidFill>
@@ -9420,9 +9611,9 @@
           </a:p>
           <a:p>
             <a:pPr lvl="4" marL="2160000" indent="-216000">
-              <a:spcAft>
-                <a:spcPts val="213"/>
-              </a:spcAft>
+              <a:spcBef>
+                <a:spcPts val="283"/>
+              </a:spcBef>
               <a:buClr>
                 <a:srgbClr val="000000"/>
               </a:buClr>
@@ -9431,7 +9622,7 @@
               <a:buChar char=""/>
             </a:pPr>
             <a:r>
-              <a:rPr b="0" lang="it-IT" sz="1500" spc="-1" strike="noStrike">
+              <a:rPr b="0" lang="it-IT" sz="1800" spc="-1" strike="noStrike">
                 <a:solidFill>
                   <a:srgbClr val="000000"/>
                 </a:solidFill>
@@ -9439,7 +9630,7 @@
               </a:rPr>
               <a:t>Quinto livello struttura</a:t>
             </a:r>
-            <a:endParaRPr b="0" lang="it-IT" sz="1500" spc="-1" strike="noStrike">
+            <a:endParaRPr b="0" lang="it-IT" sz="1800" spc="-1" strike="noStrike">
               <a:solidFill>
                 <a:srgbClr val="000000"/>
               </a:solidFill>
@@ -9448,9 +9639,9 @@
           </a:p>
           <a:p>
             <a:pPr lvl="5" marL="2592000" indent="-216000">
-              <a:spcAft>
-                <a:spcPts val="213"/>
-              </a:spcAft>
+              <a:spcBef>
+                <a:spcPts val="283"/>
+              </a:spcBef>
               <a:buClr>
                 <a:srgbClr val="000000"/>
               </a:buClr>
@@ -9459,7 +9650,7 @@
               <a:buChar char=""/>
             </a:pPr>
             <a:r>
-              <a:rPr b="0" lang="it-IT" sz="1500" spc="-1" strike="noStrike">
+              <a:rPr b="0" lang="it-IT" sz="1800" spc="-1" strike="noStrike">
                 <a:solidFill>
                   <a:srgbClr val="000000"/>
                 </a:solidFill>
@@ -9467,7 +9658,7 @@
               </a:rPr>
               <a:t>Sesto livello struttura</a:t>
             </a:r>
-            <a:endParaRPr b="0" lang="it-IT" sz="1500" spc="-1" strike="noStrike">
+            <a:endParaRPr b="0" lang="it-IT" sz="1800" spc="-1" strike="noStrike">
               <a:solidFill>
                 <a:srgbClr val="000000"/>
               </a:solidFill>
@@ -9476,9 +9667,9 @@
           </a:p>
           <a:p>
             <a:pPr lvl="6" marL="3024000" indent="-216000">
-              <a:spcAft>
-                <a:spcPts val="213"/>
-              </a:spcAft>
+              <a:spcBef>
+                <a:spcPts val="283"/>
+              </a:spcBef>
               <a:buClr>
                 <a:srgbClr val="000000"/>
               </a:buClr>
@@ -9487,7 +9678,7 @@
               <a:buChar char=""/>
             </a:pPr>
             <a:r>
-              <a:rPr b="0" lang="it-IT" sz="1500" spc="-1" strike="noStrike">
+              <a:rPr b="0" lang="it-IT" sz="1800" spc="-1" strike="noStrike">
                 <a:solidFill>
                   <a:srgbClr val="000000"/>
                 </a:solidFill>
@@ -9495,7 +9686,7 @@
               </a:rPr>
               <a:t>Settimo livello struttura</a:t>
             </a:r>
-            <a:endParaRPr b="0" lang="it-IT" sz="1500" spc="-1" strike="noStrike">
+            <a:endParaRPr b="0" lang="it-IT" sz="1800" spc="-1" strike="noStrike">
               <a:solidFill>
                 <a:srgbClr val="000000"/>
               </a:solidFill>
@@ -9511,13 +9702,13 @@
             <a:spLocks noGrp="1"/>
           </p:cNvSpPr>
           <p:nvPr>
-            <p:ph type="dt" idx="4"/>
-          </p:nvPr>
-        </p:nvSpPr>
-        <p:spPr>
-          <a:xfrm>
-            <a:off x="180000" y="5130000"/>
-            <a:ext cx="2340000" cy="392400"/>
+            <p:ph type="ftr" idx="4"/>
+          </p:nvPr>
+        </p:nvSpPr>
+        <p:spPr>
+          <a:xfrm>
+            <a:off x="3420000" y="5130000"/>
+            <a:ext cx="3239640" cy="392040"/>
           </a:xfrm>
           <a:prstGeom prst="rect">
             <a:avLst/>
@@ -9532,8 +9723,14 @@
             <a:noAutofit/>
           </a:bodyPr>
           <a:lstStyle>
-            <a:lvl1pPr indent="0">
-              <a:buNone/>
+            <a:lvl1pPr indent="0" algn="ctr">
+              <a:lnSpc>
+                <a:spcPct val="100000"/>
+              </a:lnSpc>
+              <a:buNone/>
+              <a:tabLst>
+                <a:tab algn="l" pos="0"/>
+              </a:tabLst>
               <a:defRPr b="0" lang="it-IT" sz="1400" spc="-1" strike="noStrike">
                 <a:solidFill>
                   <a:srgbClr val="ffffff"/>
@@ -9543,8 +9740,14 @@
             </a:lvl1pPr>
           </a:lstStyle>
           <a:p>
-            <a:pPr indent="0">
-              <a:buNone/>
+            <a:pPr indent="0" algn="ctr">
+              <a:lnSpc>
+                <a:spcPct val="100000"/>
+              </a:lnSpc>
+              <a:buNone/>
+              <a:tabLst>
+                <a:tab algn="l" pos="0"/>
+              </a:tabLst>
             </a:pPr>
             <a:r>
               <a:rPr b="0" lang="it-IT" sz="1400" spc="-1" strike="noStrike">
@@ -9553,13 +9756,13 @@
                 </a:solidFill>
                 <a:latin typeface="Arial"/>
               </a:rPr>
-              <a:t>&lt;data/ora&gt;</a:t>
+              <a:t>&lt;piè di pagina&gt;</a:t>
             </a:r>
             <a:endParaRPr b="0" lang="it-IT" sz="1400" spc="-1" strike="noStrike">
               <a:solidFill>
-                <a:srgbClr val="ffffff"/>
-              </a:solidFill>
-              <a:latin typeface="Arial"/>
+                <a:srgbClr val="000000"/>
+              </a:solidFill>
+              <a:latin typeface="Times New Roman"/>
             </a:endParaRPr>
           </a:p>
         </p:txBody>
@@ -9571,13 +9774,13 @@
             <a:spLocks noGrp="1"/>
           </p:cNvSpPr>
           <p:nvPr>
-            <p:ph type="ftr" idx="5"/>
-          </p:nvPr>
-        </p:nvSpPr>
-        <p:spPr>
-          <a:xfrm>
-            <a:off x="3420000" y="5130000"/>
-            <a:ext cx="3240000" cy="392400"/>
+            <p:ph type="sldNum" idx="5"/>
+          </p:nvPr>
+        </p:nvSpPr>
+        <p:spPr>
+          <a:xfrm>
+            <a:off x="7560000" y="5130000"/>
+            <a:ext cx="2339640" cy="392040"/>
           </a:xfrm>
           <a:prstGeom prst="rect">
             <a:avLst/>
@@ -9592,8 +9795,14 @@
             <a:noAutofit/>
           </a:bodyPr>
           <a:lstStyle>
-            <a:lvl1pPr indent="0" algn="ctr">
-              <a:buNone/>
+            <a:lvl1pPr indent="0" algn="r">
+              <a:lnSpc>
+                <a:spcPct val="100000"/>
+              </a:lnSpc>
+              <a:buNone/>
+              <a:tabLst>
+                <a:tab algn="l" pos="0"/>
+              </a:tabLst>
               <a:defRPr b="0" lang="it-IT" sz="1400" spc="-1" strike="noStrike">
                 <a:solidFill>
                   <a:srgbClr val="ffffff"/>
@@ -9603,70 +9812,16 @@
             </a:lvl1pPr>
           </a:lstStyle>
           <a:p>
-            <a:pPr indent="0" algn="ctr">
-              <a:buNone/>
-            </a:pPr>
-            <a:r>
-              <a:rPr b="0" lang="it-IT" sz="1400" spc="-1" strike="noStrike">
-                <a:solidFill>
-                  <a:srgbClr val="ffffff"/>
-                </a:solidFill>
-                <a:latin typeface="Arial"/>
-              </a:rPr>
-              <a:t>&lt;piè di pagina&gt;</a:t>
-            </a:r>
-            <a:endParaRPr b="0" lang="it-IT" sz="1400" spc="-1" strike="noStrike">
-              <a:solidFill>
-                <a:srgbClr val="ffffff"/>
-              </a:solidFill>
-              <a:latin typeface="Arial"/>
-            </a:endParaRPr>
-          </a:p>
-        </p:txBody>
-      </p:sp>
-      <p:sp>
-        <p:nvSpPr>
-          <p:cNvPr id="72" name="PlaceHolder 5"/>
-          <p:cNvSpPr>
-            <a:spLocks noGrp="1"/>
-          </p:cNvSpPr>
-          <p:nvPr>
-            <p:ph type="sldNum" idx="6"/>
-          </p:nvPr>
-        </p:nvSpPr>
-        <p:spPr>
-          <a:xfrm>
-            <a:off x="7560000" y="5130000"/>
-            <a:ext cx="2340000" cy="392400"/>
-          </a:xfrm>
-          <a:prstGeom prst="rect">
-            <a:avLst/>
-          </a:prstGeom>
-          <a:noFill/>
-          <a:ln w="0">
-            <a:noFill/>
-          </a:ln>
-        </p:spPr>
-        <p:txBody>
-          <a:bodyPr lIns="0" rIns="0" tIns="0" bIns="0" anchor="b">
-            <a:noAutofit/>
-          </a:bodyPr>
-          <a:lstStyle>
-            <a:lvl1pPr indent="0" algn="r">
-              <a:buNone/>
-              <a:defRPr b="0" lang="it-IT" sz="1400" spc="-1" strike="noStrike">
-                <a:solidFill>
-                  <a:srgbClr val="ffffff"/>
-                </a:solidFill>
-                <a:latin typeface="Arial"/>
-              </a:defRPr>
-            </a:lvl1pPr>
-          </a:lstStyle>
-          <a:p>
             <a:pPr indent="0" algn="r">
-              <a:buNone/>
-            </a:pPr>
-            <a:fld id="{851FEE33-1676-49C9-99CC-D1B89A4F6113}" type="slidenum">
+              <a:lnSpc>
+                <a:spcPct val="100000"/>
+              </a:lnSpc>
+              <a:buNone/>
+              <a:tabLst>
+                <a:tab algn="l" pos="0"/>
+              </a:tabLst>
+            </a:pPr>
+            <a:fld id="{79A1F68C-0E84-4C83-9ABA-A699FDE6A624}" type="slidenum">
               <a:rPr b="0" lang="it-IT" sz="1400" spc="-1" strike="noStrike">
                 <a:solidFill>
                   <a:srgbClr val="ffffff"/>
@@ -9677,9 +9832,69 @@
             </a:fld>
             <a:endParaRPr b="0" lang="it-IT" sz="1400" spc="-1" strike="noStrike">
               <a:solidFill>
-                <a:srgbClr val="ffffff"/>
-              </a:solidFill>
-              <a:latin typeface="Arial"/>
+                <a:srgbClr val="000000"/>
+              </a:solidFill>
+              <a:latin typeface="Times New Roman"/>
+            </a:endParaRPr>
+          </a:p>
+        </p:txBody>
+      </p:sp>
+      <p:sp>
+        <p:nvSpPr>
+          <p:cNvPr id="72" name="PlaceHolder 5"/>
+          <p:cNvSpPr>
+            <a:spLocks noGrp="1"/>
+          </p:cNvSpPr>
+          <p:nvPr>
+            <p:ph type="dt" idx="6"/>
+          </p:nvPr>
+        </p:nvSpPr>
+        <p:spPr>
+          <a:xfrm>
+            <a:off x="180000" y="5130000"/>
+            <a:ext cx="2339640" cy="392040"/>
+          </a:xfrm>
+          <a:prstGeom prst="rect">
+            <a:avLst/>
+          </a:prstGeom>
+          <a:noFill/>
+          <a:ln w="0">
+            <a:noFill/>
+          </a:ln>
+        </p:spPr>
+        <p:txBody>
+          <a:bodyPr lIns="0" rIns="0" tIns="0" bIns="0" anchor="b">
+            <a:noAutofit/>
+          </a:bodyPr>
+          <a:lstStyle>
+            <a:lvl1pPr indent="0">
+              <a:buNone/>
+              <a:defRPr b="0" lang="it-IT" sz="1400" spc="-1" strike="noStrike">
+                <a:solidFill>
+                  <a:srgbClr val="000000"/>
+                </a:solidFill>
+                <a:latin typeface="Times New Roman"/>
+              </a:defRPr>
+            </a:lvl1pPr>
+          </a:lstStyle>
+          <a:p>
+            <a:pPr indent="0">
+              <a:buNone/>
+            </a:pPr>
+            <a:r>
+              <a:rPr b="0" lang="it-IT" sz="1400" spc="-1" strike="noStrike">
+                <a:solidFill>
+                  <a:srgbClr val="000000"/>
+                </a:solidFill>
+                <a:latin typeface="Times New Roman"/>
+              </a:rPr>
+              <a:t>&lt;data/ora&gt;</a:t>
+            </a:r>
+            <a:endParaRPr b="0" lang="it-IT" sz="1400" spc="-1" strike="noStrike">
+              <a:solidFill>
+                <a:srgbClr val="000000"/>
+              </a:solidFill>
+              <a:latin typeface="Times New Roman"/>
             </a:endParaRPr>
           </a:p>
         </p:txBody>
@@ -9730,7 +9945,7 @@
         <p:spPr>
           <a:xfrm>
             <a:off x="0" y="360"/>
-            <a:ext cx="10080000" cy="5669640"/>
+            <a:ext cx="10079640" cy="5669280"/>
           </a:xfrm>
           <a:prstGeom prst="rect">
             <a:avLst/>
@@ -9761,11 +9976,17 @@
             <a:noAutofit/>
           </a:bodyPr>
           <a:p>
+            <a:pPr>
+              <a:lnSpc>
+                <a:spcPct val="100000"/>
+              </a:lnSpc>
+            </a:pPr>
             <a:endParaRPr b="0" lang="it-IT" sz="2400" spc="-1" strike="noStrike">
               <a:solidFill>
                 <a:srgbClr val="000000"/>
               </a:solidFill>
               <a:latin typeface="Arial"/>
+              <a:ea typeface="DejaVu Sans"/>
             </a:endParaRPr>
           </a:p>
         </p:txBody>
@@ -9779,7 +10000,7 @@
         <p:spPr>
           <a:xfrm flipH="1">
             <a:off x="-3960" y="0"/>
-            <a:ext cx="10080360" cy="5670360"/>
+            <a:ext cx="10080000" cy="5670000"/>
           </a:xfrm>
           <a:prstGeom prst="rect">
             <a:avLst/>
@@ -9788,7 +10009,7 @@
             <a:gsLst>
               <a:gs pos="0">
                 <a:srgbClr val="ffffff">
-                  <a:alpha val="90196"/>
+                  <a:alpha val="90000"/>
                 </a:srgbClr>
               </a:gs>
               <a:gs pos="75000">
@@ -9816,11 +10037,17 @@
             <a:noAutofit/>
           </a:bodyPr>
           <a:p>
+            <a:pPr>
+              <a:lnSpc>
+                <a:spcPct val="100000"/>
+              </a:lnSpc>
+            </a:pPr>
             <a:endParaRPr b="0" lang="it-IT" sz="2400" spc="-1" strike="noStrike">
               <a:solidFill>
                 <a:srgbClr val="000000"/>
               </a:solidFill>
               <a:latin typeface="Arial"/>
+              <a:ea typeface="DejaVu Sans"/>
             </a:endParaRPr>
           </a:p>
         </p:txBody>
@@ -9834,7 +10061,7 @@
         <p:spPr>
           <a:xfrm>
             <a:off x="0" y="1260360"/>
-            <a:ext cx="10260000" cy="4499640"/>
+            <a:ext cx="10259640" cy="4499280"/>
           </a:xfrm>
           <a:prstGeom prst="rect">
             <a:avLst/>
@@ -9857,11 +10084,17 @@
             <a:noAutofit/>
           </a:bodyPr>
           <a:p>
+            <a:pPr>
+              <a:lnSpc>
+                <a:spcPct val="100000"/>
+              </a:lnSpc>
+            </a:pPr>
             <a:endParaRPr b="0" lang="it-IT" sz="2400" spc="-1" strike="noStrike">
               <a:solidFill>
                 <a:srgbClr val="000000"/>
               </a:solidFill>
               <a:latin typeface="Arial"/>
+              <a:ea typeface="DejaVu Sans"/>
             </a:endParaRPr>
           </a:p>
         </p:txBody>
@@ -9869,27 +10102,38 @@
       <p:sp>
         <p:nvSpPr>
           <p:cNvPr id="112" name=""/>
-          <p:cNvSpPr txBox="1"/>
+          <p:cNvSpPr/>
           <p:nvPr/>
         </p:nvSpPr>
         <p:spPr>
           <a:xfrm>
             <a:off x="180360" y="5130360"/>
-            <a:ext cx="2340000" cy="392400"/>
-          </a:xfrm>
-          <a:prstGeom prst="rect">
-            <a:avLst/>
-          </a:prstGeom>
-          <a:noFill/>
-          <a:ln w="0">
-            <a:noFill/>
-          </a:ln>
-        </p:spPr>
+            <a:ext cx="2339640" cy="392040"/>
+          </a:xfrm>
+          <a:prstGeom prst="rect">
+            <a:avLst/>
+          </a:prstGeom>
+          <a:noFill/>
+          <a:ln w="0">
+            <a:noFill/>
+          </a:ln>
+        </p:spPr>
+        <p:style>
+          <a:lnRef idx="0"/>
+          <a:fillRef idx="0"/>
+          <a:effectRef idx="0"/>
+          <a:fontRef idx="minor"/>
+        </p:style>
         <p:txBody>
           <a:bodyPr lIns="0" rIns="0" tIns="0" bIns="0" anchor="b">
             <a:noAutofit/>
           </a:bodyPr>
           <a:p>
+            <a:pPr>
+              <a:lnSpc>
+                <a:spcPct val="100000"/>
+              </a:lnSpc>
+            </a:pPr>
             <a:r>
               <a:rPr b="0" lang="it-IT" sz="1400" spc="-1" strike="noStrike">
                 <a:solidFill>
@@ -9911,29 +10155,39 @@
       <p:sp>
         <p:nvSpPr>
           <p:cNvPr id="113" name=""/>
-          <p:cNvSpPr txBox="1"/>
+          <p:cNvSpPr/>
           <p:nvPr/>
         </p:nvSpPr>
         <p:spPr>
           <a:xfrm>
             <a:off x="7560360" y="5130360"/>
-            <a:ext cx="2340000" cy="392400"/>
-          </a:xfrm>
-          <a:prstGeom prst="rect">
-            <a:avLst/>
-          </a:prstGeom>
-          <a:noFill/>
-          <a:ln w="0">
-            <a:noFill/>
-          </a:ln>
-        </p:spPr>
+            <a:ext cx="2339640" cy="392040"/>
+          </a:xfrm>
+          <a:prstGeom prst="rect">
+            <a:avLst/>
+          </a:prstGeom>
+          <a:noFill/>
+          <a:ln w="0">
+            <a:noFill/>
+          </a:ln>
+        </p:spPr>
+        <p:style>
+          <a:lnRef idx="0"/>
+          <a:fillRef idx="0"/>
+          <a:effectRef idx="0"/>
+          <a:fontRef idx="minor"/>
+        </p:style>
         <p:txBody>
           <a:bodyPr lIns="0" rIns="0" tIns="0" bIns="0" anchor="b">
             <a:noAutofit/>
           </a:bodyPr>
           <a:p>
-            <a:pPr algn="r"/>
-            <a:fld id="{BFE360D1-1C77-41A8-B628-0158C0061A7A}" type="slidenum">
+            <a:pPr algn="r">
+              <a:lnSpc>
+                <a:spcPct val="100000"/>
+              </a:lnSpc>
+            </a:pPr>
+            <a:fld id="{30947B83-741D-4166-B6D2-290ACF6222ED}" type="slidenum">
               <a:rPr b="0" lang="it-IT" sz="1400" spc="-1" strike="noStrike">
                 <a:solidFill>
                   <a:srgbClr val="000000"/>
@@ -9960,7 +10214,7 @@
         <p:spPr>
           <a:xfrm>
             <a:off x="1440360" y="1080360"/>
-            <a:ext cx="1440000" cy="1260000"/>
+            <a:ext cx="1439640" cy="1259640"/>
           </a:xfrm>
           <a:prstGeom prst="ellipse">
             <a:avLst/>
@@ -9985,11 +10239,17 @@
             <a:noAutofit/>
           </a:bodyPr>
           <a:p>
+            <a:pPr>
+              <a:lnSpc>
+                <a:spcPct val="100000"/>
+              </a:lnSpc>
+            </a:pPr>
             <a:endParaRPr b="0" lang="it-IT" sz="2400" spc="-1" strike="noStrike">
               <a:solidFill>
                 <a:srgbClr val="000000"/>
               </a:solidFill>
               <a:latin typeface="Arial"/>
+              <a:ea typeface="DejaVu Sans"/>
             </a:endParaRPr>
           </a:p>
         </p:txBody>
@@ -10003,7 +10263,7 @@
         <p:spPr>
           <a:xfrm>
             <a:off x="7380360" y="3960360"/>
-            <a:ext cx="1440000" cy="1260000"/>
+            <a:ext cx="1439640" cy="1259640"/>
           </a:xfrm>
           <a:prstGeom prst="ellipse">
             <a:avLst/>
@@ -10028,11 +10288,17 @@
             <a:noAutofit/>
           </a:bodyPr>
           <a:p>
+            <a:pPr>
+              <a:lnSpc>
+                <a:spcPct val="100000"/>
+              </a:lnSpc>
+            </a:pPr>
             <a:endParaRPr b="0" lang="it-IT" sz="2400" spc="-1" strike="noStrike">
               <a:solidFill>
                 <a:srgbClr val="000000"/>
               </a:solidFill>
               <a:latin typeface="Arial"/>
+              <a:ea typeface="DejaVu Sans"/>
             </a:endParaRPr>
           </a:p>
         </p:txBody>
@@ -10046,7 +10312,7 @@
         <p:spPr>
           <a:xfrm>
             <a:off x="540360" y="1080360"/>
-            <a:ext cx="720000" cy="720000"/>
+            <a:ext cx="719640" cy="719640"/>
           </a:xfrm>
           <a:prstGeom prst="ellipse">
             <a:avLst/>
@@ -10071,11 +10337,17 @@
             <a:noAutofit/>
           </a:bodyPr>
           <a:p>
+            <a:pPr>
+              <a:lnSpc>
+                <a:spcPct val="100000"/>
+              </a:lnSpc>
+            </a:pPr>
             <a:endParaRPr b="0" lang="it-IT" sz="2400" spc="-1" strike="noStrike">
               <a:solidFill>
                 <a:srgbClr val="000000"/>
               </a:solidFill>
               <a:latin typeface="Arial"/>
+              <a:ea typeface="DejaVu Sans"/>
             </a:endParaRPr>
           </a:p>
         </p:txBody>
@@ -10089,7 +10361,7 @@
         <p:spPr>
           <a:xfrm>
             <a:off x="360" y="1260360"/>
-            <a:ext cx="720000" cy="720000"/>
+            <a:ext cx="719640" cy="719640"/>
           </a:xfrm>
           <a:prstGeom prst="ellipse">
             <a:avLst/>
@@ -10114,11 +10386,17 @@
             <a:noAutofit/>
           </a:bodyPr>
           <a:p>
+            <a:pPr>
+              <a:lnSpc>
+                <a:spcPct val="100000"/>
+              </a:lnSpc>
+            </a:pPr>
             <a:endParaRPr b="0" lang="it-IT" sz="2400" spc="-1" strike="noStrike">
               <a:solidFill>
                 <a:srgbClr val="000000"/>
               </a:solidFill>
               <a:latin typeface="Arial"/>
+              <a:ea typeface="DejaVu Sans"/>
             </a:endParaRPr>
           </a:p>
         </p:txBody>
@@ -10136,7 +10414,7 @@
         <p:spPr>
           <a:xfrm>
             <a:off x="540000" y="270000"/>
-            <a:ext cx="9000000" cy="990000"/>
+            <a:ext cx="8999640" cy="989640"/>
           </a:xfrm>
           <a:prstGeom prst="rect">
             <a:avLst/>
@@ -10151,121 +10429,8 @@
             <a:noAutofit/>
           </a:bodyPr>
           <a:p>
-            <a:pPr indent="0" algn="ctr">
-              <a:buNone/>
-            </a:pPr>
-            <a:r>
-              <a:rPr b="0" lang="it-IT" sz="3300" spc="-1" strike="noStrike">
-                <a:solidFill>
-                  <a:srgbClr val="ffffff"/>
-                </a:solidFill>
-                <a:latin typeface="Arial"/>
-              </a:rPr>
-              <a:t>Fai clic per modificare il formato del testo del titolo</a:t>
-            </a:r>
-            <a:endParaRPr b="0" lang="it-IT" sz="3300" spc="-1" strike="noStrike">
-              <a:solidFill>
-                <a:srgbClr val="ffffff"/>
-              </a:solidFill>
-              <a:latin typeface="Arial"/>
-            </a:endParaRPr>
-          </a:p>
-        </p:txBody>
-      </p:sp>
-      <p:sp>
-        <p:nvSpPr>
-          <p:cNvPr id="119" name="PlaceHolder 2"/>
-          <p:cNvSpPr>
-            <a:spLocks noGrp="1"/>
-          </p:cNvSpPr>
-          <p:nvPr>
-            <p:ph type="body"/>
-          </p:nvPr>
-        </p:nvSpPr>
-        <p:spPr>
-          <a:xfrm>
-            <a:off x="540000" y="1440000"/>
-            <a:ext cx="9000000" cy="3600000"/>
-          </a:xfrm>
-          <a:prstGeom prst="rect">
-            <a:avLst/>
-          </a:prstGeom>
-          <a:noFill/>
-          <a:ln w="0">
-            <a:noFill/>
-          </a:ln>
-        </p:spPr>
-        <p:txBody>
-          <a:bodyPr lIns="0" rIns="0" tIns="0" bIns="0" anchor="t">
-            <a:normAutofit/>
-          </a:bodyPr>
-          <a:p>
-            <a:pPr marL="432000" indent="-324000">
-              <a:spcAft>
-                <a:spcPts val="1060"/>
-              </a:spcAft>
-              <a:buClr>
-                <a:srgbClr val="000000"/>
-              </a:buClr>
-              <a:buSzPct val="45000"/>
-              <a:buFont typeface="Wingdings" charset="2"/>
-              <a:buChar char=""/>
-            </a:pPr>
-            <a:r>
-              <a:rPr b="0" lang="it-IT" sz="2400" spc="-1" strike="noStrike">
-                <a:solidFill>
-                  <a:srgbClr val="000000"/>
-                </a:solidFill>
-                <a:latin typeface="Arial"/>
-              </a:rPr>
-              <a:t>Fai clic per modificare il formato del testo della struttura</a:t>
-            </a:r>
-            <a:endParaRPr b="0" lang="it-IT" sz="2400" spc="-1" strike="noStrike">
-              <a:solidFill>
-                <a:srgbClr val="000000"/>
-              </a:solidFill>
-              <a:latin typeface="Arial"/>
-            </a:endParaRPr>
-          </a:p>
-          <a:p>
-            <a:pPr lvl="1" marL="864000" indent="-324000">
-              <a:spcAft>
-                <a:spcPts val="850"/>
-              </a:spcAft>
-              <a:buClr>
-                <a:srgbClr val="000000"/>
-              </a:buClr>
-              <a:buSzPct val="75000"/>
-              <a:buFont typeface="Symbol" charset="2"/>
-              <a:buChar char=""/>
-            </a:pPr>
-            <a:r>
-              <a:rPr b="0" lang="it-IT" sz="2100" spc="-1" strike="noStrike">
-                <a:solidFill>
-                  <a:srgbClr val="000000"/>
-                </a:solidFill>
-                <a:latin typeface="Arial"/>
-              </a:rPr>
-              <a:t>Secondo livello struttura</a:t>
-            </a:r>
-            <a:endParaRPr b="0" lang="it-IT" sz="2100" spc="-1" strike="noStrike">
-              <a:solidFill>
-                <a:srgbClr val="000000"/>
-              </a:solidFill>
-              <a:latin typeface="Arial"/>
-            </a:endParaRPr>
-          </a:p>
-          <a:p>
-            <a:pPr lvl="2" marL="1296000" indent="-288000">
-              <a:spcAft>
-                <a:spcPts val="635"/>
-              </a:spcAft>
-              <a:buClr>
-                <a:srgbClr val="000000"/>
-              </a:buClr>
-              <a:buSzPct val="45000"/>
-              <a:buFont typeface="Wingdings" charset="2"/>
-              <a:buChar char=""/>
+            <a:pPr indent="0">
+              <a:buNone/>
             </a:pPr>
             <a:r>
               <a:rPr b="0" lang="it-IT" sz="1800" spc="-1" strike="noStrike">
@@ -10274,7 +10439,7 @@
                 </a:solidFill>
                 <a:latin typeface="Arial"/>
               </a:rPr>
-              <a:t>Terzo livello struttura</a:t>
+              <a:t>Fai clic per modificare il formato del testo del titolo</a:t>
             </a:r>
             <a:endParaRPr b="0" lang="it-IT" sz="1800" spc="-1" strike="noStrike">
               <a:solidFill>
@@ -10283,134 +10448,22 @@
               <a:latin typeface="Arial"/>
             </a:endParaRPr>
           </a:p>
-          <a:p>
-            <a:pPr lvl="3" marL="1728000" indent="-216000">
-              <a:spcAft>
-                <a:spcPts val="425"/>
-              </a:spcAft>
-              <a:buClr>
-                <a:srgbClr val="000000"/>
-              </a:buClr>
-              <a:buSzPct val="75000"/>
-              <a:buFont typeface="Symbol" charset="2"/>
-              <a:buChar char=""/>
-            </a:pPr>
-            <a:r>
-              <a:rPr b="0" lang="it-IT" sz="1500" spc="-1" strike="noStrike">
-                <a:solidFill>
-                  <a:srgbClr val="000000"/>
-                </a:solidFill>
-                <a:latin typeface="Arial"/>
-              </a:rPr>
-              <a:t>Quarto livello struttura</a:t>
-            </a:r>
-            <a:endParaRPr b="0" lang="it-IT" sz="1500" spc="-1" strike="noStrike">
-              <a:solidFill>
-                <a:srgbClr val="000000"/>
-              </a:solidFill>
-              <a:latin typeface="Arial"/>
-            </a:endParaRPr>
-          </a:p>
-          <a:p>
-            <a:pPr lvl="4" marL="2160000" indent="-216000">
-              <a:spcAft>
-                <a:spcPts val="213"/>
-              </a:spcAft>
-              <a:buClr>
-                <a:srgbClr val="000000"/>
-              </a:buClr>
-              <a:buSzPct val="45000"/>
-              <a:buFont typeface="Wingdings" charset="2"/>
-              <a:buChar char=""/>
-            </a:pPr>
-            <a:r>
-              <a:rPr b="0" lang="it-IT" sz="1500" spc="-1" strike="noStrike">
-                <a:solidFill>
-                  <a:srgbClr val="000000"/>
-                </a:solidFill>
-                <a:latin typeface="Arial"/>
-              </a:rPr>
-              <a:t>Quinto livello struttura</a:t>
-            </a:r>
-            <a:endParaRPr b="0" lang="it-IT" sz="1500" spc="-1" strike="noStrike">
-              <a:solidFill>
-                <a:srgbClr val="000000"/>
-              </a:solidFill>
-              <a:latin typeface="Arial"/>
-            </a:endParaRPr>
-          </a:p>
-          <a:p>
-            <a:pPr lvl="5" marL="2592000" indent="-216000">
-              <a:spcAft>
-                <a:spcPts val="213"/>
-              </a:spcAft>
-              <a:buClr>
-                <a:srgbClr val="000000"/>
-              </a:buClr>
-              <a:buSzPct val="45000"/>
-              <a:buFont typeface="Wingdings" charset="2"/>
-              <a:buChar char=""/>
-            </a:pPr>
-            <a:r>
-              <a:rPr b="0" lang="it-IT" sz="1500" spc="-1" strike="noStrike">
-                <a:solidFill>
-                  <a:srgbClr val="000000"/>
-                </a:solidFill>
-                <a:latin typeface="Arial"/>
-              </a:rPr>
-              <a:t>Sesto livello struttura</a:t>
-            </a:r>
-            <a:endParaRPr b="0" lang="it-IT" sz="1500" spc="-1" strike="noStrike">
-              <a:solidFill>
-                <a:srgbClr val="000000"/>
-              </a:solidFill>
-              <a:latin typeface="Arial"/>
-            </a:endParaRPr>
-          </a:p>
-          <a:p>
-            <a:pPr lvl="6" marL="3024000" indent="-216000">
-              <a:spcAft>
-                <a:spcPts val="213"/>
-              </a:spcAft>
-              <a:buClr>
-                <a:srgbClr val="000000"/>
-              </a:buClr>
-              <a:buSzPct val="45000"/>
-              <a:buFont typeface="Wingdings" charset="2"/>
-              <a:buChar char=""/>
-            </a:pPr>
-            <a:r>
-              <a:rPr b="0" lang="it-IT" sz="1500" spc="-1" strike="noStrike">
-                <a:solidFill>
-                  <a:srgbClr val="000000"/>
-                </a:solidFill>
-                <a:latin typeface="Arial"/>
-              </a:rPr>
-              <a:t>Settimo livello struttura</a:t>
-            </a:r>
-            <a:endParaRPr b="0" lang="it-IT" sz="1500" spc="-1" strike="noStrike">
-              <a:solidFill>
-                <a:srgbClr val="000000"/>
-              </a:solidFill>
-              <a:latin typeface="Arial"/>
-            </a:endParaRPr>
-          </a:p>
-        </p:txBody>
-      </p:sp>
-      <p:sp>
-        <p:nvSpPr>
-          <p:cNvPr id="120" name="PlaceHolder 3"/>
-          <p:cNvSpPr>
-            <a:spLocks noGrp="1"/>
-          </p:cNvSpPr>
-          <p:nvPr>
-            <p:ph type="dt" idx="7"/>
-          </p:nvPr>
-        </p:nvSpPr>
-        <p:spPr>
-          <a:xfrm>
-            <a:off x="180000" y="5130000"/>
-            <a:ext cx="2340000" cy="392400"/>
+        </p:txBody>
+      </p:sp>
+      <p:sp>
+        <p:nvSpPr>
+          <p:cNvPr id="119" name="PlaceHolder 2"/>
+          <p:cNvSpPr>
+            <a:spLocks noGrp="1"/>
+          </p:cNvSpPr>
+          <p:nvPr>
+            <p:ph type="ftr" idx="7"/>
+          </p:nvPr>
+        </p:nvSpPr>
+        <p:spPr>
+          <a:xfrm>
+            <a:off x="3420000" y="5130000"/>
+            <a:ext cx="3239640" cy="392040"/>
           </a:xfrm>
           <a:prstGeom prst="rect">
             <a:avLst/>
@@ -10425,8 +10478,14 @@
             <a:noAutofit/>
           </a:bodyPr>
           <a:lstStyle>
-            <a:lvl1pPr indent="0">
-              <a:buNone/>
+            <a:lvl1pPr indent="0" algn="ctr">
+              <a:lnSpc>
+                <a:spcPct val="100000"/>
+              </a:lnSpc>
+              <a:buNone/>
+              <a:tabLst>
+                <a:tab algn="l" pos="0"/>
+              </a:tabLst>
               <a:defRPr b="0" lang="it-IT" sz="1400" spc="-1" strike="noStrike">
                 <a:solidFill>
                   <a:srgbClr val="000000"/>
@@ -10436,8 +10495,14 @@
             </a:lvl1pPr>
           </a:lstStyle>
           <a:p>
-            <a:pPr indent="0">
-              <a:buNone/>
+            <a:pPr indent="0" algn="ctr">
+              <a:lnSpc>
+                <a:spcPct val="100000"/>
+              </a:lnSpc>
+              <a:buNone/>
+              <a:tabLst>
+                <a:tab algn="l" pos="0"/>
+              </a:tabLst>
             </a:pPr>
             <a:r>
               <a:rPr b="0" lang="it-IT" sz="1400" spc="-1" strike="noStrike">
@@ -10446,31 +10511,31 @@
                 </a:solidFill>
                 <a:latin typeface="Arial"/>
               </a:rPr>
-              <a:t>&lt;data/ora&gt;</a:t>
+              <a:t>&lt;piè di pagina&gt;</a:t>
             </a:r>
             <a:endParaRPr b="0" lang="it-IT" sz="1400" spc="-1" strike="noStrike">
               <a:solidFill>
                 <a:srgbClr val="000000"/>
               </a:solidFill>
-              <a:latin typeface="Arial"/>
-            </a:endParaRPr>
-          </a:p>
-        </p:txBody>
-      </p:sp>
-      <p:sp>
-        <p:nvSpPr>
-          <p:cNvPr id="121" name="PlaceHolder 4"/>
-          <p:cNvSpPr>
-            <a:spLocks noGrp="1"/>
-          </p:cNvSpPr>
-          <p:nvPr>
-            <p:ph type="ftr" idx="8"/>
-          </p:nvPr>
-        </p:nvSpPr>
-        <p:spPr>
-          <a:xfrm>
-            <a:off x="3420000" y="5130000"/>
-            <a:ext cx="3240000" cy="392400"/>
+              <a:latin typeface="Times New Roman"/>
+            </a:endParaRPr>
+          </a:p>
+        </p:txBody>
+      </p:sp>
+      <p:sp>
+        <p:nvSpPr>
+          <p:cNvPr id="120" name="PlaceHolder 3"/>
+          <p:cNvSpPr>
+            <a:spLocks noGrp="1"/>
+          </p:cNvSpPr>
+          <p:nvPr>
+            <p:ph type="sldNum" idx="8"/>
+          </p:nvPr>
+        </p:nvSpPr>
+        <p:spPr>
+          <a:xfrm>
+            <a:off x="7560000" y="5130000"/>
+            <a:ext cx="2339640" cy="392040"/>
           </a:xfrm>
           <a:prstGeom prst="rect">
             <a:avLst/>
@@ -10485,8 +10550,14 @@
             <a:noAutofit/>
           </a:bodyPr>
           <a:lstStyle>
-            <a:lvl1pPr indent="0" algn="ctr">
-              <a:buNone/>
+            <a:lvl1pPr indent="0" algn="r">
+              <a:lnSpc>
+                <a:spcPct val="100000"/>
+              </a:lnSpc>
+              <a:buNone/>
+              <a:tabLst>
+                <a:tab algn="l" pos="0"/>
+              </a:tabLst>
               <a:defRPr b="0" lang="it-IT" sz="1400" spc="-1" strike="noStrike">
                 <a:solidFill>
                   <a:srgbClr val="000000"/>
@@ -10496,70 +10567,16 @@
             </a:lvl1pPr>
           </a:lstStyle>
           <a:p>
-            <a:pPr indent="0" algn="ctr">
-              <a:buNone/>
-            </a:pPr>
-            <a:r>
-              <a:rPr b="0" lang="it-IT" sz="1400" spc="-1" strike="noStrike">
-                <a:solidFill>
-                  <a:srgbClr val="000000"/>
-                </a:solidFill>
-                <a:latin typeface="Arial"/>
-              </a:rPr>
-              <a:t>&lt;piè di pagina&gt;</a:t>
-            </a:r>
-            <a:endParaRPr b="0" lang="it-IT" sz="1400" spc="-1" strike="noStrike">
-              <a:solidFill>
-                <a:srgbClr val="000000"/>
-              </a:solidFill>
-              <a:latin typeface="Arial"/>
-            </a:endParaRPr>
-          </a:p>
-        </p:txBody>
-      </p:sp>
-      <p:sp>
-        <p:nvSpPr>
-          <p:cNvPr id="122" name="PlaceHolder 5"/>
-          <p:cNvSpPr>
-            <a:spLocks noGrp="1"/>
-          </p:cNvSpPr>
-          <p:nvPr>
-            <p:ph type="sldNum" idx="9"/>
-          </p:nvPr>
-        </p:nvSpPr>
-        <p:spPr>
-          <a:xfrm>
-            <a:off x="7560000" y="5130000"/>
-            <a:ext cx="2340000" cy="392400"/>
-          </a:xfrm>
-          <a:prstGeom prst="rect">
-            <a:avLst/>
-          </a:prstGeom>
-          <a:noFill/>
-          <a:ln w="0">
-            <a:noFill/>
-          </a:ln>
-        </p:spPr>
-        <p:txBody>
-          <a:bodyPr lIns="0" rIns="0" tIns="0" bIns="0" anchor="b">
-            <a:noAutofit/>
-          </a:bodyPr>
-          <a:lstStyle>
-            <a:lvl1pPr indent="0" algn="r">
-              <a:buNone/>
-              <a:defRPr b="0" lang="it-IT" sz="1400" spc="-1" strike="noStrike">
-                <a:solidFill>
-                  <a:srgbClr val="000000"/>
-                </a:solidFill>
-                <a:latin typeface="Arial"/>
-              </a:defRPr>
-            </a:lvl1pPr>
-          </a:lstStyle>
-          <a:p>
             <a:pPr indent="0" algn="r">
-              <a:buNone/>
-            </a:pPr>
-            <a:fld id="{A84A18ED-A84F-498D-9658-0EC6B81F5D49}" type="slidenum">
+              <a:lnSpc>
+                <a:spcPct val="100000"/>
+              </a:lnSpc>
+              <a:buNone/>
+              <a:tabLst>
+                <a:tab algn="l" pos="0"/>
+              </a:tabLst>
+            </a:pPr>
+            <a:fld id="{939B5943-EF66-46CB-8C5F-4023EEFF8B77}" type="slidenum">
               <a:rPr b="0" lang="it-IT" sz="1400" spc="-1" strike="noStrike">
                 <a:solidFill>
                   <a:srgbClr val="000000"/>
@@ -10569,6 +10586,291 @@
               <a:t>&lt;numero&gt;</a:t>
             </a:fld>
             <a:endParaRPr b="0" lang="it-IT" sz="1400" spc="-1" strike="noStrike">
+              <a:solidFill>
+                <a:srgbClr val="000000"/>
+              </a:solidFill>
+              <a:latin typeface="Times New Roman"/>
+            </a:endParaRPr>
+          </a:p>
+        </p:txBody>
+      </p:sp>
+      <p:sp>
+        <p:nvSpPr>
+          <p:cNvPr id="121" name="PlaceHolder 4"/>
+          <p:cNvSpPr>
+            <a:spLocks noGrp="1"/>
+          </p:cNvSpPr>
+          <p:nvPr>
+            <p:ph type="dt" idx="9"/>
+          </p:nvPr>
+        </p:nvSpPr>
+        <p:spPr>
+          <a:xfrm>
+            <a:off x="180000" y="5130000"/>
+            <a:ext cx="2339640" cy="392040"/>
+          </a:xfrm>
+          <a:prstGeom prst="rect">
+            <a:avLst/>
+          </a:prstGeom>
+          <a:noFill/>
+          <a:ln w="0">
+            <a:noFill/>
+          </a:ln>
+        </p:spPr>
+        <p:txBody>
+          <a:bodyPr lIns="0" rIns="0" tIns="0" bIns="0" anchor="b">
+            <a:noAutofit/>
+          </a:bodyPr>
+          <a:lstStyle>
+            <a:lvl1pPr indent="0">
+              <a:buNone/>
+              <a:defRPr b="0" lang="it-IT" sz="1400" spc="-1" strike="noStrike">
+                <a:solidFill>
+                  <a:srgbClr val="000000"/>
+                </a:solidFill>
+                <a:latin typeface="Times New Roman"/>
+              </a:defRPr>
+            </a:lvl1pPr>
+          </a:lstStyle>
+          <a:p>
+            <a:pPr indent="0">
+              <a:buNone/>
+            </a:pPr>
+            <a:r>
+              <a:rPr b="0" lang="it-IT" sz="1400" spc="-1" strike="noStrike">
+                <a:solidFill>
+                  <a:srgbClr val="000000"/>
+                </a:solidFill>
+                <a:latin typeface="Times New Roman"/>
+              </a:rPr>
+              <a:t>&lt;data/ora&gt;</a:t>
+            </a:r>
+            <a:endParaRPr b="0" lang="it-IT" sz="1400" spc="-1" strike="noStrike">
+              <a:solidFill>
+                <a:srgbClr val="000000"/>
+              </a:solidFill>
+              <a:latin typeface="Times New Roman"/>
+            </a:endParaRPr>
+          </a:p>
+        </p:txBody>
+      </p:sp>
+      <p:sp>
+        <p:nvSpPr>
+          <p:cNvPr id="122" name="PlaceHolder 5"/>
+          <p:cNvSpPr>
+            <a:spLocks noGrp="1"/>
+          </p:cNvSpPr>
+          <p:nvPr>
+            <p:ph type="body"/>
+          </p:nvPr>
+        </p:nvSpPr>
+        <p:spPr>
+          <a:xfrm>
+            <a:off x="504000" y="1326600"/>
+            <a:ext cx="9072000" cy="3288600"/>
+          </a:xfrm>
+          <a:prstGeom prst="rect">
+            <a:avLst/>
+          </a:prstGeom>
+          <a:noFill/>
+          <a:ln w="0">
+            <a:noFill/>
+          </a:ln>
+        </p:spPr>
+        <p:txBody>
+          <a:bodyPr lIns="0" rIns="0" tIns="0" bIns="0" anchor="t">
+            <a:normAutofit/>
+          </a:bodyPr>
+          <a:p>
+            <a:pPr marL="432000" indent="-324000">
+              <a:spcBef>
+                <a:spcPts val="1417"/>
+              </a:spcBef>
+              <a:buClr>
+                <a:srgbClr val="000000"/>
+              </a:buClr>
+              <a:buSzPct val="45000"/>
+              <a:buFont typeface="Wingdings" charset="2"/>
+              <a:buChar char=""/>
+            </a:pPr>
+            <a:r>
+              <a:rPr b="0" lang="it-IT" sz="3200" spc="-1" strike="noStrike">
+                <a:solidFill>
+                  <a:srgbClr val="000000"/>
+                </a:solidFill>
+                <a:latin typeface="Arial"/>
+              </a:rPr>
+              <a:t>Fai clic per modificare il formato del testo della struttura</a:t>
+            </a:r>
+            <a:endParaRPr b="0" lang="it-IT" sz="3200" spc="-1" strike="noStrike">
+              <a:solidFill>
+                <a:srgbClr val="000000"/>
+              </a:solidFill>
+              <a:latin typeface="Arial"/>
+            </a:endParaRPr>
+          </a:p>
+          <a:p>
+            <a:pPr lvl="1" marL="864000" indent="-324000">
+              <a:spcBef>
+                <a:spcPts val="1134"/>
+              </a:spcBef>
+              <a:buClr>
+                <a:srgbClr val="000000"/>
+              </a:buClr>
+              <a:buSzPct val="75000"/>
+              <a:buFont typeface="Symbol" charset="2"/>
+              <a:buChar char=""/>
+            </a:pPr>
+            <a:r>
+              <a:rPr b="0" lang="it-IT" sz="2800" spc="-1" strike="noStrike">
+                <a:solidFill>
+                  <a:srgbClr val="000000"/>
+                </a:solidFill>
+                <a:latin typeface="Arial"/>
+              </a:rPr>
+              <a:t>Secondo livello struttura</a:t>
+            </a:r>
+            <a:endParaRPr b="0" lang="it-IT" sz="2800" spc="-1" strike="noStrike">
+              <a:solidFill>
+                <a:srgbClr val="000000"/>
+              </a:solidFill>
+              <a:latin typeface="Arial"/>
+            </a:endParaRPr>
+          </a:p>
+          <a:p>
+            <a:pPr lvl="2" marL="1296000" indent="-288000">
+              <a:spcBef>
+                <a:spcPts val="850"/>
+              </a:spcBef>
+              <a:buClr>
+                <a:srgbClr val="000000"/>
+              </a:buClr>
+              <a:buSzPct val="45000"/>
+              <a:buFont typeface="Wingdings" charset="2"/>
+              <a:buChar char=""/>
+            </a:pPr>
+            <a:r>
+              <a:rPr b="0" lang="it-IT" sz="2400" spc="-1" strike="noStrike">
+                <a:solidFill>
+                  <a:srgbClr val="000000"/>
+                </a:solidFill>
+                <a:latin typeface="Arial"/>
+              </a:rPr>
+              <a:t>Terzo livello struttura</a:t>
+            </a:r>
+            <a:endParaRPr b="0" lang="it-IT" sz="2400" spc="-1" strike="noStrike">
+              <a:solidFill>
+                <a:srgbClr val="000000"/>
+              </a:solidFill>
+              <a:latin typeface="Arial"/>
+            </a:endParaRPr>
+          </a:p>
+          <a:p>
+            <a:pPr lvl="3" marL="1728000" indent="-216000">
+              <a:spcBef>
+                <a:spcPts val="567"/>
+              </a:spcBef>
+              <a:buClr>
+                <a:srgbClr val="000000"/>
+              </a:buClr>
+              <a:buSzPct val="75000"/>
+              <a:buFont typeface="Symbol" charset="2"/>
+              <a:buChar char=""/>
+            </a:pPr>
+            <a:r>
+              <a:rPr b="0" lang="it-IT" sz="2000" spc="-1" strike="noStrike">
+                <a:solidFill>
+                  <a:srgbClr val="000000"/>
+                </a:solidFill>
+                <a:latin typeface="Arial"/>
+              </a:rPr>
+              <a:t>Quarto livello struttura</a:t>
+            </a:r>
+            <a:endParaRPr b="0" lang="it-IT" sz="2000" spc="-1" strike="noStrike">
+              <a:solidFill>
+                <a:srgbClr val="000000"/>
+              </a:solidFill>
+              <a:latin typeface="Arial"/>
+            </a:endParaRPr>
+          </a:p>
+          <a:p>
+            <a:pPr lvl="4" marL="2160000" indent="-216000">
+              <a:spcBef>
+                <a:spcPts val="283"/>
+              </a:spcBef>
+              <a:buClr>
+                <a:srgbClr val="000000"/>
+              </a:buClr>
+              <a:buSzPct val="45000"/>
+              <a:buFont typeface="Wingdings" charset="2"/>
+              <a:buChar char=""/>
+            </a:pPr>
+            <a:r>
+              <a:rPr b="0" lang="it-IT" sz="2000" spc="-1" strike="noStrike">
+                <a:solidFill>
+                  <a:srgbClr val="000000"/>
+                </a:solidFill>
+                <a:latin typeface="Arial"/>
+              </a:rPr>
+              <a:t>Quinto livello struttura</a:t>
+            </a:r>
+            <a:endParaRPr b="0" lang="it-IT" sz="2000" spc="-1" strike="noStrike">
+              <a:solidFill>
+                <a:srgbClr val="000000"/>
+              </a:solidFill>
+              <a:latin typeface="Arial"/>
+            </a:endParaRPr>
+          </a:p>
+          <a:p>
+            <a:pPr lvl="5" marL="2592000" indent="-216000">
+              <a:spcBef>
+                <a:spcPts val="283"/>
+              </a:spcBef>
+              <a:buClr>
+                <a:srgbClr val="000000"/>
+              </a:buClr>
+              <a:buSzPct val="45000"/>
+              <a:buFont typeface="Wingdings" charset="2"/>
+              <a:buChar char=""/>
+            </a:pPr>
+            <a:r>
+              <a:rPr b="0" lang="it-IT" sz="2000" spc="-1" strike="noStrike">
+                <a:solidFill>
+                  <a:srgbClr val="000000"/>
+                </a:solidFill>
+                <a:latin typeface="Arial"/>
+              </a:rPr>
+              <a:t>Sesto livello struttura</a:t>
+            </a:r>
+            <a:endParaRPr b="0" lang="it-IT" sz="2000" spc="-1" strike="noStrike">
+              <a:solidFill>
+                <a:srgbClr val="000000"/>
+              </a:solidFill>
+              <a:latin typeface="Arial"/>
+            </a:endParaRPr>
+          </a:p>
+          <a:p>
+            <a:pPr lvl="6" marL="3024000" indent="-216000">
+              <a:spcBef>
+                <a:spcPts val="283"/>
+              </a:spcBef>
+              <a:buClr>
+                <a:srgbClr val="000000"/>
+              </a:buClr>
+              <a:buSzPct val="45000"/>
+              <a:buFont typeface="Wingdings" charset="2"/>
+              <a:buChar char=""/>
+            </a:pPr>
+            <a:r>
+              <a:rPr b="0" lang="it-IT" sz="2000" spc="-1" strike="noStrike">
+                <a:solidFill>
+                  <a:srgbClr val="000000"/>
+                </a:solidFill>
+                <a:latin typeface="Arial"/>
+              </a:rPr>
+              <a:t>Settimo livello struttura</a:t>
+            </a:r>
+            <a:endParaRPr b="0" lang="it-IT" sz="2000" spc="-1" strike="noStrike">
               <a:solidFill>
                 <a:srgbClr val="000000"/>
               </a:solidFill>
@@ -10627,7 +10929,7 @@
         <p:spPr>
           <a:xfrm>
             <a:off x="3060000" y="180000"/>
-            <a:ext cx="4211640" cy="900000"/>
+            <a:ext cx="4211280" cy="899640"/>
           </a:xfrm>
           <a:prstGeom prst="rect">
             <a:avLst/>
@@ -10643,7 +10945,13 @@
           </a:bodyPr>
           <a:p>
             <a:pPr indent="0">
-              <a:buNone/>
+              <a:lnSpc>
+                <a:spcPct val="100000"/>
+              </a:lnSpc>
+              <a:buNone/>
+              <a:tabLst>
+                <a:tab algn="l" pos="0"/>
+              </a:tabLst>
             </a:pPr>
             <a:r>
               <a:rPr b="1" lang="it-IT" sz="3300" spc="-1" strike="noStrike" u="sng">
@@ -10657,7 +10965,7 @@
             </a:r>
             <a:endParaRPr b="0" lang="it-IT" sz="3300" spc="-1" strike="noStrike">
               <a:solidFill>
-                <a:srgbClr val="ffffff"/>
+                <a:srgbClr val="000000"/>
               </a:solidFill>
               <a:latin typeface="Arial"/>
             </a:endParaRPr>
@@ -10677,7 +10985,7 @@
         <p:spPr>
           <a:xfrm>
             <a:off x="360000" y="4488120"/>
-            <a:ext cx="2160000" cy="911880"/>
+            <a:ext cx="2159640" cy="911520"/>
           </a:xfrm>
           <a:prstGeom prst="rect">
             <a:avLst/>
@@ -10693,7 +11001,13 @@
           </a:bodyPr>
           <a:p>
             <a:pPr indent="0">
-              <a:buNone/>
+              <a:lnSpc>
+                <a:spcPct val="100000"/>
+              </a:lnSpc>
+              <a:buNone/>
+              <a:tabLst>
+                <a:tab algn="l" pos="0"/>
+              </a:tabLst>
             </a:pPr>
             <a:r>
               <a:rPr b="0" lang="it-IT" sz="1600" spc="-1" strike="noStrike">
@@ -10706,14 +11020,20 @@
             </a:r>
             <a:endParaRPr b="0" lang="it-IT" sz="1600" spc="-1" strike="noStrike">
               <a:solidFill>
-                <a:srgbClr val="ffffff"/>
+                <a:srgbClr val="000000"/>
               </a:solidFill>
               <a:latin typeface="Arial"/>
             </a:endParaRPr>
           </a:p>
           <a:p>
             <a:pPr indent="0">
-              <a:buNone/>
+              <a:lnSpc>
+                <a:spcPct val="100000"/>
+              </a:lnSpc>
+              <a:buNone/>
+              <a:tabLst>
+                <a:tab algn="l" pos="0"/>
+              </a:tabLst>
             </a:pPr>
             <a:r>
               <a:rPr b="0" lang="it-IT" sz="1600" spc="-1" strike="noStrike">
@@ -10726,7 +11046,7 @@
             </a:r>
             <a:endParaRPr b="0" lang="it-IT" sz="1600" spc="-1" strike="noStrike">
               <a:solidFill>
-                <a:srgbClr val="ffffff"/>
+                <a:srgbClr val="000000"/>
               </a:solidFill>
               <a:latin typeface="Arial"/>
             </a:endParaRPr>
@@ -10736,13 +11056,13 @@
       <p:sp>
         <p:nvSpPr>
           <p:cNvPr id="161" name=""/>
-          <p:cNvSpPr txBox="1"/>
+          <p:cNvSpPr/>
           <p:nvPr/>
         </p:nvSpPr>
         <p:spPr>
           <a:xfrm>
             <a:off x="543240" y="2278080"/>
-            <a:ext cx="9356760" cy="601920"/>
+            <a:ext cx="9356400" cy="601560"/>
           </a:xfrm>
           <a:prstGeom prst="rect">
             <a:avLst/>
@@ -10752,11 +11072,22 @@
             <a:noFill/>
           </a:ln>
         </p:spPr>
+        <p:style>
+          <a:lnRef idx="0"/>
+          <a:fillRef idx="0"/>
+          <a:effectRef idx="0"/>
+          <a:fontRef idx="minor"/>
+        </p:style>
         <p:txBody>
           <a:bodyPr lIns="90000" rIns="90000" tIns="45000" bIns="45000" anchor="t">
             <a:noAutofit/>
           </a:bodyPr>
           <a:p>
+            <a:pPr>
+              <a:lnSpc>
+                <a:spcPct val="100000"/>
+              </a:lnSpc>
+            </a:pPr>
             <a:r>
               <a:rPr b="0" lang="it-IT" sz="2200" spc="-1" strike="noStrike">
                 <a:solidFill>
@@ -10774,6 +11105,11 @@
             </a:endParaRPr>
           </a:p>
           <a:p>
+            <a:pPr>
+              <a:lnSpc>
+                <a:spcPct val="100000"/>
+              </a:lnSpc>
+            </a:pPr>
             <a:endParaRPr b="0" lang="it-IT" sz="1800" spc="-1" strike="noStrike">
               <a:solidFill>
                 <a:srgbClr val="000000"/>
@@ -10782,6 +11118,11 @@
             </a:endParaRPr>
           </a:p>
           <a:p>
+            <a:pPr>
+              <a:lnSpc>
+                <a:spcPct val="100000"/>
+              </a:lnSpc>
+            </a:pPr>
             <a:r>
               <a:rPr b="0" lang="it-IT" sz="2200" spc="-1" strike="noStrike">
                 <a:solidFill>
@@ -10799,6 +11140,11 @@
             </a:endParaRPr>
           </a:p>
           <a:p>
+            <a:pPr>
+              <a:lnSpc>
+                <a:spcPct val="100000"/>
+              </a:lnSpc>
+            </a:pPr>
             <a:endParaRPr b="0" lang="it-IT" sz="2000" spc="-1" strike="noStrike">
               <a:solidFill>
                 <a:srgbClr val="000000"/>
@@ -10807,6 +11153,11 @@
             </a:endParaRPr>
           </a:p>
           <a:p>
+            <a:pPr>
+              <a:lnSpc>
+                <a:spcPct val="100000"/>
+              </a:lnSpc>
+            </a:pPr>
             <a:r>
               <a:rPr b="0" lang="it-IT" sz="2200" spc="-1" strike="noStrike">
                 <a:solidFill>
@@ -10828,13 +11179,13 @@
       <p:sp>
         <p:nvSpPr>
           <p:cNvPr id="162" name=""/>
-          <p:cNvSpPr txBox="1"/>
+          <p:cNvSpPr/>
           <p:nvPr/>
         </p:nvSpPr>
         <p:spPr>
           <a:xfrm>
             <a:off x="4500000" y="1440000"/>
-            <a:ext cx="1260000" cy="525960"/>
+            <a:ext cx="1259640" cy="525600"/>
           </a:xfrm>
           <a:prstGeom prst="rect">
             <a:avLst/>
@@ -10844,11 +11195,22 @@
             <a:noFill/>
           </a:ln>
         </p:spPr>
+        <p:style>
+          <a:lnRef idx="0"/>
+          <a:fillRef idx="0"/>
+          <a:effectRef idx="0"/>
+          <a:fontRef idx="minor"/>
+        </p:style>
         <p:txBody>
           <a:bodyPr lIns="90000" rIns="90000" tIns="45000" bIns="45000" anchor="t">
             <a:noAutofit/>
           </a:bodyPr>
           <a:p>
+            <a:pPr>
+              <a:lnSpc>
+                <a:spcPct val="100000"/>
+              </a:lnSpc>
+            </a:pPr>
             <a:r>
               <a:rPr b="1" lang="it-IT" sz="3200" spc="-1" strike="noStrike">
                 <a:solidFill>
@@ -10910,7 +11272,7 @@
         <p:spPr>
           <a:xfrm>
             <a:off x="540000" y="1080000"/>
-            <a:ext cx="9180000" cy="3240000"/>
+            <a:ext cx="9179640" cy="3239640"/>
           </a:xfrm>
           <a:prstGeom prst="rect">
             <a:avLst/>
@@ -10922,14 +11284,20 @@
         </p:spPr>
         <p:txBody>
           <a:bodyPr lIns="0" rIns="0" tIns="0" bIns="0" anchor="t">
-            <a:normAutofit/>
+            <a:normAutofit fontScale="96666"/>
           </a:bodyPr>
           <a:p>
             <a:pPr indent="0">
+              <a:lnSpc>
+                <a:spcPct val="100000"/>
+              </a:lnSpc>
               <a:spcAft>
                 <a:spcPts val="1057"/>
               </a:spcAft>
               <a:buNone/>
+              <a:tabLst>
+                <a:tab algn="l" pos="0"/>
+              </a:tabLst>
             </a:pPr>
             <a:r>
               <a:rPr b="0" lang="it-IT" sz="2400" spc="-1" strike="noStrike">
@@ -10949,10 +11317,16 @@
           </a:p>
           <a:p>
             <a:pPr indent="0">
+              <a:lnSpc>
+                <a:spcPct val="100000"/>
+              </a:lnSpc>
               <a:spcAft>
                 <a:spcPts val="1057"/>
               </a:spcAft>
               <a:buNone/>
+              <a:tabLst>
+                <a:tab algn="l" pos="0"/>
+              </a:tabLst>
             </a:pPr>
             <a:r>
               <a:rPr b="0" lang="it-IT" sz="2400" spc="-1" strike="noStrike">
@@ -10972,10 +11346,16 @@
           </a:p>
           <a:p>
             <a:pPr indent="0">
+              <a:lnSpc>
+                <a:spcPct val="100000"/>
+              </a:lnSpc>
               <a:spcAft>
                 <a:spcPts val="1057"/>
               </a:spcAft>
               <a:buNone/>
+              <a:tabLst>
+                <a:tab algn="l" pos="0"/>
+              </a:tabLst>
             </a:pPr>
             <a:r>
               <a:rPr b="0" lang="it-IT" sz="2400" spc="-1" strike="noStrike">
@@ -10995,10 +11375,16 @@
           </a:p>
           <a:p>
             <a:pPr indent="0">
+              <a:lnSpc>
+                <a:spcPct val="100000"/>
+              </a:lnSpc>
               <a:spcAft>
                 <a:spcPts val="1057"/>
               </a:spcAft>
               <a:buNone/>
+              <a:tabLst>
+                <a:tab algn="l" pos="0"/>
+              </a:tabLst>
             </a:pPr>
             <a:r>
               <a:rPr b="0" lang="it-IT" sz="2400" spc="-1" strike="noStrike">
@@ -11007,7 +11393,7 @@
                 </a:solidFill>
                 <a:latin typeface="Arial"/>
               </a:rPr>
-              <a:t>Durante l’inserimento degli articoli, invece, sarà possibile formattare il testo e visualizzare di ciò che sarà l’impaginazione finale.</a:t>
+              <a:t>Durante l’inserimento degli articoli, invece, sarà possibile formattare il testo e visualizzare ciò che sarà l’impaginazione finale.</a:t>
             </a:r>
             <a:endParaRPr b="0" lang="it-IT" sz="2400" spc="-1" strike="noStrike">
               <a:solidFill>
@@ -11018,10 +11404,16 @@
           </a:p>
           <a:p>
             <a:pPr indent="0">
+              <a:lnSpc>
+                <a:spcPct val="100000"/>
+              </a:lnSpc>
               <a:spcAft>
                 <a:spcPts val="1057"/>
               </a:spcAft>
               <a:buNone/>
+              <a:tabLst>
+                <a:tab algn="l" pos="0"/>
+              </a:tabLst>
             </a:pPr>
             <a:endParaRPr b="0" lang="it-IT" sz="2400" spc="-1" strike="noStrike">
               <a:solidFill>
@@ -11032,10 +11424,16 @@
           </a:p>
           <a:p>
             <a:pPr indent="0">
+              <a:lnSpc>
+                <a:spcPct val="100000"/>
+              </a:lnSpc>
               <a:spcAft>
                 <a:spcPts val="1057"/>
               </a:spcAft>
               <a:buNone/>
+              <a:tabLst>
+                <a:tab algn="l" pos="0"/>
+              </a:tabLst>
             </a:pPr>
             <a:endParaRPr b="0" lang="it-IT" sz="2400" spc="-1" strike="noStrike">
               <a:solidFill>
@@ -11089,7 +11487,7 @@
         <p:spPr>
           <a:xfrm>
             <a:off x="540000" y="180000"/>
-            <a:ext cx="9000000" cy="990000"/>
+            <a:ext cx="8999640" cy="989640"/>
           </a:xfrm>
           <a:prstGeom prst="rect">
             <a:avLst/>
@@ -11105,7 +11503,13 @@
           </a:bodyPr>
           <a:p>
             <a:pPr indent="0" algn="ctr">
-              <a:buNone/>
+              <a:lnSpc>
+                <a:spcPct val="100000"/>
+              </a:lnSpc>
+              <a:buNone/>
+              <a:tabLst>
+                <a:tab algn="l" pos="0"/>
+              </a:tabLst>
             </a:pPr>
             <a:r>
               <a:rPr b="0" lang="it-IT" sz="3300" spc="-1" strike="noStrike">
@@ -11118,7 +11522,7 @@
             </a:r>
             <a:endParaRPr b="0" lang="it-IT" sz="3300" spc="-1" strike="noStrike">
               <a:solidFill>
-                <a:srgbClr val="ffffff"/>
+                <a:srgbClr val="000000"/>
               </a:solidFill>
               <a:latin typeface="Arial"/>
             </a:endParaRPr>
@@ -11138,7 +11542,7 @@
         <p:spPr>
           <a:xfrm>
             <a:off x="360000" y="1620000"/>
-            <a:ext cx="9360000" cy="3780000"/>
+            <a:ext cx="9359640" cy="3779640"/>
           </a:xfrm>
           <a:prstGeom prst="rect">
             <a:avLst/>
@@ -11154,7 +11558,13 @@
           </a:bodyPr>
           <a:p>
             <a:pPr indent="0">
-              <a:buNone/>
+              <a:lnSpc>
+                <a:spcPct val="100000"/>
+              </a:lnSpc>
+              <a:buNone/>
+              <a:tabLst>
+                <a:tab algn="l" pos="0"/>
+              </a:tabLst>
             </a:pPr>
             <a:r>
               <a:rPr b="0" lang="it-IT" sz="2200" spc="-1" strike="noStrike">
@@ -11174,7 +11584,13 @@
           </a:p>
           <a:p>
             <a:pPr indent="0">
-              <a:buNone/>
+              <a:lnSpc>
+                <a:spcPct val="100000"/>
+              </a:lnSpc>
+              <a:buNone/>
+              <a:tabLst>
+                <a:tab algn="l" pos="0"/>
+              </a:tabLst>
             </a:pPr>
             <a:endParaRPr b="0" lang="it-IT" sz="2200" spc="-1" strike="noStrike">
               <a:solidFill>
@@ -11185,11 +11601,17 @@
           </a:p>
           <a:p>
             <a:pPr marL="216000" indent="-216000">
+              <a:lnSpc>
+                <a:spcPct val="100000"/>
+              </a:lnSpc>
               <a:buClr>
                 <a:srgbClr val="000000"/>
               </a:buClr>
               <a:buFont typeface="OpenSymbol"/>
               <a:buAutoNum type="arabicParenR"/>
+              <a:tabLst>
+                <a:tab algn="l" pos="0"/>
+              </a:tabLst>
             </a:pPr>
             <a:r>
               <a:rPr b="0" lang="it-IT" sz="2200" spc="-1" strike="noStrike">
@@ -11218,11 +11640,17 @@
           </a:p>
           <a:p>
             <a:pPr marL="216000" indent="-216000">
+              <a:lnSpc>
+                <a:spcPct val="100000"/>
+              </a:lnSpc>
               <a:buClr>
                 <a:srgbClr val="000000"/>
               </a:buClr>
               <a:buFont typeface="OpenSymbol"/>
               <a:buAutoNum type="arabicParenR"/>
+              <a:tabLst>
+                <a:tab algn="l" pos="0"/>
+              </a:tabLst>
             </a:pPr>
             <a:r>
               <a:rPr b="0" lang="it-IT" sz="2200" spc="-1" strike="noStrike">
@@ -11251,11 +11679,17 @@
           </a:p>
           <a:p>
             <a:pPr marL="216000" indent="-216000">
+              <a:lnSpc>
+                <a:spcPct val="100000"/>
+              </a:lnSpc>
               <a:buClr>
                 <a:srgbClr val="000000"/>
               </a:buClr>
               <a:buFont typeface="OpenSymbol"/>
               <a:buAutoNum type="arabicParenR"/>
+              <a:tabLst>
+                <a:tab algn="l" pos="0"/>
+              </a:tabLst>
             </a:pPr>
             <a:r>
               <a:rPr b="0" lang="it-IT" sz="2200" spc="-1" strike="noStrike">
@@ -11284,11 +11718,17 @@
           </a:p>
           <a:p>
             <a:pPr marL="216000" indent="-216000">
+              <a:lnSpc>
+                <a:spcPct val="100000"/>
+              </a:lnSpc>
               <a:buClr>
                 <a:srgbClr val="000000"/>
               </a:buClr>
               <a:buFont typeface="OpenSymbol"/>
               <a:buAutoNum type="arabicParenR"/>
+              <a:tabLst>
+                <a:tab algn="l" pos="0"/>
+              </a:tabLst>
             </a:pPr>
             <a:r>
               <a:rPr b="0" lang="it-IT" sz="2200" spc="-1" strike="noStrike">
@@ -11317,7 +11757,13 @@
           </a:p>
           <a:p>
             <a:pPr indent="0" algn="ctr">
-              <a:buNone/>
+              <a:lnSpc>
+                <a:spcPct val="100000"/>
+              </a:lnSpc>
+              <a:buNone/>
+              <a:tabLst>
+                <a:tab algn="l" pos="0"/>
+              </a:tabLst>
             </a:pPr>
             <a:endParaRPr b="0" lang="it-IT" sz="3200" spc="-1" strike="noStrike">
               <a:solidFill>
